--- a/Messaging Systems & Message Queues/GoogleCloudPubSub/JamesVu_JordanSmith_BrantKyser/Documentation/CS 6381 Final Project_GoogleCloudPubSub.pptx
+++ b/Messaging Systems & Message Queues/GoogleCloudPubSub/JamesVu_JordanSmith_BrantKyser/Documentation/CS 6381 Final Project_GoogleCloudPubSub.pptx
@@ -8,18 +8,21 @@
     <p:sldId id="256" r:id="rId2"/>
     <p:sldId id="265" r:id="rId3"/>
     <p:sldId id="257" r:id="rId4"/>
-    <p:sldId id="258" r:id="rId5"/>
-    <p:sldId id="260" r:id="rId6"/>
-    <p:sldId id="263" r:id="rId7"/>
-    <p:sldId id="264" r:id="rId8"/>
-    <p:sldId id="266" r:id="rId9"/>
-    <p:sldId id="261" r:id="rId10"/>
-    <p:sldId id="267" r:id="rId11"/>
-    <p:sldId id="268" r:id="rId12"/>
-    <p:sldId id="269" r:id="rId13"/>
-    <p:sldId id="271" r:id="rId14"/>
-    <p:sldId id="272" r:id="rId15"/>
-    <p:sldId id="273" r:id="rId16"/>
+    <p:sldId id="274" r:id="rId5"/>
+    <p:sldId id="275" r:id="rId6"/>
+    <p:sldId id="276" r:id="rId7"/>
+    <p:sldId id="258" r:id="rId8"/>
+    <p:sldId id="260" r:id="rId9"/>
+    <p:sldId id="263" r:id="rId10"/>
+    <p:sldId id="264" r:id="rId11"/>
+    <p:sldId id="266" r:id="rId12"/>
+    <p:sldId id="261" r:id="rId13"/>
+    <p:sldId id="267" r:id="rId14"/>
+    <p:sldId id="268" r:id="rId15"/>
+    <p:sldId id="269" r:id="rId16"/>
+    <p:sldId id="271" r:id="rId17"/>
+    <p:sldId id="272" r:id="rId18"/>
+    <p:sldId id="273" r:id="rId19"/>
   </p:sldIdLst>
   <p:sldSz cx="12192000" cy="6858000"/>
   <p:notesSz cx="6858000" cy="9144000"/>
@@ -273,7 +276,7 @@
           <a:p>
             <a:fld id="{780CB846-DDB1-470A-9108-12EFAE0D2C29}" type="datetimeFigureOut">
               <a:rPr lang="en-US" smtClean="0"/>
-              <a:t>4/18/2021</a:t>
+              <a:t>4/21/2021</a:t>
             </a:fld>
             <a:endParaRPr lang="en-US"/>
           </a:p>
@@ -471,7 +474,7 @@
           <a:p>
             <a:fld id="{780CB846-DDB1-470A-9108-12EFAE0D2C29}" type="datetimeFigureOut">
               <a:rPr lang="en-US" smtClean="0"/>
-              <a:t>4/18/2021</a:t>
+              <a:t>4/21/2021</a:t>
             </a:fld>
             <a:endParaRPr lang="en-US"/>
           </a:p>
@@ -679,7 +682,7 @@
           <a:p>
             <a:fld id="{780CB846-DDB1-470A-9108-12EFAE0D2C29}" type="datetimeFigureOut">
               <a:rPr lang="en-US" smtClean="0"/>
-              <a:t>4/18/2021</a:t>
+              <a:t>4/21/2021</a:t>
             </a:fld>
             <a:endParaRPr lang="en-US"/>
           </a:p>
@@ -877,7 +880,7 @@
           <a:p>
             <a:fld id="{780CB846-DDB1-470A-9108-12EFAE0D2C29}" type="datetimeFigureOut">
               <a:rPr lang="en-US" smtClean="0"/>
-              <a:t>4/18/2021</a:t>
+              <a:t>4/21/2021</a:t>
             </a:fld>
             <a:endParaRPr lang="en-US"/>
           </a:p>
@@ -1152,7 +1155,7 @@
           <a:p>
             <a:fld id="{780CB846-DDB1-470A-9108-12EFAE0D2C29}" type="datetimeFigureOut">
               <a:rPr lang="en-US" smtClean="0"/>
-              <a:t>4/18/2021</a:t>
+              <a:t>4/21/2021</a:t>
             </a:fld>
             <a:endParaRPr lang="en-US"/>
           </a:p>
@@ -1417,7 +1420,7 @@
           <a:p>
             <a:fld id="{780CB846-DDB1-470A-9108-12EFAE0D2C29}" type="datetimeFigureOut">
               <a:rPr lang="en-US" smtClean="0"/>
-              <a:t>4/18/2021</a:t>
+              <a:t>4/21/2021</a:t>
             </a:fld>
             <a:endParaRPr lang="en-US"/>
           </a:p>
@@ -1829,7 +1832,7 @@
           <a:p>
             <a:fld id="{780CB846-DDB1-470A-9108-12EFAE0D2C29}" type="datetimeFigureOut">
               <a:rPr lang="en-US" smtClean="0"/>
-              <a:t>4/18/2021</a:t>
+              <a:t>4/21/2021</a:t>
             </a:fld>
             <a:endParaRPr lang="en-US"/>
           </a:p>
@@ -1970,7 +1973,7 @@
           <a:p>
             <a:fld id="{780CB846-DDB1-470A-9108-12EFAE0D2C29}" type="datetimeFigureOut">
               <a:rPr lang="en-US" smtClean="0"/>
-              <a:t>4/18/2021</a:t>
+              <a:t>4/21/2021</a:t>
             </a:fld>
             <a:endParaRPr lang="en-US"/>
           </a:p>
@@ -2083,7 +2086,7 @@
           <a:p>
             <a:fld id="{780CB846-DDB1-470A-9108-12EFAE0D2C29}" type="datetimeFigureOut">
               <a:rPr lang="en-US" smtClean="0"/>
-              <a:t>4/18/2021</a:t>
+              <a:t>4/21/2021</a:t>
             </a:fld>
             <a:endParaRPr lang="en-US"/>
           </a:p>
@@ -2394,7 +2397,7 @@
           <a:p>
             <a:fld id="{780CB846-DDB1-470A-9108-12EFAE0D2C29}" type="datetimeFigureOut">
               <a:rPr lang="en-US" smtClean="0"/>
-              <a:t>4/18/2021</a:t>
+              <a:t>4/21/2021</a:t>
             </a:fld>
             <a:endParaRPr lang="en-US"/>
           </a:p>
@@ -2682,7 +2685,7 @@
           <a:p>
             <a:fld id="{780CB846-DDB1-470A-9108-12EFAE0D2C29}" type="datetimeFigureOut">
               <a:rPr lang="en-US" smtClean="0"/>
-              <a:t>4/18/2021</a:t>
+              <a:t>4/21/2021</a:t>
             </a:fld>
             <a:endParaRPr lang="en-US"/>
           </a:p>
@@ -2923,7 +2926,7 @@
           <a:p>
             <a:fld id="{780CB846-DDB1-470A-9108-12EFAE0D2C29}" type="datetimeFigureOut">
               <a:rPr lang="en-US" smtClean="0"/>
-              <a:t>4/18/2021</a:t>
+              <a:t>4/21/2021</a:t>
             </a:fld>
             <a:endParaRPr lang="en-US"/>
           </a:p>
@@ -3437,6 +3440,794 @@
           <p:cNvPr id="2" name="Title 1">
             <a:extLst>
               <a:ext uri="{FF2B5EF4-FFF2-40B4-BE49-F238E27FC236}">
+                <a16:creationId xmlns:a16="http://schemas.microsoft.com/office/drawing/2014/main" id="{35A8ADD6-170F-401C-988F-0711A82C4FDA}"/>
+              </a:ext>
+            </a:extLst>
+          </p:cNvPr>
+          <p:cNvSpPr>
+            <a:spLocks noGrp="1"/>
+          </p:cNvSpPr>
+          <p:nvPr>
+            <p:ph type="title"/>
+          </p:nvPr>
+        </p:nvSpPr>
+        <p:spPr/>
+        <p:txBody>
+          <a:bodyPr/>
+          <a:lstStyle/>
+          <a:p>
+            <a:r>
+              <a:rPr lang="en-US" dirty="0"/>
+              <a:t>Run Code to Collect Statistics</a:t>
+            </a:r>
+          </a:p>
+        </p:txBody>
+      </p:sp>
+      <p:sp>
+        <p:nvSpPr>
+          <p:cNvPr id="3" name="Content Placeholder 2">
+            <a:extLst>
+              <a:ext uri="{FF2B5EF4-FFF2-40B4-BE49-F238E27FC236}">
+                <a16:creationId xmlns:a16="http://schemas.microsoft.com/office/drawing/2014/main" id="{7BE1789B-8738-4C09-A8F6-63C9734936FE}"/>
+              </a:ext>
+            </a:extLst>
+          </p:cNvPr>
+          <p:cNvSpPr>
+            <a:spLocks noGrp="1"/>
+          </p:cNvSpPr>
+          <p:nvPr>
+            <p:ph idx="1"/>
+          </p:nvPr>
+        </p:nvSpPr>
+        <p:spPr/>
+        <p:txBody>
+          <a:bodyPr/>
+          <a:lstStyle/>
+          <a:p>
+            <a:r>
+              <a:rPr lang="en-US" sz="1800" dirty="0">
+                <a:effectLst/>
+                <a:latin typeface="Calibri" panose="020F0502020204030204" pitchFamily="34" charset="0"/>
+                <a:ea typeface="Calibri" panose="020F0502020204030204" pitchFamily="34" charset="0"/>
+                <a:cs typeface="Times New Roman" panose="02020603050405020304" pitchFamily="18" charset="0"/>
+              </a:rPr>
+              <a:t>Run calculateStatistics.py to calculate statistics of time measurements.</a:t>
+            </a:r>
+          </a:p>
+          <a:p>
+            <a:r>
+              <a:rPr lang="en-US" sz="1800" dirty="0">
+                <a:effectLst/>
+                <a:latin typeface="Calibri" panose="020F0502020204030204" pitchFamily="34" charset="0"/>
+                <a:ea typeface="Calibri" panose="020F0502020204030204" pitchFamily="34" charset="0"/>
+                <a:cs typeface="Times New Roman" panose="02020603050405020304" pitchFamily="18" charset="0"/>
+              </a:rPr>
+              <a:t>You can measure hardware performance continuously by running hardwareMeasure.py, which will print the latest information.</a:t>
+            </a:r>
+            <a:endParaRPr lang="en-US" dirty="0"/>
+          </a:p>
+        </p:txBody>
+      </p:sp>
+    </p:spTree>
+    <p:extLst>
+      <p:ext uri="{BB962C8B-B14F-4D97-AF65-F5344CB8AC3E}">
+        <p14:creationId xmlns:p14="http://schemas.microsoft.com/office/powerpoint/2010/main" val="1353653471"/>
+      </p:ext>
+    </p:extLst>
+  </p:cSld>
+  <p:clrMapOvr>
+    <a:masterClrMapping/>
+  </p:clrMapOvr>
+</p:sld>
+</file>
+
+<file path=ppt/slides/slide11.xml><?xml version="1.0" encoding="utf-8"?>
+<p:sld xmlns:a="http://schemas.openxmlformats.org/drawingml/2006/main" xmlns:r="http://schemas.openxmlformats.org/officeDocument/2006/relationships" xmlns:p="http://schemas.openxmlformats.org/presentationml/2006/main">
+  <p:cSld>
+    <p:spTree>
+      <p:nvGrpSpPr>
+        <p:cNvPr id="1" name=""/>
+        <p:cNvGrpSpPr/>
+        <p:nvPr/>
+      </p:nvGrpSpPr>
+      <p:grpSpPr>
+        <a:xfrm>
+          <a:off x="0" y="0"/>
+          <a:ext cx="0" cy="0"/>
+          <a:chOff x="0" y="0"/>
+          <a:chExt cx="0" cy="0"/>
+        </a:xfrm>
+      </p:grpSpPr>
+      <p:sp>
+        <p:nvSpPr>
+          <p:cNvPr id="2" name="Title 1">
+            <a:extLst>
+              <a:ext uri="{FF2B5EF4-FFF2-40B4-BE49-F238E27FC236}">
+                <a16:creationId xmlns:a16="http://schemas.microsoft.com/office/drawing/2014/main" id="{AA6541A3-1098-4890-9026-B4A319A3388D}"/>
+              </a:ext>
+            </a:extLst>
+          </p:cNvPr>
+          <p:cNvSpPr>
+            <a:spLocks noGrp="1"/>
+          </p:cNvSpPr>
+          <p:nvPr>
+            <p:ph type="title"/>
+          </p:nvPr>
+        </p:nvSpPr>
+        <p:spPr/>
+        <p:txBody>
+          <a:bodyPr/>
+          <a:lstStyle/>
+          <a:p>
+            <a:r>
+              <a:rPr lang="en-US" dirty="0"/>
+              <a:t>Conditions Tested</a:t>
+            </a:r>
+          </a:p>
+        </p:txBody>
+      </p:sp>
+      <p:sp>
+        <p:nvSpPr>
+          <p:cNvPr id="3" name="Content Placeholder 2">
+            <a:extLst>
+              <a:ext uri="{FF2B5EF4-FFF2-40B4-BE49-F238E27FC236}">
+                <a16:creationId xmlns:a16="http://schemas.microsoft.com/office/drawing/2014/main" id="{B864DC10-6976-4355-9561-2E266CDAF092}"/>
+              </a:ext>
+            </a:extLst>
+          </p:cNvPr>
+          <p:cNvSpPr>
+            <a:spLocks noGrp="1"/>
+          </p:cNvSpPr>
+          <p:nvPr>
+            <p:ph idx="1"/>
+          </p:nvPr>
+        </p:nvSpPr>
+        <p:spPr/>
+        <p:txBody>
+          <a:bodyPr/>
+          <a:lstStyle/>
+          <a:p>
+            <a:pPr marL="342900" marR="0" lvl="0" indent="-342900">
+              <a:lnSpc>
+                <a:spcPct val="107000"/>
+              </a:lnSpc>
+              <a:spcBef>
+                <a:spcPts val="0"/>
+              </a:spcBef>
+              <a:spcAft>
+                <a:spcPts val="0"/>
+              </a:spcAft>
+              <a:buFont typeface="Symbol" panose="05050102010706020507" pitchFamily="18" charset="2"/>
+              <a:buChar char=""/>
+            </a:pPr>
+            <a:r>
+              <a:rPr lang="en-US" sz="1800" dirty="0">
+                <a:effectLst/>
+                <a:latin typeface="Calibri" panose="020F0502020204030204" pitchFamily="34" charset="0"/>
+                <a:ea typeface="Calibri" panose="020F0502020204030204" pitchFamily="34" charset="0"/>
+                <a:cs typeface="Times New Roman" panose="02020603050405020304" pitchFamily="18" charset="0"/>
+              </a:rPr>
+              <a:t>Treated Google Cloud Pub Sub message sender (</a:t>
+            </a:r>
+            <a:r>
+              <a:rPr lang="en-US" sz="1800" dirty="0" err="1">
+                <a:effectLst/>
+                <a:latin typeface="Calibri" panose="020F0502020204030204" pitchFamily="34" charset="0"/>
+                <a:ea typeface="Calibri" panose="020F0502020204030204" pitchFamily="34" charset="0"/>
+                <a:cs typeface="Times New Roman" panose="02020603050405020304" pitchFamily="18" charset="0"/>
+              </a:rPr>
+              <a:t>i</a:t>
+            </a:r>
+            <a:r>
+              <a:rPr lang="en-US" sz="1800" dirty="0">
+                <a:effectLst/>
+                <a:latin typeface="Calibri" panose="020F0502020204030204" pitchFamily="34" charset="0"/>
+                <a:ea typeface="Calibri" panose="020F0502020204030204" pitchFamily="34" charset="0"/>
+                <a:cs typeface="Times New Roman" panose="02020603050405020304" pitchFamily="18" charset="0"/>
+              </a:rPr>
+              <a:t>. e. </a:t>
+            </a:r>
+            <a:r>
+              <a:rPr lang="en-US" sz="1800" dirty="0">
+                <a:latin typeface="Calibri" panose="020F0502020204030204" pitchFamily="34" charset="0"/>
+                <a:ea typeface="Calibri" panose="020F0502020204030204" pitchFamily="34" charset="0"/>
+                <a:cs typeface="Times New Roman" panose="02020603050405020304" pitchFamily="18" charset="0"/>
+              </a:rPr>
+              <a:t>broker.py)</a:t>
+            </a:r>
+            <a:r>
+              <a:rPr lang="en-US" sz="1800" dirty="0">
+                <a:effectLst/>
+                <a:latin typeface="Calibri" panose="020F0502020204030204" pitchFamily="34" charset="0"/>
+                <a:ea typeface="Calibri" panose="020F0502020204030204" pitchFamily="34" charset="0"/>
+                <a:cs typeface="Times New Roman" panose="02020603050405020304" pitchFamily="18" charset="0"/>
+              </a:rPr>
+              <a:t> as producer and Google Cloud Pub Sub message receiver (</a:t>
+            </a:r>
+            <a:r>
+              <a:rPr lang="en-US" sz="1800" dirty="0" err="1">
+                <a:effectLst/>
+                <a:latin typeface="Calibri" panose="020F0502020204030204" pitchFamily="34" charset="0"/>
+                <a:ea typeface="Calibri" panose="020F0502020204030204" pitchFamily="34" charset="0"/>
+                <a:cs typeface="Times New Roman" panose="02020603050405020304" pitchFamily="18" charset="0"/>
+              </a:rPr>
+              <a:t>i</a:t>
+            </a:r>
+            <a:r>
+              <a:rPr lang="en-US" sz="1800" dirty="0">
+                <a:effectLst/>
+                <a:latin typeface="Calibri" panose="020F0502020204030204" pitchFamily="34" charset="0"/>
+                <a:ea typeface="Calibri" panose="020F0502020204030204" pitchFamily="34" charset="0"/>
+                <a:cs typeface="Times New Roman" panose="02020603050405020304" pitchFamily="18" charset="0"/>
+              </a:rPr>
+              <a:t>.</a:t>
+            </a:r>
+            <a:r>
+              <a:rPr lang="en-US" sz="1800" dirty="0">
+                <a:latin typeface="Calibri" panose="020F0502020204030204" pitchFamily="34" charset="0"/>
+                <a:ea typeface="Calibri" panose="020F0502020204030204" pitchFamily="34" charset="0"/>
+                <a:cs typeface="Times New Roman" panose="02020603050405020304" pitchFamily="18" charset="0"/>
+              </a:rPr>
+              <a:t> e. sub.py)</a:t>
+            </a:r>
+            <a:r>
+              <a:rPr lang="en-US" sz="1800" dirty="0">
+                <a:effectLst/>
+                <a:latin typeface="Calibri" panose="020F0502020204030204" pitchFamily="34" charset="0"/>
+                <a:ea typeface="Calibri" panose="020F0502020204030204" pitchFamily="34" charset="0"/>
+                <a:cs typeface="Times New Roman" panose="02020603050405020304" pitchFamily="18" charset="0"/>
+              </a:rPr>
+              <a:t> as consumer</a:t>
+            </a:r>
+          </a:p>
+          <a:p>
+            <a:pPr marL="342900" marR="0" lvl="0" indent="-342900">
+              <a:lnSpc>
+                <a:spcPct val="107000"/>
+              </a:lnSpc>
+              <a:spcBef>
+                <a:spcPts val="0"/>
+              </a:spcBef>
+              <a:spcAft>
+                <a:spcPts val="0"/>
+              </a:spcAft>
+              <a:buFont typeface="Symbol" panose="05050102010706020507" pitchFamily="18" charset="2"/>
+              <a:buChar char=""/>
+            </a:pPr>
+            <a:r>
+              <a:rPr lang="en-US" sz="1800" dirty="0">
+                <a:latin typeface="Calibri" panose="020F0502020204030204" pitchFamily="34" charset="0"/>
+                <a:ea typeface="Calibri" panose="020F0502020204030204" pitchFamily="34" charset="0"/>
+                <a:cs typeface="Times New Roman" panose="02020603050405020304" pitchFamily="18" charset="0"/>
+              </a:rPr>
+              <a:t>Tests accounted for messages of different lengths</a:t>
+            </a:r>
+            <a:endParaRPr lang="en-US" sz="1800" dirty="0">
+              <a:effectLst/>
+              <a:latin typeface="Calibri" panose="020F0502020204030204" pitchFamily="34" charset="0"/>
+              <a:ea typeface="Calibri" panose="020F0502020204030204" pitchFamily="34" charset="0"/>
+              <a:cs typeface="Times New Roman" panose="02020603050405020304" pitchFamily="18" charset="0"/>
+            </a:endParaRPr>
+          </a:p>
+          <a:p>
+            <a:pPr marL="342900" marR="0" lvl="0" indent="-342900">
+              <a:lnSpc>
+                <a:spcPct val="107000"/>
+              </a:lnSpc>
+              <a:spcBef>
+                <a:spcPts val="0"/>
+              </a:spcBef>
+              <a:spcAft>
+                <a:spcPts val="0"/>
+              </a:spcAft>
+              <a:buFont typeface="Symbol" panose="05050102010706020507" pitchFamily="18" charset="2"/>
+              <a:buChar char=""/>
+            </a:pPr>
+            <a:r>
+              <a:rPr lang="en-US" sz="1800" dirty="0">
+                <a:effectLst/>
+                <a:latin typeface="Calibri" panose="020F0502020204030204" pitchFamily="34" charset="0"/>
+                <a:ea typeface="Calibri" panose="020F0502020204030204" pitchFamily="34" charset="0"/>
+                <a:cs typeface="Times New Roman" panose="02020603050405020304" pitchFamily="18" charset="0"/>
+              </a:rPr>
+              <a:t>1 producer vs. 1 consumer</a:t>
+            </a:r>
+          </a:p>
+          <a:p>
+            <a:pPr marL="342900" marR="0" lvl="0" indent="-342900">
+              <a:lnSpc>
+                <a:spcPct val="107000"/>
+              </a:lnSpc>
+              <a:spcBef>
+                <a:spcPts val="0"/>
+              </a:spcBef>
+              <a:spcAft>
+                <a:spcPts val="0"/>
+              </a:spcAft>
+              <a:buFont typeface="Symbol" panose="05050102010706020507" pitchFamily="18" charset="2"/>
+              <a:buChar char=""/>
+            </a:pPr>
+            <a:r>
+              <a:rPr lang="en-US" sz="1800" dirty="0">
+                <a:effectLst/>
+                <a:latin typeface="Calibri" panose="020F0502020204030204" pitchFamily="34" charset="0"/>
+                <a:ea typeface="Calibri" panose="020F0502020204030204" pitchFamily="34" charset="0"/>
+                <a:cs typeface="Times New Roman" panose="02020603050405020304" pitchFamily="18" charset="0"/>
+              </a:rPr>
+              <a:t>1 producer vs. 5 consumers</a:t>
+            </a:r>
+          </a:p>
+          <a:p>
+            <a:pPr marL="342900" marR="0" lvl="0" indent="-342900">
+              <a:lnSpc>
+                <a:spcPct val="107000"/>
+              </a:lnSpc>
+              <a:spcBef>
+                <a:spcPts val="0"/>
+              </a:spcBef>
+              <a:spcAft>
+                <a:spcPts val="0"/>
+              </a:spcAft>
+              <a:buFont typeface="Symbol" panose="05050102010706020507" pitchFamily="18" charset="2"/>
+              <a:buChar char=""/>
+            </a:pPr>
+            <a:r>
+              <a:rPr lang="en-US" sz="1800" dirty="0">
+                <a:effectLst/>
+                <a:latin typeface="Calibri" panose="020F0502020204030204" pitchFamily="34" charset="0"/>
+                <a:ea typeface="Calibri" panose="020F0502020204030204" pitchFamily="34" charset="0"/>
+                <a:cs typeface="Times New Roman" panose="02020603050405020304" pitchFamily="18" charset="0"/>
+              </a:rPr>
+              <a:t>5 producers vs. 1 consumer</a:t>
+            </a:r>
+          </a:p>
+          <a:p>
+            <a:pPr marL="342900" marR="0" lvl="0" indent="-342900">
+              <a:lnSpc>
+                <a:spcPct val="107000"/>
+              </a:lnSpc>
+              <a:spcBef>
+                <a:spcPts val="0"/>
+              </a:spcBef>
+              <a:spcAft>
+                <a:spcPts val="0"/>
+              </a:spcAft>
+              <a:buFont typeface="Symbol" panose="05050102010706020507" pitchFamily="18" charset="2"/>
+              <a:buChar char=""/>
+            </a:pPr>
+            <a:r>
+              <a:rPr lang="en-US" sz="1800" dirty="0">
+                <a:effectLst/>
+                <a:latin typeface="Calibri" panose="020F0502020204030204" pitchFamily="34" charset="0"/>
+                <a:ea typeface="Calibri" panose="020F0502020204030204" pitchFamily="34" charset="0"/>
+                <a:cs typeface="Times New Roman" panose="02020603050405020304" pitchFamily="18" charset="0"/>
+              </a:rPr>
+              <a:t>3 x (8 producers vs. 8 consumers)</a:t>
+            </a:r>
+          </a:p>
+          <a:p>
+            <a:pPr marL="342900" marR="0" lvl="0" indent="-342900">
+              <a:lnSpc>
+                <a:spcPct val="107000"/>
+              </a:lnSpc>
+              <a:spcBef>
+                <a:spcPts val="0"/>
+              </a:spcBef>
+              <a:spcAft>
+                <a:spcPts val="800"/>
+              </a:spcAft>
+              <a:buFont typeface="Symbol" panose="05050102010706020507" pitchFamily="18" charset="2"/>
+              <a:buChar char=""/>
+            </a:pPr>
+            <a:r>
+              <a:rPr lang="en-US" sz="1800" dirty="0">
+                <a:effectLst/>
+                <a:latin typeface="Calibri" panose="020F0502020204030204" pitchFamily="34" charset="0"/>
+                <a:ea typeface="Calibri" panose="020F0502020204030204" pitchFamily="34" charset="0"/>
+                <a:cs typeface="Times New Roman" panose="02020603050405020304" pitchFamily="18" charset="0"/>
+              </a:rPr>
+              <a:t>4 x (25 producers vs. 25 consumers)</a:t>
+            </a:r>
+          </a:p>
+        </p:txBody>
+      </p:sp>
+    </p:spTree>
+    <p:extLst>
+      <p:ext uri="{BB962C8B-B14F-4D97-AF65-F5344CB8AC3E}">
+        <p14:creationId xmlns:p14="http://schemas.microsoft.com/office/powerpoint/2010/main" val="713689981"/>
+      </p:ext>
+    </p:extLst>
+  </p:cSld>
+  <p:clrMapOvr>
+    <a:masterClrMapping/>
+  </p:clrMapOvr>
+</p:sld>
+</file>
+
+<file path=ppt/slides/slide12.xml><?xml version="1.0" encoding="utf-8"?>
+<p:sld xmlns:a="http://schemas.openxmlformats.org/drawingml/2006/main" xmlns:r="http://schemas.openxmlformats.org/officeDocument/2006/relationships" xmlns:p="http://schemas.openxmlformats.org/presentationml/2006/main">
+  <p:cSld>
+    <p:spTree>
+      <p:nvGrpSpPr>
+        <p:cNvPr id="1" name=""/>
+        <p:cNvGrpSpPr/>
+        <p:nvPr/>
+      </p:nvGrpSpPr>
+      <p:grpSpPr>
+        <a:xfrm>
+          <a:off x="0" y="0"/>
+          <a:ext cx="0" cy="0"/>
+          <a:chOff x="0" y="0"/>
+          <a:chExt cx="0" cy="0"/>
+        </a:xfrm>
+      </p:grpSpPr>
+      <p:sp>
+        <p:nvSpPr>
+          <p:cNvPr id="2" name="Title 1">
+            <a:extLst>
+              <a:ext uri="{FF2B5EF4-FFF2-40B4-BE49-F238E27FC236}">
+                <a16:creationId xmlns:a16="http://schemas.microsoft.com/office/drawing/2014/main" id="{0509F655-FEF5-44D1-86E3-4106A29AA161}"/>
+              </a:ext>
+            </a:extLst>
+          </p:cNvPr>
+          <p:cNvSpPr>
+            <a:spLocks noGrp="1"/>
+          </p:cNvSpPr>
+          <p:nvPr>
+            <p:ph type="title"/>
+          </p:nvPr>
+        </p:nvSpPr>
+        <p:spPr/>
+        <p:txBody>
+          <a:bodyPr/>
+          <a:lstStyle/>
+          <a:p>
+            <a:r>
+              <a:rPr lang="en-US" dirty="0"/>
+              <a:t>Result Format</a:t>
+            </a:r>
+          </a:p>
+        </p:txBody>
+      </p:sp>
+      <p:sp>
+        <p:nvSpPr>
+          <p:cNvPr id="3" name="Content Placeholder 2">
+            <a:extLst>
+              <a:ext uri="{FF2B5EF4-FFF2-40B4-BE49-F238E27FC236}">
+                <a16:creationId xmlns:a16="http://schemas.microsoft.com/office/drawing/2014/main" id="{5C6D7C08-72E5-4E46-B9B9-2565E8BB6B40}"/>
+              </a:ext>
+            </a:extLst>
+          </p:cNvPr>
+          <p:cNvSpPr>
+            <a:spLocks noGrp="1"/>
+          </p:cNvSpPr>
+          <p:nvPr>
+            <p:ph idx="1"/>
+          </p:nvPr>
+        </p:nvSpPr>
+        <p:spPr>
+          <a:xfrm>
+            <a:off x="7544176" y="1638084"/>
+            <a:ext cx="3927764" cy="4351338"/>
+          </a:xfrm>
+        </p:spPr>
+        <p:txBody>
+          <a:bodyPr/>
+          <a:lstStyle/>
+          <a:p>
+            <a:r>
+              <a:rPr lang="en-US" dirty="0"/>
+              <a:t>Calculations CSV</a:t>
+            </a:r>
+          </a:p>
+          <a:p>
+            <a:endParaRPr lang="en-US" dirty="0"/>
+          </a:p>
+          <a:p>
+            <a:endParaRPr lang="en-US" dirty="0"/>
+          </a:p>
+        </p:txBody>
+      </p:sp>
+      <p:pic>
+        <p:nvPicPr>
+          <p:cNvPr id="7" name="Picture 6">
+            <a:extLst>
+              <a:ext uri="{FF2B5EF4-FFF2-40B4-BE49-F238E27FC236}">
+                <a16:creationId xmlns:a16="http://schemas.microsoft.com/office/drawing/2014/main" id="{FEB64B53-CACD-4E8C-A5EF-4202D99D17C3}"/>
+              </a:ext>
+            </a:extLst>
+          </p:cNvPr>
+          <p:cNvPicPr>
+            <a:picLocks noChangeAspect="1"/>
+          </p:cNvPicPr>
+          <p:nvPr/>
+        </p:nvPicPr>
+        <p:blipFill>
+          <a:blip r:embed="rId2"/>
+          <a:stretch>
+            <a:fillRect/>
+          </a:stretch>
+        </p:blipFill>
+        <p:spPr>
+          <a:xfrm>
+            <a:off x="7577379" y="2226118"/>
+            <a:ext cx="3288417" cy="3962246"/>
+          </a:xfrm>
+          <a:prstGeom prst="rect">
+            <a:avLst/>
+          </a:prstGeom>
+        </p:spPr>
+      </p:pic>
+      <p:sp>
+        <p:nvSpPr>
+          <p:cNvPr id="8" name="Content Placeholder 2">
+            <a:extLst>
+              <a:ext uri="{FF2B5EF4-FFF2-40B4-BE49-F238E27FC236}">
+                <a16:creationId xmlns:a16="http://schemas.microsoft.com/office/drawing/2014/main" id="{07E721D5-840F-426D-860A-C2D3BA5A2716}"/>
+              </a:ext>
+            </a:extLst>
+          </p:cNvPr>
+          <p:cNvSpPr txBox="1">
+            <a:spLocks/>
+          </p:cNvSpPr>
+          <p:nvPr/>
+        </p:nvSpPr>
+        <p:spPr>
+          <a:xfrm>
+            <a:off x="760848" y="1585479"/>
+            <a:ext cx="4845626" cy="4351338"/>
+          </a:xfrm>
+          <a:prstGeom prst="rect">
+            <a:avLst/>
+          </a:prstGeom>
+        </p:spPr>
+        <p:txBody>
+          <a:bodyPr vert="horz" lIns="91440" tIns="45720" rIns="91440" bIns="45720" rtlCol="0">
+            <a:normAutofit/>
+          </a:bodyPr>
+          <a:lstStyle>
+            <a:lvl1pPr marL="228600" indent="-228600" algn="l" defTabSz="914400" rtl="0" eaLnBrk="1" latinLnBrk="0" hangingPunct="1">
+              <a:lnSpc>
+                <a:spcPct val="90000"/>
+              </a:lnSpc>
+              <a:spcBef>
+                <a:spcPts val="1000"/>
+              </a:spcBef>
+              <a:buFont typeface="Arial" panose="020B0604020202020204" pitchFamily="34" charset="0"/>
+              <a:buChar char="•"/>
+              <a:defRPr sz="2800" kern="1200">
+                <a:solidFill>
+                  <a:schemeClr val="tx1"/>
+                </a:solidFill>
+                <a:latin typeface="+mn-lt"/>
+                <a:ea typeface="+mn-ea"/>
+                <a:cs typeface="+mn-cs"/>
+              </a:defRPr>
+            </a:lvl1pPr>
+            <a:lvl2pPr marL="685800" indent="-228600" algn="l" defTabSz="914400" rtl="0" eaLnBrk="1" latinLnBrk="0" hangingPunct="1">
+              <a:lnSpc>
+                <a:spcPct val="90000"/>
+              </a:lnSpc>
+              <a:spcBef>
+                <a:spcPts val="500"/>
+              </a:spcBef>
+              <a:buFont typeface="Arial" panose="020B0604020202020204" pitchFamily="34" charset="0"/>
+              <a:buChar char="•"/>
+              <a:defRPr sz="2400" kern="1200">
+                <a:solidFill>
+                  <a:schemeClr val="tx1"/>
+                </a:solidFill>
+                <a:latin typeface="+mn-lt"/>
+                <a:ea typeface="+mn-ea"/>
+                <a:cs typeface="+mn-cs"/>
+              </a:defRPr>
+            </a:lvl2pPr>
+            <a:lvl3pPr marL="1143000" indent="-228600" algn="l" defTabSz="914400" rtl="0" eaLnBrk="1" latinLnBrk="0" hangingPunct="1">
+              <a:lnSpc>
+                <a:spcPct val="90000"/>
+              </a:lnSpc>
+              <a:spcBef>
+                <a:spcPts val="500"/>
+              </a:spcBef>
+              <a:buFont typeface="Arial" panose="020B0604020202020204" pitchFamily="34" charset="0"/>
+              <a:buChar char="•"/>
+              <a:defRPr sz="2000" kern="1200">
+                <a:solidFill>
+                  <a:schemeClr val="tx1"/>
+                </a:solidFill>
+                <a:latin typeface="+mn-lt"/>
+                <a:ea typeface="+mn-ea"/>
+                <a:cs typeface="+mn-cs"/>
+              </a:defRPr>
+            </a:lvl3pPr>
+            <a:lvl4pPr marL="1600200" indent="-228600" algn="l" defTabSz="914400" rtl="0" eaLnBrk="1" latinLnBrk="0" hangingPunct="1">
+              <a:lnSpc>
+                <a:spcPct val="90000"/>
+              </a:lnSpc>
+              <a:spcBef>
+                <a:spcPts val="500"/>
+              </a:spcBef>
+              <a:buFont typeface="Arial" panose="020B0604020202020204" pitchFamily="34" charset="0"/>
+              <a:buChar char="•"/>
+              <a:defRPr sz="1800" kern="1200">
+                <a:solidFill>
+                  <a:schemeClr val="tx1"/>
+                </a:solidFill>
+                <a:latin typeface="+mn-lt"/>
+                <a:ea typeface="+mn-ea"/>
+                <a:cs typeface="+mn-cs"/>
+              </a:defRPr>
+            </a:lvl4pPr>
+            <a:lvl5pPr marL="2057400" indent="-228600" algn="l" defTabSz="914400" rtl="0" eaLnBrk="1" latinLnBrk="0" hangingPunct="1">
+              <a:lnSpc>
+                <a:spcPct val="90000"/>
+              </a:lnSpc>
+              <a:spcBef>
+                <a:spcPts val="500"/>
+              </a:spcBef>
+              <a:buFont typeface="Arial" panose="020B0604020202020204" pitchFamily="34" charset="0"/>
+              <a:buChar char="•"/>
+              <a:defRPr sz="1800" kern="1200">
+                <a:solidFill>
+                  <a:schemeClr val="tx1"/>
+                </a:solidFill>
+                <a:latin typeface="+mn-lt"/>
+                <a:ea typeface="+mn-ea"/>
+                <a:cs typeface="+mn-cs"/>
+              </a:defRPr>
+            </a:lvl5pPr>
+            <a:lvl6pPr marL="2514600" indent="-228600" algn="l" defTabSz="914400" rtl="0" eaLnBrk="1" latinLnBrk="0" hangingPunct="1">
+              <a:lnSpc>
+                <a:spcPct val="90000"/>
+              </a:lnSpc>
+              <a:spcBef>
+                <a:spcPts val="500"/>
+              </a:spcBef>
+              <a:buFont typeface="Arial" panose="020B0604020202020204" pitchFamily="34" charset="0"/>
+              <a:buChar char="•"/>
+              <a:defRPr sz="1800" kern="1200">
+                <a:solidFill>
+                  <a:schemeClr val="tx1"/>
+                </a:solidFill>
+                <a:latin typeface="+mn-lt"/>
+                <a:ea typeface="+mn-ea"/>
+                <a:cs typeface="+mn-cs"/>
+              </a:defRPr>
+            </a:lvl6pPr>
+            <a:lvl7pPr marL="2971800" indent="-228600" algn="l" defTabSz="914400" rtl="0" eaLnBrk="1" latinLnBrk="0" hangingPunct="1">
+              <a:lnSpc>
+                <a:spcPct val="90000"/>
+              </a:lnSpc>
+              <a:spcBef>
+                <a:spcPts val="500"/>
+              </a:spcBef>
+              <a:buFont typeface="Arial" panose="020B0604020202020204" pitchFamily="34" charset="0"/>
+              <a:buChar char="•"/>
+              <a:defRPr sz="1800" kern="1200">
+                <a:solidFill>
+                  <a:schemeClr val="tx1"/>
+                </a:solidFill>
+                <a:latin typeface="+mn-lt"/>
+                <a:ea typeface="+mn-ea"/>
+                <a:cs typeface="+mn-cs"/>
+              </a:defRPr>
+            </a:lvl7pPr>
+            <a:lvl8pPr marL="3429000" indent="-228600" algn="l" defTabSz="914400" rtl="0" eaLnBrk="1" latinLnBrk="0" hangingPunct="1">
+              <a:lnSpc>
+                <a:spcPct val="90000"/>
+              </a:lnSpc>
+              <a:spcBef>
+                <a:spcPts val="500"/>
+              </a:spcBef>
+              <a:buFont typeface="Arial" panose="020B0604020202020204" pitchFamily="34" charset="0"/>
+              <a:buChar char="•"/>
+              <a:defRPr sz="1800" kern="1200">
+                <a:solidFill>
+                  <a:schemeClr val="tx1"/>
+                </a:solidFill>
+                <a:latin typeface="+mn-lt"/>
+                <a:ea typeface="+mn-ea"/>
+                <a:cs typeface="+mn-cs"/>
+              </a:defRPr>
+            </a:lvl8pPr>
+            <a:lvl9pPr marL="3886200" indent="-228600" algn="l" defTabSz="914400" rtl="0" eaLnBrk="1" latinLnBrk="0" hangingPunct="1">
+              <a:lnSpc>
+                <a:spcPct val="90000"/>
+              </a:lnSpc>
+              <a:spcBef>
+                <a:spcPts val="500"/>
+              </a:spcBef>
+              <a:buFont typeface="Arial" panose="020B0604020202020204" pitchFamily="34" charset="0"/>
+              <a:buChar char="•"/>
+              <a:defRPr sz="1800" kern="1200">
+                <a:solidFill>
+                  <a:schemeClr val="tx1"/>
+                </a:solidFill>
+                <a:latin typeface="+mn-lt"/>
+                <a:ea typeface="+mn-ea"/>
+                <a:cs typeface="+mn-cs"/>
+              </a:defRPr>
+            </a:lvl9pPr>
+          </a:lstStyle>
+          <a:p>
+            <a:r>
+              <a:rPr lang="en-US" dirty="0"/>
+              <a:t>Time Measurements CSV</a:t>
+            </a:r>
+          </a:p>
+          <a:p>
+            <a:endParaRPr lang="en-US" dirty="0"/>
+          </a:p>
+          <a:p>
+            <a:endParaRPr lang="en-US" dirty="0"/>
+          </a:p>
+        </p:txBody>
+      </p:sp>
+      <p:pic>
+        <p:nvPicPr>
+          <p:cNvPr id="10" name="Picture 9">
+            <a:extLst>
+              <a:ext uri="{FF2B5EF4-FFF2-40B4-BE49-F238E27FC236}">
+                <a16:creationId xmlns:a16="http://schemas.microsoft.com/office/drawing/2014/main" id="{BAD97712-1869-49DD-A077-4E449D8630EA}"/>
+              </a:ext>
+            </a:extLst>
+          </p:cNvPr>
+          <p:cNvPicPr>
+            <a:picLocks noChangeAspect="1"/>
+          </p:cNvPicPr>
+          <p:nvPr/>
+        </p:nvPicPr>
+        <p:blipFill>
+          <a:blip r:embed="rId3"/>
+          <a:stretch>
+            <a:fillRect/>
+          </a:stretch>
+        </p:blipFill>
+        <p:spPr>
+          <a:xfrm>
+            <a:off x="878988" y="2257075"/>
+            <a:ext cx="5564286" cy="3058452"/>
+          </a:xfrm>
+          <a:prstGeom prst="rect">
+            <a:avLst/>
+          </a:prstGeom>
+        </p:spPr>
+      </p:pic>
+    </p:spTree>
+    <p:extLst>
+      <p:ext uri="{BB962C8B-B14F-4D97-AF65-F5344CB8AC3E}">
+        <p14:creationId xmlns:p14="http://schemas.microsoft.com/office/powerpoint/2010/main" val="921808968"/>
+      </p:ext>
+    </p:extLst>
+  </p:cSld>
+  <p:clrMapOvr>
+    <a:masterClrMapping/>
+  </p:clrMapOvr>
+</p:sld>
+</file>
+
+<file path=ppt/slides/slide13.xml><?xml version="1.0" encoding="utf-8"?>
+<p:sld xmlns:a="http://schemas.openxmlformats.org/drawingml/2006/main" xmlns:r="http://schemas.openxmlformats.org/officeDocument/2006/relationships" xmlns:p="http://schemas.openxmlformats.org/presentationml/2006/main">
+  <p:cSld>
+    <p:spTree>
+      <p:nvGrpSpPr>
+        <p:cNvPr id="1" name=""/>
+        <p:cNvGrpSpPr/>
+        <p:nvPr/>
+      </p:nvGrpSpPr>
+      <p:grpSpPr>
+        <a:xfrm>
+          <a:off x="0" y="0"/>
+          <a:ext cx="0" cy="0"/>
+          <a:chOff x="0" y="0"/>
+          <a:chExt cx="0" cy="0"/>
+        </a:xfrm>
+      </p:grpSpPr>
+      <p:sp>
+        <p:nvSpPr>
+          <p:cNvPr id="2" name="Title 1">
+            <a:extLst>
+              <a:ext uri="{FF2B5EF4-FFF2-40B4-BE49-F238E27FC236}">
                 <a16:creationId xmlns:a16="http://schemas.microsoft.com/office/drawing/2014/main" id="{B0ADBA26-C588-48FF-B175-155BD32E4DC5}"/>
               </a:ext>
             </a:extLst>
@@ -3692,7 +4483,7 @@
 </p:sld>
 </file>
 
-<file path=ppt/slides/slide11.xml><?xml version="1.0" encoding="utf-8"?>
+<file path=ppt/slides/slide14.xml><?xml version="1.0" encoding="utf-8"?>
 <p:sld xmlns:a="http://schemas.openxmlformats.org/drawingml/2006/main" xmlns:r="http://schemas.openxmlformats.org/officeDocument/2006/relationships" xmlns:p="http://schemas.openxmlformats.org/presentationml/2006/main">
   <p:cSld>
     <p:spTree>
@@ -5037,7 +5828,7 @@
 </p:sld>
 </file>
 
-<file path=ppt/slides/slide12.xml><?xml version="1.0" encoding="utf-8"?>
+<file path=ppt/slides/slide15.xml><?xml version="1.0" encoding="utf-8"?>
 <p:sld xmlns:a="http://schemas.openxmlformats.org/drawingml/2006/main" xmlns:r="http://schemas.openxmlformats.org/officeDocument/2006/relationships" xmlns:p="http://schemas.openxmlformats.org/presentationml/2006/main">
   <p:cSld>
     <p:spTree>
@@ -5952,7 +6743,7 @@
 </p:sld>
 </file>
 
-<file path=ppt/slides/slide13.xml><?xml version="1.0" encoding="utf-8"?>
+<file path=ppt/slides/slide16.xml><?xml version="1.0" encoding="utf-8"?>
 <p:sld xmlns:a="http://schemas.openxmlformats.org/drawingml/2006/main" xmlns:r="http://schemas.openxmlformats.org/officeDocument/2006/relationships" xmlns:p="http://schemas.openxmlformats.org/presentationml/2006/main">
   <p:cSld>
     <p:spTree>
@@ -6525,7 +7316,7 @@
 </p:sld>
 </file>
 
-<file path=ppt/slides/slide14.xml><?xml version="1.0" encoding="utf-8"?>
+<file path=ppt/slides/slide17.xml><?xml version="1.0" encoding="utf-8"?>
 <p:sld xmlns:a="http://schemas.openxmlformats.org/drawingml/2006/main" xmlns:r="http://schemas.openxmlformats.org/officeDocument/2006/relationships" xmlns:p="http://schemas.openxmlformats.org/presentationml/2006/main">
   <p:cSld>
     <p:spTree>
@@ -7225,7 +8016,7 @@
 </p:sld>
 </file>
 
-<file path=ppt/slides/slide15.xml><?xml version="1.0" encoding="utf-8"?>
+<file path=ppt/slides/slide18.xml><?xml version="1.0" encoding="utf-8"?>
 <p:sld xmlns:a="http://schemas.openxmlformats.org/drawingml/2006/main" xmlns:r="http://schemas.openxmlformats.org/officeDocument/2006/relationships" xmlns:p="http://schemas.openxmlformats.org/presentationml/2006/main">
   <p:cSld>
     <p:spTree>
@@ -8354,7 +9145,7 @@
           <p:cNvPr id="2" name="Title 1">
             <a:extLst>
               <a:ext uri="{FF2B5EF4-FFF2-40B4-BE49-F238E27FC236}">
-                <a16:creationId xmlns:a16="http://schemas.microsoft.com/office/drawing/2014/main" id="{F91C49CC-D9B7-4F36-BD3C-198F94B45345}"/>
+                <a16:creationId xmlns:a16="http://schemas.microsoft.com/office/drawing/2014/main" id="{51B48E56-D9C5-44E4-8B4A-2444F549C0C7}"/>
               </a:ext>
             </a:extLst>
           </p:cNvPr>
@@ -8372,100 +9163,44 @@
           <a:p>
             <a:r>
               <a:rPr lang="en-US" dirty="0"/>
-              <a:t>Setup</a:t>
+              <a:t>Code – pub.py</a:t>
             </a:r>
           </a:p>
         </p:txBody>
       </p:sp>
-      <p:sp>
-        <p:nvSpPr>
-          <p:cNvPr id="3" name="Content Placeholder 2">
-            <a:extLst>
-              <a:ext uri="{FF2B5EF4-FFF2-40B4-BE49-F238E27FC236}">
-                <a16:creationId xmlns:a16="http://schemas.microsoft.com/office/drawing/2014/main" id="{4A6E11C6-160E-426E-AC3A-51359A25A2BE}"/>
-              </a:ext>
-            </a:extLst>
-          </p:cNvPr>
-          <p:cNvSpPr>
-            <a:spLocks noGrp="1"/>
-          </p:cNvSpPr>
+      <p:pic>
+        <p:nvPicPr>
+          <p:cNvPr id="5" name="Content Placeholder 4">
+            <a:extLst>
+              <a:ext uri="{FF2B5EF4-FFF2-40B4-BE49-F238E27FC236}">
+                <a16:creationId xmlns:a16="http://schemas.microsoft.com/office/drawing/2014/main" id="{851B4C85-0803-4A59-802D-AB85F96B0121}"/>
+              </a:ext>
+            </a:extLst>
+          </p:cNvPr>
+          <p:cNvPicPr>
+            <a:picLocks noGrp="1" noChangeAspect="1"/>
+          </p:cNvPicPr>
           <p:nvPr>
             <p:ph idx="1"/>
           </p:nvPr>
-        </p:nvSpPr>
-        <p:spPr/>
-        <p:txBody>
-          <a:bodyPr>
-            <a:normAutofit fontScale="92500" lnSpcReduction="20000"/>
-          </a:bodyPr>
-          <a:lstStyle/>
-          <a:p>
-            <a:r>
-              <a:rPr lang="en-US" dirty="0"/>
-              <a:t>Create Google Cloud publisher and subscriber topics on their UI.</a:t>
-            </a:r>
-          </a:p>
-          <a:p>
-            <a:r>
-              <a:rPr lang="en-US" dirty="0"/>
-              <a:t>Have a local setup for integrating Google Cloud with Python. For our demo, we used Ubuntu 18.04 and Python3.</a:t>
-            </a:r>
-          </a:p>
-          <a:p>
-            <a:r>
-              <a:rPr lang="en-US" dirty="0"/>
-              <a:t>Install Google Cloud SDK on Ubuntu.</a:t>
-            </a:r>
-          </a:p>
-          <a:p>
-            <a:r>
-              <a:rPr lang="en-US" dirty="0"/>
-              <a:t>Git clone the Google Cloud Pub Sub repository. The </a:t>
-            </a:r>
-            <a:r>
-              <a:rPr lang="en-US" dirty="0" err="1"/>
-              <a:t>quickstart</a:t>
-            </a:r>
-            <a:r>
-              <a:rPr lang="en-US" dirty="0"/>
-              <a:t> folder contains code for sending and receiving messages via Google Cloud Pub Sub.</a:t>
-            </a:r>
-          </a:p>
-          <a:p>
-            <a:pPr lvl="1"/>
-            <a:r>
-              <a:rPr lang="en-US" dirty="0"/>
-              <a:t>Before running the code, put `` like where it shows export PROJECT=`</a:t>
-            </a:r>
-            <a:r>
-              <a:rPr lang="en-US" dirty="0" err="1"/>
-              <a:t>gcloud</a:t>
-            </a:r>
-            <a:r>
-              <a:rPr lang="en-US" dirty="0"/>
-              <a:t> config get-value project`</a:t>
-            </a:r>
-          </a:p>
-          <a:p>
-            <a:r>
-              <a:rPr lang="en-US" dirty="0"/>
-              <a:t>Rename your JSON key to something simple like </a:t>
-            </a:r>
-            <a:r>
-              <a:rPr lang="en-US" dirty="0" err="1"/>
-              <a:t>key.json</a:t>
-            </a:r>
-            <a:r>
-              <a:rPr lang="en-US" dirty="0"/>
-              <a:t> and put it somewhere simple to access like in the Downloads folder with respect to the root folder.</a:t>
-            </a:r>
-          </a:p>
-        </p:txBody>
-      </p:sp>
+        </p:nvPicPr>
+        <p:blipFill>
+          <a:blip r:embed="rId2"/>
+          <a:stretch>
+            <a:fillRect/>
+          </a:stretch>
+        </p:blipFill>
+        <p:spPr>
+          <a:xfrm>
+            <a:off x="1373206" y="1825625"/>
+            <a:ext cx="9445587" cy="4351338"/>
+          </a:xfrm>
+        </p:spPr>
+      </p:pic>
     </p:spTree>
     <p:extLst>
       <p:ext uri="{BB962C8B-B14F-4D97-AF65-F5344CB8AC3E}">
-        <p14:creationId xmlns:p14="http://schemas.microsoft.com/office/powerpoint/2010/main" val="2490214408"/>
+        <p14:creationId xmlns:p14="http://schemas.microsoft.com/office/powerpoint/2010/main" val="406280206"/>
       </p:ext>
     </p:extLst>
   </p:cSld>
@@ -8497,7 +9232,7 @@
           <p:cNvPr id="2" name="Title 1">
             <a:extLst>
               <a:ext uri="{FF2B5EF4-FFF2-40B4-BE49-F238E27FC236}">
-                <a16:creationId xmlns:a16="http://schemas.microsoft.com/office/drawing/2014/main" id="{710A0A31-290F-4D4B-B33D-515EBCB59B1B}"/>
+                <a16:creationId xmlns:a16="http://schemas.microsoft.com/office/drawing/2014/main" id="{E20DC18A-8629-40DE-9CB3-C0C55B1B271D}"/>
               </a:ext>
             </a:extLst>
           </p:cNvPr>
@@ -8515,406 +9250,117 @@
           <a:p>
             <a:r>
               <a:rPr lang="en-US" dirty="0"/>
-              <a:t>Run Code to Get Time Differences CSV Data</a:t>
+              <a:t>Code – broker.py</a:t>
             </a:r>
           </a:p>
         </p:txBody>
       </p:sp>
-      <p:sp>
-        <p:nvSpPr>
-          <p:cNvPr id="3" name="Content Placeholder 2">
-            <a:extLst>
-              <a:ext uri="{FF2B5EF4-FFF2-40B4-BE49-F238E27FC236}">
-                <a16:creationId xmlns:a16="http://schemas.microsoft.com/office/drawing/2014/main" id="{0D568473-AFA6-4130-AE26-3AB7A66153DD}"/>
-              </a:ext>
-            </a:extLst>
-          </p:cNvPr>
-          <p:cNvSpPr>
-            <a:spLocks noGrp="1"/>
-          </p:cNvSpPr>
+      <p:pic>
+        <p:nvPicPr>
+          <p:cNvPr id="5" name="Content Placeholder 4">
+            <a:extLst>
+              <a:ext uri="{FF2B5EF4-FFF2-40B4-BE49-F238E27FC236}">
+                <a16:creationId xmlns:a16="http://schemas.microsoft.com/office/drawing/2014/main" id="{4C4BBFD0-2907-4B0A-BB5D-AA7346AEC084}"/>
+              </a:ext>
+            </a:extLst>
+          </p:cNvPr>
+          <p:cNvPicPr>
+            <a:picLocks noGrp="1" noChangeAspect="1"/>
+          </p:cNvPicPr>
           <p:nvPr>
             <p:ph idx="1"/>
           </p:nvPr>
+        </p:nvPicPr>
+        <p:blipFill>
+          <a:blip r:embed="rId2"/>
+          <a:stretch>
+            <a:fillRect/>
+          </a:stretch>
+        </p:blipFill>
+        <p:spPr>
+          <a:xfrm>
+            <a:off x="838200" y="1821007"/>
+            <a:ext cx="4899016" cy="4351338"/>
+          </a:xfrm>
+        </p:spPr>
+      </p:pic>
+      <p:pic>
+        <p:nvPicPr>
+          <p:cNvPr id="7" name="Picture 6">
+            <a:extLst>
+              <a:ext uri="{FF2B5EF4-FFF2-40B4-BE49-F238E27FC236}">
+                <a16:creationId xmlns:a16="http://schemas.microsoft.com/office/drawing/2014/main" id="{0B08CAC4-5BA6-410D-8744-5C57C08E3557}"/>
+              </a:ext>
+            </a:extLst>
+          </p:cNvPr>
+          <p:cNvPicPr>
+            <a:picLocks noChangeAspect="1"/>
+          </p:cNvPicPr>
+          <p:nvPr/>
+        </p:nvPicPr>
+        <p:blipFill>
+          <a:blip r:embed="rId3"/>
+          <a:stretch>
+            <a:fillRect/>
+          </a:stretch>
+        </p:blipFill>
+        <p:spPr>
+          <a:xfrm>
+            <a:off x="6003636" y="1821007"/>
+            <a:ext cx="5706770" cy="2539148"/>
+          </a:xfrm>
+          <a:prstGeom prst="rect">
+            <a:avLst/>
+          </a:prstGeom>
+        </p:spPr>
+      </p:pic>
+      <p:sp>
+        <p:nvSpPr>
+          <p:cNvPr id="8" name="TextBox 7">
+            <a:extLst>
+              <a:ext uri="{FF2B5EF4-FFF2-40B4-BE49-F238E27FC236}">
+                <a16:creationId xmlns:a16="http://schemas.microsoft.com/office/drawing/2014/main" id="{C378D65C-B44C-4A21-B29D-AF8ADDEF6469}"/>
+              </a:ext>
+            </a:extLst>
+          </p:cNvPr>
+          <p:cNvSpPr txBox="1"/>
+          <p:nvPr/>
         </p:nvSpPr>
-        <p:spPr/>
+        <p:spPr>
+          <a:xfrm>
+            <a:off x="6059055" y="4687455"/>
+            <a:ext cx="5651351" cy="923330"/>
+          </a:xfrm>
+          <a:prstGeom prst="rect">
+            <a:avLst/>
+          </a:prstGeom>
+          <a:noFill/>
+        </p:spPr>
         <p:txBody>
-          <a:bodyPr>
-            <a:noAutofit/>
+          <a:bodyPr wrap="square" rtlCol="0">
+            <a:spAutoFit/>
           </a:bodyPr>
           <a:lstStyle/>
           <a:p>
             <a:r>
-              <a:rPr lang="en-US" sz="1200" dirty="0">
-                <a:cs typeface="Arial" panose="020B0604020202020204" pitchFamily="34" charset="0"/>
-              </a:rPr>
-              <a:t>Automatically</a:t>
-            </a:r>
-          </a:p>
-          <a:p>
-            <a:pPr lvl="1"/>
-            <a:r>
-              <a:rPr lang="en-US" sz="1200" dirty="0">
-                <a:effectLst/>
-                <a:ea typeface="Calibri" panose="020F0502020204030204" pitchFamily="34" charset="0"/>
-                <a:cs typeface="Arial" panose="020B0604020202020204" pitchFamily="34" charset="0"/>
-              </a:rPr>
-              <a:t>Navigate to the tests folder</a:t>
-            </a:r>
-          </a:p>
-          <a:p>
-            <a:pPr lvl="1"/>
-            <a:r>
-              <a:rPr lang="en-US" sz="1200" dirty="0">
-                <a:ea typeface="Calibri" panose="020F0502020204030204" pitchFamily="34" charset="0"/>
-                <a:cs typeface="Arial" panose="020B0604020202020204" pitchFamily="34" charset="0"/>
-              </a:rPr>
-              <a:t>R</a:t>
-            </a:r>
-            <a:r>
-              <a:rPr lang="en-US" sz="1200" dirty="0">
-                <a:effectLst/>
-                <a:ea typeface="Calibri" panose="020F0502020204030204" pitchFamily="34" charset="0"/>
-                <a:cs typeface="Arial" panose="020B0604020202020204" pitchFamily="34" charset="0"/>
-              </a:rPr>
-              <a:t>un a test using “./{{test name}}” (e. g. “./1producer1consumerTest.sh”).</a:t>
-            </a:r>
-          </a:p>
-          <a:p>
-            <a:pPr lvl="1"/>
-            <a:r>
-              <a:rPr lang="en-US" sz="1200" dirty="0">
-                <a:ea typeface="Calibri" panose="020F0502020204030204" pitchFamily="34" charset="0"/>
-                <a:cs typeface="Arial" panose="020B0604020202020204" pitchFamily="34" charset="0"/>
-              </a:rPr>
-              <a:t>W</a:t>
-            </a:r>
-            <a:r>
-              <a:rPr lang="en-US" sz="1200" dirty="0">
-                <a:effectLst/>
-                <a:ea typeface="Calibri" panose="020F0502020204030204" pitchFamily="34" charset="0"/>
-                <a:cs typeface="Arial" panose="020B0604020202020204" pitchFamily="34" charset="0"/>
-              </a:rPr>
-              <a:t>ait until the test finishes (</a:t>
-            </a:r>
-            <a:r>
-              <a:rPr lang="en-US" sz="1200" dirty="0" err="1">
-                <a:effectLst/>
-                <a:ea typeface="Calibri" panose="020F0502020204030204" pitchFamily="34" charset="0"/>
-                <a:cs typeface="Arial" panose="020B0604020202020204" pitchFamily="34" charset="0"/>
-              </a:rPr>
-              <a:t>i</a:t>
-            </a:r>
-            <a:r>
-              <a:rPr lang="en-US" sz="1200" dirty="0">
-                <a:effectLst/>
-                <a:ea typeface="Calibri" panose="020F0502020204030204" pitchFamily="34" charset="0"/>
-                <a:cs typeface="Arial" panose="020B0604020202020204" pitchFamily="34" charset="0"/>
-              </a:rPr>
-              <a:t>. e. when all extra terminal tabs have closed [the last one takes a little while to show up]) and then check for results in the </a:t>
-            </a:r>
-            <a:r>
-              <a:rPr lang="en-US" sz="1200" dirty="0" err="1">
-                <a:effectLst/>
-                <a:ea typeface="Calibri" panose="020F0502020204030204" pitchFamily="34" charset="0"/>
-                <a:cs typeface="Arial" panose="020B0604020202020204" pitchFamily="34" charset="0"/>
-              </a:rPr>
-              <a:t>timeMeasurements</a:t>
-            </a:r>
-            <a:r>
-              <a:rPr lang="en-US" sz="1200" dirty="0">
-                <a:effectLst/>
-                <a:ea typeface="Calibri" panose="020F0502020204030204" pitchFamily="34" charset="0"/>
-                <a:cs typeface="Arial" panose="020B0604020202020204" pitchFamily="34" charset="0"/>
-              </a:rPr>
-              <a:t> folder.</a:t>
-            </a:r>
-          </a:p>
-          <a:p>
-            <a:r>
-              <a:rPr lang="en-US" sz="1200" dirty="0">
-                <a:cs typeface="Arial" panose="020B0604020202020204" pitchFamily="34" charset="0"/>
-              </a:rPr>
-              <a:t>Manually</a:t>
-            </a:r>
-          </a:p>
-          <a:p>
-            <a:pPr lvl="1"/>
-            <a:r>
-              <a:rPr lang="en-US" sz="1200" dirty="0">
-                <a:effectLst/>
-                <a:ea typeface="Calibri" panose="020F0502020204030204" pitchFamily="34" charset="0"/>
-                <a:cs typeface="Arial" panose="020B0604020202020204" pitchFamily="34" charset="0"/>
-              </a:rPr>
-              <a:t>Open 3 separate terminals or tabs and run each of the following separately in this order, applying the “Connect to Google Cloud Project” step as follows at the start of all the subsequent steps (sub.py, pub.py, broker.py).</a:t>
-            </a:r>
-          </a:p>
-          <a:p>
-            <a:pPr lvl="2"/>
-            <a:r>
-              <a:rPr lang="en-US" sz="1200" dirty="0">
-                <a:effectLst/>
-                <a:ea typeface="Calibri" panose="020F0502020204030204" pitchFamily="34" charset="0"/>
-                <a:cs typeface="Arial" panose="020B0604020202020204" pitchFamily="34" charset="0"/>
-              </a:rPr>
-              <a:t>Connect to Google Cloud project.</a:t>
-            </a:r>
-          </a:p>
-          <a:p>
-            <a:pPr lvl="3">
-              <a:lnSpc>
-                <a:spcPct val="107000"/>
-              </a:lnSpc>
-              <a:spcBef>
-                <a:spcPts val="0"/>
-              </a:spcBef>
-              <a:buFont typeface="+mj-lt"/>
-              <a:buAutoNum type="arabicPeriod"/>
-            </a:pPr>
-            <a:r>
-              <a:rPr lang="en-US" sz="1200" dirty="0">
-                <a:effectLst/>
-                <a:ea typeface="Calibri" panose="020F0502020204030204" pitchFamily="34" charset="0"/>
-                <a:cs typeface="Arial" panose="020B0604020202020204" pitchFamily="34" charset="0"/>
-              </a:rPr>
-              <a:t>export GOOGLE_APPLICATION_CREDENTIALS=~/Downloads/</a:t>
-            </a:r>
-            <a:r>
-              <a:rPr lang="en-US" sz="1200" dirty="0" err="1">
-                <a:effectLst/>
-                <a:ea typeface="Calibri" panose="020F0502020204030204" pitchFamily="34" charset="0"/>
-                <a:cs typeface="Arial" panose="020B0604020202020204" pitchFamily="34" charset="0"/>
-              </a:rPr>
-              <a:t>key.json</a:t>
-            </a:r>
-            <a:endParaRPr lang="en-US" sz="1200" dirty="0">
-              <a:effectLst/>
-              <a:ea typeface="Calibri" panose="020F0502020204030204" pitchFamily="34" charset="0"/>
-              <a:cs typeface="Arial" panose="020B0604020202020204" pitchFamily="34" charset="0"/>
-            </a:endParaRPr>
-          </a:p>
-          <a:p>
-            <a:pPr lvl="3">
-              <a:lnSpc>
-                <a:spcPct val="107000"/>
-              </a:lnSpc>
-              <a:spcBef>
-                <a:spcPts val="0"/>
-              </a:spcBef>
-              <a:buFont typeface="+mj-lt"/>
-              <a:buAutoNum type="arabicPeriod"/>
-            </a:pPr>
-            <a:r>
-              <a:rPr lang="en-US" sz="1200" dirty="0">
-                <a:effectLst/>
-                <a:ea typeface="Calibri" panose="020F0502020204030204" pitchFamily="34" charset="0"/>
-                <a:cs typeface="Arial" panose="020B0604020202020204" pitchFamily="34" charset="0"/>
-              </a:rPr>
-              <a:t>export PROJECT=`</a:t>
-            </a:r>
-            <a:r>
-              <a:rPr lang="en-US" sz="1200" dirty="0" err="1">
-                <a:effectLst/>
-                <a:ea typeface="Calibri" panose="020F0502020204030204" pitchFamily="34" charset="0"/>
-                <a:cs typeface="Arial" panose="020B0604020202020204" pitchFamily="34" charset="0"/>
-              </a:rPr>
-              <a:t>gcloud</a:t>
-            </a:r>
-            <a:r>
-              <a:rPr lang="en-US" sz="1200" dirty="0">
-                <a:effectLst/>
-                <a:ea typeface="Calibri" panose="020F0502020204030204" pitchFamily="34" charset="0"/>
-                <a:cs typeface="Arial" panose="020B0604020202020204" pitchFamily="34" charset="0"/>
-              </a:rPr>
-              <a:t> config get-value project`</a:t>
-            </a:r>
-          </a:p>
-          <a:p>
-            <a:pPr lvl="3">
-              <a:lnSpc>
-                <a:spcPct val="107000"/>
-              </a:lnSpc>
-              <a:spcBef>
-                <a:spcPts val="0"/>
-              </a:spcBef>
-              <a:buFont typeface="+mj-lt"/>
-              <a:buAutoNum type="arabicPeriod"/>
-            </a:pPr>
-            <a:r>
-              <a:rPr lang="en-US" sz="1200" dirty="0">
-                <a:effectLst/>
-                <a:ea typeface="Calibri" panose="020F0502020204030204" pitchFamily="34" charset="0"/>
-                <a:cs typeface="Arial" panose="020B0604020202020204" pitchFamily="34" charset="0"/>
-              </a:rPr>
-              <a:t>echo $PROJECT (make sure project ID shows up)</a:t>
-            </a:r>
-          </a:p>
-          <a:p>
-            <a:pPr lvl="2">
-              <a:lnSpc>
-                <a:spcPct val="107000"/>
-              </a:lnSpc>
-              <a:spcBef>
-                <a:spcPts val="0"/>
-              </a:spcBef>
-              <a:buFont typeface="+mj-lt"/>
-              <a:buAutoNum type="arabicPeriod"/>
-            </a:pPr>
-            <a:r>
-              <a:rPr lang="en-US" sz="1200" dirty="0">
-                <a:effectLst/>
-                <a:ea typeface="Calibri" panose="020F0502020204030204" pitchFamily="34" charset="0"/>
-                <a:cs typeface="Arial" panose="020B0604020202020204" pitchFamily="34" charset="0"/>
-              </a:rPr>
-              <a:t>Run sub.py:</a:t>
-            </a:r>
-          </a:p>
-          <a:p>
-            <a:pPr lvl="3">
-              <a:lnSpc>
-                <a:spcPct val="107000"/>
-              </a:lnSpc>
-              <a:spcBef>
-                <a:spcPts val="0"/>
-              </a:spcBef>
-              <a:buFont typeface="+mj-lt"/>
-              <a:buAutoNum type="arabicPeriod"/>
-            </a:pPr>
-            <a:r>
-              <a:rPr lang="en-US" sz="1200" dirty="0">
-                <a:effectLst/>
-                <a:ea typeface="Calibri" panose="020F0502020204030204" pitchFamily="34" charset="0"/>
-                <a:cs typeface="Arial" panose="020B0604020202020204" pitchFamily="34" charset="0"/>
-              </a:rPr>
-              <a:t>“python3 sub.py $PROJECT {{Google Cloud-created subscription name (e. g. </a:t>
-            </a:r>
-            <a:r>
-              <a:rPr lang="en-US" sz="1200" dirty="0" err="1">
-                <a:effectLst/>
-                <a:ea typeface="Calibri" panose="020F0502020204030204" pitchFamily="34" charset="0"/>
-                <a:cs typeface="Arial" panose="020B0604020202020204" pitchFamily="34" charset="0"/>
-              </a:rPr>
-              <a:t>sub_one</a:t>
-            </a:r>
-            <a:r>
-              <a:rPr lang="en-US" sz="1200" dirty="0">
-                <a:effectLst/>
-                <a:ea typeface="Calibri" panose="020F0502020204030204" pitchFamily="34" charset="0"/>
-                <a:cs typeface="Arial" panose="020B0604020202020204" pitchFamily="34" charset="0"/>
-              </a:rPr>
-              <a:t>)}}”</a:t>
-            </a:r>
-          </a:p>
-          <a:p>
-            <a:pPr lvl="2">
-              <a:lnSpc>
-                <a:spcPct val="107000"/>
-              </a:lnSpc>
-              <a:spcBef>
-                <a:spcPts val="0"/>
-              </a:spcBef>
-              <a:buFont typeface="+mj-lt"/>
-              <a:buAutoNum type="arabicPeriod"/>
-            </a:pPr>
-            <a:r>
-              <a:rPr lang="en-US" sz="1200" dirty="0">
-                <a:effectLst/>
-                <a:ea typeface="Calibri" panose="020F0502020204030204" pitchFamily="34" charset="0"/>
-                <a:cs typeface="Arial" panose="020B0604020202020204" pitchFamily="34" charset="0"/>
-              </a:rPr>
-              <a:t>Run broker.py:</a:t>
-            </a:r>
-          </a:p>
-          <a:p>
-            <a:pPr lvl="3">
-              <a:lnSpc>
-                <a:spcPct val="107000"/>
-              </a:lnSpc>
-              <a:spcBef>
-                <a:spcPts val="0"/>
-              </a:spcBef>
-              <a:buFont typeface="+mj-lt"/>
-              <a:buAutoNum type="arabicPeriod"/>
-            </a:pPr>
-            <a:r>
-              <a:rPr lang="en-US" sz="1200" dirty="0">
-                <a:effectLst/>
-                <a:ea typeface="Calibri" panose="020F0502020204030204" pitchFamily="34" charset="0"/>
-                <a:cs typeface="Arial" panose="020B0604020202020204" pitchFamily="34" charset="0"/>
-              </a:rPr>
-              <a:t>“python3 broker.py $PROJECT {{Google Cloud-created topic name (e. g. </a:t>
-            </a:r>
-            <a:r>
-              <a:rPr lang="en-US" sz="1200" dirty="0" err="1">
-                <a:effectLst/>
-                <a:ea typeface="Calibri" panose="020F0502020204030204" pitchFamily="34" charset="0"/>
-                <a:cs typeface="Arial" panose="020B0604020202020204" pitchFamily="34" charset="0"/>
-              </a:rPr>
-              <a:t>hello_topic</a:t>
-            </a:r>
-            <a:r>
-              <a:rPr lang="en-US" sz="1200" dirty="0">
-                <a:effectLst/>
-                <a:ea typeface="Calibri" panose="020F0502020204030204" pitchFamily="34" charset="0"/>
-                <a:cs typeface="Arial" panose="020B0604020202020204" pitchFamily="34" charset="0"/>
-              </a:rPr>
-              <a:t>}}”</a:t>
-            </a:r>
-          </a:p>
-          <a:p>
-            <a:pPr lvl="2">
-              <a:lnSpc>
-                <a:spcPct val="107000"/>
-              </a:lnSpc>
-              <a:spcBef>
-                <a:spcPts val="0"/>
-              </a:spcBef>
-              <a:buFont typeface="+mj-lt"/>
-              <a:buAutoNum type="arabicPeriod"/>
-            </a:pPr>
-            <a:r>
-              <a:rPr lang="en-US" sz="1200" dirty="0">
-                <a:effectLst/>
-                <a:ea typeface="Calibri" panose="020F0502020204030204" pitchFamily="34" charset="0"/>
-                <a:cs typeface="Arial" panose="020B0604020202020204" pitchFamily="34" charset="0"/>
-              </a:rPr>
-              <a:t>Run pub.py:</a:t>
-            </a:r>
-          </a:p>
-          <a:p>
-            <a:pPr lvl="3">
-              <a:lnSpc>
-                <a:spcPct val="107000"/>
-              </a:lnSpc>
-              <a:spcBef>
-                <a:spcPts val="0"/>
-              </a:spcBef>
-              <a:spcAft>
-                <a:spcPts val="800"/>
-              </a:spcAft>
-              <a:buFont typeface="+mj-lt"/>
-              <a:buAutoNum type="arabicPeriod"/>
-            </a:pPr>
-            <a:r>
-              <a:rPr lang="en-US" sz="1200" dirty="0">
-                <a:effectLst/>
-                <a:ea typeface="Calibri" panose="020F0502020204030204" pitchFamily="34" charset="0"/>
-                <a:cs typeface="Arial" panose="020B0604020202020204" pitchFamily="34" charset="0"/>
-              </a:rPr>
-              <a:t>"python3 pub.py {{file name}}“</a:t>
-            </a:r>
-          </a:p>
-          <a:p>
-            <a:pPr lvl="1"/>
-            <a:endParaRPr lang="en-US" sz="1200" dirty="0">
-              <a:cs typeface="Arial" panose="020B0604020202020204" pitchFamily="34" charset="0"/>
-            </a:endParaRPr>
+              <a:rPr lang="en-US" dirty="0"/>
+              <a:t>* </a:t>
+            </a:r>
+            <a:r>
+              <a:rPr lang="en-US" dirty="0" err="1"/>
+              <a:t>newMessage</a:t>
+            </a:r>
+            <a:r>
+              <a:rPr lang="en-US" dirty="0"/>
+              <a:t> is converted into a form that can be sent via Google Cloud Pub Sub (code in repository as linked earlier due to copyright reasons).</a:t>
+            </a:r>
           </a:p>
         </p:txBody>
       </p:sp>
     </p:spTree>
     <p:extLst>
       <p:ext uri="{BB962C8B-B14F-4D97-AF65-F5344CB8AC3E}">
-        <p14:creationId xmlns:p14="http://schemas.microsoft.com/office/powerpoint/2010/main" val="3321963082"/>
+        <p14:creationId xmlns:p14="http://schemas.microsoft.com/office/powerpoint/2010/main" val="3762252373"/>
       </p:ext>
     </p:extLst>
   </p:cSld>
@@ -8946,7 +9392,7 @@
           <p:cNvPr id="2" name="Title 1">
             <a:extLst>
               <a:ext uri="{FF2B5EF4-FFF2-40B4-BE49-F238E27FC236}">
-                <a16:creationId xmlns:a16="http://schemas.microsoft.com/office/drawing/2014/main" id="{35FCEF6F-0434-4616-81DB-C5FE6D7FE6F1}"/>
+                <a16:creationId xmlns:a16="http://schemas.microsoft.com/office/drawing/2014/main" id="{80FB26AA-4CC5-49DE-8675-3CD3445687D9}"/>
               </a:ext>
             </a:extLst>
           </p:cNvPr>
@@ -8964,156 +9410,139 @@
           <a:p>
             <a:r>
               <a:rPr lang="en-US" dirty="0"/>
-              <a:t>Stop the Run</a:t>
+              <a:t>Code – sub.py</a:t>
             </a:r>
           </a:p>
         </p:txBody>
       </p:sp>
-      <p:sp>
-        <p:nvSpPr>
-          <p:cNvPr id="3" name="Content Placeholder 2">
-            <a:extLst>
-              <a:ext uri="{FF2B5EF4-FFF2-40B4-BE49-F238E27FC236}">
-                <a16:creationId xmlns:a16="http://schemas.microsoft.com/office/drawing/2014/main" id="{ADA6AFE3-CEC0-4F72-B3A7-C85B8D17BA72}"/>
-              </a:ext>
-            </a:extLst>
-          </p:cNvPr>
-          <p:cNvSpPr>
-            <a:spLocks noGrp="1"/>
-          </p:cNvSpPr>
+      <p:pic>
+        <p:nvPicPr>
+          <p:cNvPr id="5" name="Content Placeholder 4">
+            <a:extLst>
+              <a:ext uri="{FF2B5EF4-FFF2-40B4-BE49-F238E27FC236}">
+                <a16:creationId xmlns:a16="http://schemas.microsoft.com/office/drawing/2014/main" id="{2492941E-F0AF-441C-8EAE-644784A107DC}"/>
+              </a:ext>
+            </a:extLst>
+          </p:cNvPr>
+          <p:cNvPicPr>
+            <a:picLocks noGrp="1" noChangeAspect="1"/>
+          </p:cNvPicPr>
           <p:nvPr>
             <p:ph idx="1"/>
           </p:nvPr>
+        </p:nvPicPr>
+        <p:blipFill>
+          <a:blip r:embed="rId2"/>
+          <a:stretch>
+            <a:fillRect/>
+          </a:stretch>
+        </p:blipFill>
+        <p:spPr>
+          <a:xfrm>
+            <a:off x="5827443" y="758119"/>
+            <a:ext cx="5855543" cy="3157800"/>
+          </a:xfrm>
+        </p:spPr>
+      </p:pic>
+      <p:pic>
+        <p:nvPicPr>
+          <p:cNvPr id="7" name="Picture 6">
+            <a:extLst>
+              <a:ext uri="{FF2B5EF4-FFF2-40B4-BE49-F238E27FC236}">
+                <a16:creationId xmlns:a16="http://schemas.microsoft.com/office/drawing/2014/main" id="{9F5186A0-58C3-4828-8A7C-F1A72CEC7BE5}"/>
+              </a:ext>
+            </a:extLst>
+          </p:cNvPr>
+          <p:cNvPicPr>
+            <a:picLocks noChangeAspect="1"/>
+          </p:cNvPicPr>
+          <p:nvPr/>
+        </p:nvPicPr>
+        <p:blipFill>
+          <a:blip r:embed="rId3"/>
+          <a:stretch>
+            <a:fillRect/>
+          </a:stretch>
+        </p:blipFill>
+        <p:spPr>
+          <a:xfrm>
+            <a:off x="921259" y="4051620"/>
+            <a:ext cx="10139659" cy="2680484"/>
+          </a:xfrm>
+          <a:prstGeom prst="rect">
+            <a:avLst/>
+          </a:prstGeom>
+        </p:spPr>
+      </p:pic>
+      <p:pic>
+        <p:nvPicPr>
+          <p:cNvPr id="9" name="Picture 8">
+            <a:extLst>
+              <a:ext uri="{FF2B5EF4-FFF2-40B4-BE49-F238E27FC236}">
+                <a16:creationId xmlns:a16="http://schemas.microsoft.com/office/drawing/2014/main" id="{6BEE8520-44D5-42AB-BCF0-F95AC355A0B4}"/>
+              </a:ext>
+            </a:extLst>
+          </p:cNvPr>
+          <p:cNvPicPr>
+            <a:picLocks noChangeAspect="1"/>
+          </p:cNvPicPr>
+          <p:nvPr/>
+        </p:nvPicPr>
+        <p:blipFill>
+          <a:blip r:embed="rId4"/>
+          <a:stretch>
+            <a:fillRect/>
+          </a:stretch>
+        </p:blipFill>
+        <p:spPr>
+          <a:xfrm>
+            <a:off x="921259" y="2787608"/>
+            <a:ext cx="4782196" cy="1067630"/>
+          </a:xfrm>
+          <a:prstGeom prst="rect">
+            <a:avLst/>
+          </a:prstGeom>
+        </p:spPr>
+      </p:pic>
+      <p:sp>
+        <p:nvSpPr>
+          <p:cNvPr id="11" name="TextBox 10">
+            <a:extLst>
+              <a:ext uri="{FF2B5EF4-FFF2-40B4-BE49-F238E27FC236}">
+                <a16:creationId xmlns:a16="http://schemas.microsoft.com/office/drawing/2014/main" id="{E13D5172-24FC-48A7-ADAB-797845165B90}"/>
+              </a:ext>
+            </a:extLst>
+          </p:cNvPr>
+          <p:cNvSpPr txBox="1"/>
+          <p:nvPr/>
         </p:nvSpPr>
-        <p:spPr/>
+        <p:spPr>
+          <a:xfrm>
+            <a:off x="921259" y="1690688"/>
+            <a:ext cx="4653489" cy="646331"/>
+          </a:xfrm>
+          <a:prstGeom prst="rect">
+            <a:avLst/>
+          </a:prstGeom>
+          <a:noFill/>
+        </p:spPr>
         <p:txBody>
-          <a:bodyPr>
-            <a:normAutofit/>
+          <a:bodyPr wrap="square" rtlCol="0">
+            <a:spAutoFit/>
           </a:bodyPr>
           <a:lstStyle/>
           <a:p>
-            <a:pPr>
-              <a:lnSpc>
-                <a:spcPct val="107000"/>
-              </a:lnSpc>
-              <a:spcBef>
-                <a:spcPts val="0"/>
-              </a:spcBef>
-            </a:pPr>
-            <a:r>
-              <a:rPr lang="en-US" sz="2400" dirty="0">
-                <a:effectLst/>
-                <a:ea typeface="Calibri" panose="020F0502020204030204" pitchFamily="34" charset="0"/>
-                <a:cs typeface="Times New Roman" panose="02020603050405020304" pitchFamily="18" charset="0"/>
-              </a:rPr>
-              <a:t>To stop the code properly using Ctrl + C:</a:t>
-            </a:r>
-          </a:p>
-          <a:p>
-            <a:pPr lvl="1">
-              <a:lnSpc>
-                <a:spcPct val="107000"/>
-              </a:lnSpc>
-              <a:spcBef>
-                <a:spcPts val="0"/>
-              </a:spcBef>
-            </a:pPr>
-            <a:r>
-              <a:rPr lang="en-US" dirty="0">
-                <a:effectLst/>
-                <a:ea typeface="Calibri" panose="020F0502020204030204" pitchFamily="34" charset="0"/>
-                <a:cs typeface="Times New Roman" panose="02020603050405020304" pitchFamily="18" charset="0"/>
-              </a:rPr>
-              <a:t>Stop broker.py 1</a:t>
-            </a:r>
-            <a:r>
-              <a:rPr lang="en-US" baseline="30000" dirty="0">
-                <a:effectLst/>
-                <a:ea typeface="Calibri" panose="020F0502020204030204" pitchFamily="34" charset="0"/>
-                <a:cs typeface="Times New Roman" panose="02020603050405020304" pitchFamily="18" charset="0"/>
-              </a:rPr>
-              <a:t>st</a:t>
-            </a:r>
-            <a:r>
-              <a:rPr lang="en-US" dirty="0">
-                <a:effectLst/>
-                <a:ea typeface="Calibri" panose="020F0502020204030204" pitchFamily="34" charset="0"/>
-                <a:cs typeface="Times New Roman" panose="02020603050405020304" pitchFamily="18" charset="0"/>
-              </a:rPr>
-              <a:t> or else sub.py will receive old messages.</a:t>
-            </a:r>
-          </a:p>
-          <a:p>
-            <a:pPr lvl="1">
-              <a:lnSpc>
-                <a:spcPct val="107000"/>
-              </a:lnSpc>
-              <a:spcBef>
-                <a:spcPts val="0"/>
-              </a:spcBef>
-            </a:pPr>
-            <a:r>
-              <a:rPr lang="en-US" dirty="0">
-                <a:effectLst/>
-                <a:ea typeface="Calibri" panose="020F0502020204030204" pitchFamily="34" charset="0"/>
-                <a:cs typeface="Times New Roman" panose="02020603050405020304" pitchFamily="18" charset="0"/>
-              </a:rPr>
-              <a:t>Empty out old messages by 1 of the following ways:</a:t>
-            </a:r>
-          </a:p>
-          <a:p>
-            <a:pPr lvl="2">
-              <a:lnSpc>
-                <a:spcPct val="107000"/>
-              </a:lnSpc>
-              <a:spcBef>
-                <a:spcPts val="0"/>
-              </a:spcBef>
-            </a:pPr>
-            <a:r>
-              <a:rPr lang="en-US" sz="2400" dirty="0">
-                <a:effectLst/>
-                <a:ea typeface="Calibri" panose="020F0502020204030204" pitchFamily="34" charset="0"/>
-                <a:cs typeface="Times New Roman" panose="02020603050405020304" pitchFamily="18" charset="0"/>
-              </a:rPr>
-              <a:t>Run “python3 clear.py”.</a:t>
-            </a:r>
-          </a:p>
-          <a:p>
-            <a:pPr lvl="2">
-              <a:lnSpc>
-                <a:spcPct val="107000"/>
-              </a:lnSpc>
-              <a:spcBef>
-                <a:spcPts val="0"/>
-              </a:spcBef>
-              <a:spcAft>
-                <a:spcPts val="800"/>
-              </a:spcAft>
-            </a:pPr>
-            <a:r>
-              <a:rPr lang="en-US" sz="2400" dirty="0">
-                <a:effectLst/>
-                <a:ea typeface="Calibri" panose="020F0502020204030204" pitchFamily="34" charset="0"/>
-                <a:cs typeface="Times New Roman" panose="02020603050405020304" pitchFamily="18" charset="0"/>
-              </a:rPr>
-              <a:t>Start sub.py and wait until all old messages are emptied out and then stop it before running the code again.</a:t>
-            </a:r>
-            <a:endParaRPr lang="en-US" sz="2400" dirty="0">
-              <a:effectLst/>
-              <a:ea typeface="Calibri" panose="020F0502020204030204" pitchFamily="34" charset="0"/>
-              <a:cs typeface="Arial" panose="020B0604020202020204" pitchFamily="34" charset="0"/>
-            </a:endParaRPr>
-          </a:p>
-          <a:p>
-            <a:endParaRPr lang="en-US" sz="2400" dirty="0"/>
+            <a:r>
+              <a:rPr lang="en-US" dirty="0"/>
+              <a:t>* Message is received from Google Cloud Pub Sub (code in repository as linked earlier).</a:t>
+            </a:r>
           </a:p>
         </p:txBody>
       </p:sp>
     </p:spTree>
     <p:extLst>
       <p:ext uri="{BB962C8B-B14F-4D97-AF65-F5344CB8AC3E}">
-        <p14:creationId xmlns:p14="http://schemas.microsoft.com/office/powerpoint/2010/main" val="2041635587"/>
+        <p14:creationId xmlns:p14="http://schemas.microsoft.com/office/powerpoint/2010/main" val="2226133365"/>
       </p:ext>
     </p:extLst>
   </p:cSld>
@@ -9145,7 +9574,7 @@
           <p:cNvPr id="2" name="Title 1">
             <a:extLst>
               <a:ext uri="{FF2B5EF4-FFF2-40B4-BE49-F238E27FC236}">
-                <a16:creationId xmlns:a16="http://schemas.microsoft.com/office/drawing/2014/main" id="{35A8ADD6-170F-401C-988F-0711A82C4FDA}"/>
+                <a16:creationId xmlns:a16="http://schemas.microsoft.com/office/drawing/2014/main" id="{F91C49CC-D9B7-4F36-BD3C-198F94B45345}"/>
               </a:ext>
             </a:extLst>
           </p:cNvPr>
@@ -9163,7 +9592,7 @@
           <a:p>
             <a:r>
               <a:rPr lang="en-US" dirty="0"/>
-              <a:t>Run Code to Collect Statistics</a:t>
+              <a:t>Setup</a:t>
             </a:r>
           </a:p>
         </p:txBody>
@@ -9173,7 +9602,7 @@
           <p:cNvPr id="3" name="Content Placeholder 2">
             <a:extLst>
               <a:ext uri="{FF2B5EF4-FFF2-40B4-BE49-F238E27FC236}">
-                <a16:creationId xmlns:a16="http://schemas.microsoft.com/office/drawing/2014/main" id="{7BE1789B-8738-4C09-A8F6-63C9734936FE}"/>
+                <a16:creationId xmlns:a16="http://schemas.microsoft.com/office/drawing/2014/main" id="{4A6E11C6-160E-426E-AC3A-51359A25A2BE}"/>
               </a:ext>
             </a:extLst>
           </p:cNvPr>
@@ -9186,37 +9615,77 @@
         </p:nvSpPr>
         <p:spPr/>
         <p:txBody>
-          <a:bodyPr/>
+          <a:bodyPr>
+            <a:normAutofit fontScale="92500" lnSpcReduction="20000"/>
+          </a:bodyPr>
           <a:lstStyle/>
           <a:p>
             <a:r>
-              <a:rPr lang="en-US" sz="1800" dirty="0">
-                <a:effectLst/>
-                <a:latin typeface="Calibri" panose="020F0502020204030204" pitchFamily="34" charset="0"/>
-                <a:ea typeface="Calibri" panose="020F0502020204030204" pitchFamily="34" charset="0"/>
-                <a:cs typeface="Times New Roman" panose="02020603050405020304" pitchFamily="18" charset="0"/>
-              </a:rPr>
-              <a:t>Run calculateStatistics.py to calculate statistics of time measurements.</a:t>
-            </a:r>
-          </a:p>
-          <a:p>
-            <a:r>
-              <a:rPr lang="en-US" sz="1800" dirty="0">
-                <a:effectLst/>
-                <a:latin typeface="Calibri" panose="020F0502020204030204" pitchFamily="34" charset="0"/>
-                <a:ea typeface="Calibri" panose="020F0502020204030204" pitchFamily="34" charset="0"/>
-                <a:cs typeface="Times New Roman" panose="02020603050405020304" pitchFamily="18" charset="0"/>
-              </a:rPr>
-              <a:t>You can measure hardware performance continuously by running hardwareMeasure.py, which will print the latest information.</a:t>
-            </a:r>
-            <a:endParaRPr lang="en-US" dirty="0"/>
+              <a:rPr lang="en-US" dirty="0"/>
+              <a:t>Create Google Cloud publisher and subscriber topics on their UI.</a:t>
+            </a:r>
+          </a:p>
+          <a:p>
+            <a:r>
+              <a:rPr lang="en-US" dirty="0"/>
+              <a:t>Have a local setup for integrating Google Cloud with Python. For our demo, we used Ubuntu 18.04 and Python3.</a:t>
+            </a:r>
+          </a:p>
+          <a:p>
+            <a:r>
+              <a:rPr lang="en-US" dirty="0"/>
+              <a:t>Install Google Cloud SDK on Ubuntu.</a:t>
+            </a:r>
+          </a:p>
+          <a:p>
+            <a:r>
+              <a:rPr lang="en-US" dirty="0"/>
+              <a:t>Git clone the Google Cloud Pub Sub repository. The </a:t>
+            </a:r>
+            <a:r>
+              <a:rPr lang="en-US" dirty="0" err="1"/>
+              <a:t>quickstart</a:t>
+            </a:r>
+            <a:r>
+              <a:rPr lang="en-US" dirty="0"/>
+              <a:t> folder contains code for sending and receiving messages via Google Cloud Pub Sub.</a:t>
+            </a:r>
+          </a:p>
+          <a:p>
+            <a:pPr lvl="1"/>
+            <a:r>
+              <a:rPr lang="en-US" dirty="0"/>
+              <a:t>Before running the code, put `` like where it shows export PROJECT=`</a:t>
+            </a:r>
+            <a:r>
+              <a:rPr lang="en-US" dirty="0" err="1"/>
+              <a:t>gcloud</a:t>
+            </a:r>
+            <a:r>
+              <a:rPr lang="en-US" dirty="0"/>
+              <a:t> config get-value project`</a:t>
+            </a:r>
+          </a:p>
+          <a:p>
+            <a:r>
+              <a:rPr lang="en-US" dirty="0"/>
+              <a:t>Rename your JSON key to something simple like </a:t>
+            </a:r>
+            <a:r>
+              <a:rPr lang="en-US" dirty="0" err="1"/>
+              <a:t>key.json</a:t>
+            </a:r>
+            <a:r>
+              <a:rPr lang="en-US" dirty="0"/>
+              <a:t> and put it somewhere simple to access like in the Downloads folder with respect to the root folder.</a:t>
+            </a:r>
           </a:p>
         </p:txBody>
       </p:sp>
     </p:spTree>
     <p:extLst>
       <p:ext uri="{BB962C8B-B14F-4D97-AF65-F5344CB8AC3E}">
-        <p14:creationId xmlns:p14="http://schemas.microsoft.com/office/powerpoint/2010/main" val="1353653471"/>
+        <p14:creationId xmlns:p14="http://schemas.microsoft.com/office/powerpoint/2010/main" val="2490214408"/>
       </p:ext>
     </p:extLst>
   </p:cSld>
@@ -9248,7 +9717,7 @@
           <p:cNvPr id="2" name="Title 1">
             <a:extLst>
               <a:ext uri="{FF2B5EF4-FFF2-40B4-BE49-F238E27FC236}">
-                <a16:creationId xmlns:a16="http://schemas.microsoft.com/office/drawing/2014/main" id="{AA6541A3-1098-4890-9026-B4A319A3388D}"/>
+                <a16:creationId xmlns:a16="http://schemas.microsoft.com/office/drawing/2014/main" id="{710A0A31-290F-4D4B-B33D-515EBCB59B1B}"/>
               </a:ext>
             </a:extLst>
           </p:cNvPr>
@@ -9266,7 +9735,7 @@
           <a:p>
             <a:r>
               <a:rPr lang="en-US" dirty="0"/>
-              <a:t>Conditions Tested</a:t>
+              <a:t>Run Code to Get Time Differences CSV Data</a:t>
             </a:r>
           </a:p>
         </p:txBody>
@@ -9276,7 +9745,7 @@
           <p:cNvPr id="3" name="Content Placeholder 2">
             <a:extLst>
               <a:ext uri="{FF2B5EF4-FFF2-40B4-BE49-F238E27FC236}">
-                <a16:creationId xmlns:a16="http://schemas.microsoft.com/office/drawing/2014/main" id="{B864DC10-6976-4355-9561-2E266CDAF092}"/>
+                <a16:creationId xmlns:a16="http://schemas.microsoft.com/office/drawing/2014/main" id="{0D568473-AFA6-4130-AE26-3AB7A66153DD}"/>
               </a:ext>
             </a:extLst>
           </p:cNvPr>
@@ -9289,229 +9758,350 @@
         </p:nvSpPr>
         <p:spPr/>
         <p:txBody>
-          <a:bodyPr/>
+          <a:bodyPr>
+            <a:noAutofit/>
+          </a:bodyPr>
           <a:lstStyle/>
           <a:p>
-            <a:pPr marL="342900" marR="0" lvl="0" indent="-342900">
+            <a:r>
+              <a:rPr lang="en-US" sz="1200" dirty="0">
+                <a:cs typeface="Arial" panose="020B0604020202020204" pitchFamily="34" charset="0"/>
+              </a:rPr>
+              <a:t>Automatically</a:t>
+            </a:r>
+          </a:p>
+          <a:p>
+            <a:pPr lvl="1"/>
+            <a:r>
+              <a:rPr lang="en-US" sz="1200" dirty="0">
+                <a:effectLst/>
+                <a:ea typeface="Calibri" panose="020F0502020204030204" pitchFamily="34" charset="0"/>
+                <a:cs typeface="Arial" panose="020B0604020202020204" pitchFamily="34" charset="0"/>
+              </a:rPr>
+              <a:t>Navigate to the tests folder</a:t>
+            </a:r>
+          </a:p>
+          <a:p>
+            <a:pPr lvl="1"/>
+            <a:r>
+              <a:rPr lang="en-US" sz="1200" dirty="0">
+                <a:ea typeface="Calibri" panose="020F0502020204030204" pitchFamily="34" charset="0"/>
+                <a:cs typeface="Arial" panose="020B0604020202020204" pitchFamily="34" charset="0"/>
+              </a:rPr>
+              <a:t>R</a:t>
+            </a:r>
+            <a:r>
+              <a:rPr lang="en-US" sz="1200" dirty="0">
+                <a:effectLst/>
+                <a:ea typeface="Calibri" panose="020F0502020204030204" pitchFamily="34" charset="0"/>
+                <a:cs typeface="Arial" panose="020B0604020202020204" pitchFamily="34" charset="0"/>
+              </a:rPr>
+              <a:t>un a test using “./{{test name}}” (e. g. “./1producer1consumerTest.sh”).</a:t>
+            </a:r>
+          </a:p>
+          <a:p>
+            <a:pPr lvl="1"/>
+            <a:r>
+              <a:rPr lang="en-US" sz="1200" dirty="0">
+                <a:ea typeface="Calibri" panose="020F0502020204030204" pitchFamily="34" charset="0"/>
+                <a:cs typeface="Arial" panose="020B0604020202020204" pitchFamily="34" charset="0"/>
+              </a:rPr>
+              <a:t>W</a:t>
+            </a:r>
+            <a:r>
+              <a:rPr lang="en-US" sz="1200" dirty="0">
+                <a:effectLst/>
+                <a:ea typeface="Calibri" panose="020F0502020204030204" pitchFamily="34" charset="0"/>
+                <a:cs typeface="Arial" panose="020B0604020202020204" pitchFamily="34" charset="0"/>
+              </a:rPr>
+              <a:t>ait until the test finishes (</a:t>
+            </a:r>
+            <a:r>
+              <a:rPr lang="en-US" sz="1200" dirty="0" err="1">
+                <a:effectLst/>
+                <a:ea typeface="Calibri" panose="020F0502020204030204" pitchFamily="34" charset="0"/>
+                <a:cs typeface="Arial" panose="020B0604020202020204" pitchFamily="34" charset="0"/>
+              </a:rPr>
+              <a:t>i</a:t>
+            </a:r>
+            <a:r>
+              <a:rPr lang="en-US" sz="1200" dirty="0">
+                <a:effectLst/>
+                <a:ea typeface="Calibri" panose="020F0502020204030204" pitchFamily="34" charset="0"/>
+                <a:cs typeface="Arial" panose="020B0604020202020204" pitchFamily="34" charset="0"/>
+              </a:rPr>
+              <a:t>. e. when all extra terminal tabs have closed [the last one takes a little while to show up]) and then check for results in the </a:t>
+            </a:r>
+            <a:r>
+              <a:rPr lang="en-US" sz="1200" dirty="0" err="1">
+                <a:effectLst/>
+                <a:ea typeface="Calibri" panose="020F0502020204030204" pitchFamily="34" charset="0"/>
+                <a:cs typeface="Arial" panose="020B0604020202020204" pitchFamily="34" charset="0"/>
+              </a:rPr>
+              <a:t>timeMeasurements</a:t>
+            </a:r>
+            <a:r>
+              <a:rPr lang="en-US" sz="1200" dirty="0">
+                <a:effectLst/>
+                <a:ea typeface="Calibri" panose="020F0502020204030204" pitchFamily="34" charset="0"/>
+                <a:cs typeface="Arial" panose="020B0604020202020204" pitchFamily="34" charset="0"/>
+              </a:rPr>
+              <a:t> folder.</a:t>
+            </a:r>
+          </a:p>
+          <a:p>
+            <a:r>
+              <a:rPr lang="en-US" sz="1200" dirty="0">
+                <a:cs typeface="Arial" panose="020B0604020202020204" pitchFamily="34" charset="0"/>
+              </a:rPr>
+              <a:t>Manually</a:t>
+            </a:r>
+          </a:p>
+          <a:p>
+            <a:pPr lvl="1"/>
+            <a:r>
+              <a:rPr lang="en-US" sz="1200" dirty="0">
+                <a:effectLst/>
+                <a:ea typeface="Calibri" panose="020F0502020204030204" pitchFamily="34" charset="0"/>
+                <a:cs typeface="Arial" panose="020B0604020202020204" pitchFamily="34" charset="0"/>
+              </a:rPr>
+              <a:t>Open 3 separate terminals or tabs and run each of the following separately in this order, applying the “Connect to Google Cloud Project” step as follows at the start of all the subsequent steps (sub.py, pub.py, broker.py).</a:t>
+            </a:r>
+          </a:p>
+          <a:p>
+            <a:pPr lvl="2"/>
+            <a:r>
+              <a:rPr lang="en-US" sz="1200" dirty="0">
+                <a:effectLst/>
+                <a:ea typeface="Calibri" panose="020F0502020204030204" pitchFamily="34" charset="0"/>
+                <a:cs typeface="Arial" panose="020B0604020202020204" pitchFamily="34" charset="0"/>
+              </a:rPr>
+              <a:t>Connect to Google Cloud project.</a:t>
+            </a:r>
+          </a:p>
+          <a:p>
+            <a:pPr lvl="3">
               <a:lnSpc>
                 <a:spcPct val="107000"/>
               </a:lnSpc>
               <a:spcBef>
                 <a:spcPts val="0"/>
               </a:spcBef>
-              <a:spcAft>
-                <a:spcPts val="0"/>
-              </a:spcAft>
-              <a:buFont typeface="Symbol" panose="05050102010706020507" pitchFamily="18" charset="2"/>
-              <a:buChar char=""/>
+              <a:buFont typeface="+mj-lt"/>
+              <a:buAutoNum type="arabicPeriod"/>
             </a:pPr>
             <a:r>
-              <a:rPr lang="en-US" sz="1800" dirty="0">
+              <a:rPr lang="en-US" sz="1200" dirty="0">
                 <a:effectLst/>
-                <a:latin typeface="Calibri" panose="020F0502020204030204" pitchFamily="34" charset="0"/>
                 <a:ea typeface="Calibri" panose="020F0502020204030204" pitchFamily="34" charset="0"/>
-                <a:cs typeface="Times New Roman" panose="02020603050405020304" pitchFamily="18" charset="0"/>
+                <a:cs typeface="Arial" panose="020B0604020202020204" pitchFamily="34" charset="0"/>
               </a:rPr>
-              <a:t>Treated Google Cloud Pub Sub message sender (</a:t>
-            </a:r>
-            <a:r>
-              <a:rPr lang="en-US" sz="1800" dirty="0" err="1">
+              <a:t>export GOOGLE_APPLICATION_CREDENTIALS=~/Downloads/</a:t>
+            </a:r>
+            <a:r>
+              <a:rPr lang="en-US" sz="1200" dirty="0" err="1">
                 <a:effectLst/>
-                <a:latin typeface="Calibri" panose="020F0502020204030204" pitchFamily="34" charset="0"/>
                 <a:ea typeface="Calibri" panose="020F0502020204030204" pitchFamily="34" charset="0"/>
-                <a:cs typeface="Times New Roman" panose="02020603050405020304" pitchFamily="18" charset="0"/>
+                <a:cs typeface="Arial" panose="020B0604020202020204" pitchFamily="34" charset="0"/>
               </a:rPr>
-              <a:t>i</a:t>
-            </a:r>
-            <a:r>
-              <a:rPr lang="en-US" sz="1800" dirty="0">
-                <a:effectLst/>
-                <a:latin typeface="Calibri" panose="020F0502020204030204" pitchFamily="34" charset="0"/>
-                <a:ea typeface="Calibri" panose="020F0502020204030204" pitchFamily="34" charset="0"/>
-                <a:cs typeface="Times New Roman" panose="02020603050405020304" pitchFamily="18" charset="0"/>
-              </a:rPr>
-              <a:t>. e. </a:t>
-            </a:r>
-            <a:r>
-              <a:rPr lang="en-US" sz="1800" dirty="0">
-                <a:latin typeface="Calibri" panose="020F0502020204030204" pitchFamily="34" charset="0"/>
-                <a:ea typeface="Calibri" panose="020F0502020204030204" pitchFamily="34" charset="0"/>
-                <a:cs typeface="Times New Roman" panose="02020603050405020304" pitchFamily="18" charset="0"/>
-              </a:rPr>
-              <a:t>broker.py)</a:t>
-            </a:r>
-            <a:r>
-              <a:rPr lang="en-US" sz="1800" dirty="0">
-                <a:effectLst/>
-                <a:latin typeface="Calibri" panose="020F0502020204030204" pitchFamily="34" charset="0"/>
-                <a:ea typeface="Calibri" panose="020F0502020204030204" pitchFamily="34" charset="0"/>
-                <a:cs typeface="Times New Roman" panose="02020603050405020304" pitchFamily="18" charset="0"/>
-              </a:rPr>
-              <a:t> as producer and Google Cloud Pub Sub message receiver (</a:t>
-            </a:r>
-            <a:r>
-              <a:rPr lang="en-US" sz="1800" dirty="0" err="1">
-                <a:effectLst/>
-                <a:latin typeface="Calibri" panose="020F0502020204030204" pitchFamily="34" charset="0"/>
-                <a:ea typeface="Calibri" panose="020F0502020204030204" pitchFamily="34" charset="0"/>
-                <a:cs typeface="Times New Roman" panose="02020603050405020304" pitchFamily="18" charset="0"/>
-              </a:rPr>
-              <a:t>i</a:t>
-            </a:r>
-            <a:r>
-              <a:rPr lang="en-US" sz="1800" dirty="0">
-                <a:effectLst/>
-                <a:latin typeface="Calibri" panose="020F0502020204030204" pitchFamily="34" charset="0"/>
-                <a:ea typeface="Calibri" panose="020F0502020204030204" pitchFamily="34" charset="0"/>
-                <a:cs typeface="Times New Roman" panose="02020603050405020304" pitchFamily="18" charset="0"/>
-              </a:rPr>
-              <a:t>.</a:t>
-            </a:r>
-            <a:r>
-              <a:rPr lang="en-US" sz="1800" dirty="0">
-                <a:latin typeface="Calibri" panose="020F0502020204030204" pitchFamily="34" charset="0"/>
-                <a:ea typeface="Calibri" panose="020F0502020204030204" pitchFamily="34" charset="0"/>
-                <a:cs typeface="Times New Roman" panose="02020603050405020304" pitchFamily="18" charset="0"/>
-              </a:rPr>
-              <a:t> e. sub.py)</a:t>
-            </a:r>
-            <a:r>
-              <a:rPr lang="en-US" sz="1800" dirty="0">
-                <a:effectLst/>
-                <a:latin typeface="Calibri" panose="020F0502020204030204" pitchFamily="34" charset="0"/>
-                <a:ea typeface="Calibri" panose="020F0502020204030204" pitchFamily="34" charset="0"/>
-                <a:cs typeface="Times New Roman" panose="02020603050405020304" pitchFamily="18" charset="0"/>
-              </a:rPr>
-              <a:t> as consumer</a:t>
-            </a:r>
-          </a:p>
-          <a:p>
-            <a:pPr marL="342900" marR="0" lvl="0" indent="-342900">
+              <a:t>key.json</a:t>
+            </a:r>
+            <a:endParaRPr lang="en-US" sz="1200" dirty="0">
+              <a:effectLst/>
+              <a:ea typeface="Calibri" panose="020F0502020204030204" pitchFamily="34" charset="0"/>
+              <a:cs typeface="Arial" panose="020B0604020202020204" pitchFamily="34" charset="0"/>
+            </a:endParaRPr>
+          </a:p>
+          <a:p>
+            <a:pPr lvl="3">
               <a:lnSpc>
                 <a:spcPct val="107000"/>
               </a:lnSpc>
               <a:spcBef>
                 <a:spcPts val="0"/>
               </a:spcBef>
-              <a:spcAft>
-                <a:spcPts val="0"/>
-              </a:spcAft>
-              <a:buFont typeface="Symbol" panose="05050102010706020507" pitchFamily="18" charset="2"/>
-              <a:buChar char=""/>
+              <a:buFont typeface="+mj-lt"/>
+              <a:buAutoNum type="arabicPeriod"/>
             </a:pPr>
             <a:r>
-              <a:rPr lang="en-US" sz="1800" dirty="0">
-                <a:latin typeface="Calibri" panose="020F0502020204030204" pitchFamily="34" charset="0"/>
+              <a:rPr lang="en-US" sz="1200" dirty="0">
+                <a:effectLst/>
                 <a:ea typeface="Calibri" panose="020F0502020204030204" pitchFamily="34" charset="0"/>
-                <a:cs typeface="Times New Roman" panose="02020603050405020304" pitchFamily="18" charset="0"/>
+                <a:cs typeface="Arial" panose="020B0604020202020204" pitchFamily="34" charset="0"/>
               </a:rPr>
-              <a:t>Tests accounted for messages of different lengths</a:t>
-            </a:r>
-            <a:endParaRPr lang="en-US" sz="1800" dirty="0">
-              <a:effectLst/>
-              <a:latin typeface="Calibri" panose="020F0502020204030204" pitchFamily="34" charset="0"/>
-              <a:ea typeface="Calibri" panose="020F0502020204030204" pitchFamily="34" charset="0"/>
-              <a:cs typeface="Times New Roman" panose="02020603050405020304" pitchFamily="18" charset="0"/>
-            </a:endParaRPr>
-          </a:p>
-          <a:p>
-            <a:pPr marL="342900" marR="0" lvl="0" indent="-342900">
+              <a:t>export PROJECT=`</a:t>
+            </a:r>
+            <a:r>
+              <a:rPr lang="en-US" sz="1200" dirty="0" err="1">
+                <a:effectLst/>
+                <a:ea typeface="Calibri" panose="020F0502020204030204" pitchFamily="34" charset="0"/>
+                <a:cs typeface="Arial" panose="020B0604020202020204" pitchFamily="34" charset="0"/>
+              </a:rPr>
+              <a:t>gcloud</a:t>
+            </a:r>
+            <a:r>
+              <a:rPr lang="en-US" sz="1200" dirty="0">
+                <a:effectLst/>
+                <a:ea typeface="Calibri" panose="020F0502020204030204" pitchFamily="34" charset="0"/>
+                <a:cs typeface="Arial" panose="020B0604020202020204" pitchFamily="34" charset="0"/>
+              </a:rPr>
+              <a:t> config get-value project`</a:t>
+            </a:r>
+          </a:p>
+          <a:p>
+            <a:pPr lvl="3">
               <a:lnSpc>
                 <a:spcPct val="107000"/>
               </a:lnSpc>
               <a:spcBef>
                 <a:spcPts val="0"/>
               </a:spcBef>
-              <a:spcAft>
-                <a:spcPts val="0"/>
-              </a:spcAft>
-              <a:buFont typeface="Symbol" panose="05050102010706020507" pitchFamily="18" charset="2"/>
-              <a:buChar char=""/>
+              <a:buFont typeface="+mj-lt"/>
+              <a:buAutoNum type="arabicPeriod"/>
             </a:pPr>
             <a:r>
-              <a:rPr lang="en-US" sz="1800" dirty="0">
+              <a:rPr lang="en-US" sz="1200" dirty="0">
                 <a:effectLst/>
-                <a:latin typeface="Calibri" panose="020F0502020204030204" pitchFamily="34" charset="0"/>
                 <a:ea typeface="Calibri" panose="020F0502020204030204" pitchFamily="34" charset="0"/>
-                <a:cs typeface="Times New Roman" panose="02020603050405020304" pitchFamily="18" charset="0"/>
+                <a:cs typeface="Arial" panose="020B0604020202020204" pitchFamily="34" charset="0"/>
               </a:rPr>
-              <a:t>1 producer vs. 1 consumer</a:t>
-            </a:r>
-          </a:p>
-          <a:p>
-            <a:pPr marL="342900" marR="0" lvl="0" indent="-342900">
+              <a:t>echo $PROJECT (make sure project ID shows up)</a:t>
+            </a:r>
+          </a:p>
+          <a:p>
+            <a:pPr lvl="2">
               <a:lnSpc>
                 <a:spcPct val="107000"/>
               </a:lnSpc>
               <a:spcBef>
                 <a:spcPts val="0"/>
               </a:spcBef>
-              <a:spcAft>
-                <a:spcPts val="0"/>
-              </a:spcAft>
-              <a:buFont typeface="Symbol" panose="05050102010706020507" pitchFamily="18" charset="2"/>
-              <a:buChar char=""/>
+              <a:buFont typeface="+mj-lt"/>
+              <a:buAutoNum type="arabicPeriod"/>
             </a:pPr>
             <a:r>
-              <a:rPr lang="en-US" sz="1800" dirty="0">
+              <a:rPr lang="en-US" sz="1200" dirty="0">
                 <a:effectLst/>
-                <a:latin typeface="Calibri" panose="020F0502020204030204" pitchFamily="34" charset="0"/>
                 <a:ea typeface="Calibri" panose="020F0502020204030204" pitchFamily="34" charset="0"/>
-                <a:cs typeface="Times New Roman" panose="02020603050405020304" pitchFamily="18" charset="0"/>
+                <a:cs typeface="Arial" panose="020B0604020202020204" pitchFamily="34" charset="0"/>
               </a:rPr>
-              <a:t>1 producer vs. 5 consumers</a:t>
-            </a:r>
-          </a:p>
-          <a:p>
-            <a:pPr marL="342900" marR="0" lvl="0" indent="-342900">
+              <a:t>Run sub.py:</a:t>
+            </a:r>
+          </a:p>
+          <a:p>
+            <a:pPr lvl="3">
               <a:lnSpc>
                 <a:spcPct val="107000"/>
               </a:lnSpc>
               <a:spcBef>
                 <a:spcPts val="0"/>
               </a:spcBef>
-              <a:spcAft>
-                <a:spcPts val="0"/>
-              </a:spcAft>
-              <a:buFont typeface="Symbol" panose="05050102010706020507" pitchFamily="18" charset="2"/>
-              <a:buChar char=""/>
+              <a:buFont typeface="+mj-lt"/>
+              <a:buAutoNum type="arabicPeriod"/>
             </a:pPr>
             <a:r>
-              <a:rPr lang="en-US" sz="1800" dirty="0">
+              <a:rPr lang="en-US" sz="1200" dirty="0">
                 <a:effectLst/>
-                <a:latin typeface="Calibri" panose="020F0502020204030204" pitchFamily="34" charset="0"/>
                 <a:ea typeface="Calibri" panose="020F0502020204030204" pitchFamily="34" charset="0"/>
-                <a:cs typeface="Times New Roman" panose="02020603050405020304" pitchFamily="18" charset="0"/>
+                <a:cs typeface="Arial" panose="020B0604020202020204" pitchFamily="34" charset="0"/>
               </a:rPr>
-              <a:t>5 producers vs. 1 consumer</a:t>
-            </a:r>
-          </a:p>
-          <a:p>
-            <a:pPr marL="342900" marR="0" lvl="0" indent="-342900">
+              <a:t>“python3 sub.py $PROJECT {{Google Cloud-created subscription name (e. g. </a:t>
+            </a:r>
+            <a:r>
+              <a:rPr lang="en-US" sz="1200" dirty="0" err="1">
+                <a:effectLst/>
+                <a:ea typeface="Calibri" panose="020F0502020204030204" pitchFamily="34" charset="0"/>
+                <a:cs typeface="Arial" panose="020B0604020202020204" pitchFamily="34" charset="0"/>
+              </a:rPr>
+              <a:t>sub_one</a:t>
+            </a:r>
+            <a:r>
+              <a:rPr lang="en-US" sz="1200" dirty="0">
+                <a:effectLst/>
+                <a:ea typeface="Calibri" panose="020F0502020204030204" pitchFamily="34" charset="0"/>
+                <a:cs typeface="Arial" panose="020B0604020202020204" pitchFamily="34" charset="0"/>
+              </a:rPr>
+              <a:t>)}}”</a:t>
+            </a:r>
+          </a:p>
+          <a:p>
+            <a:pPr lvl="2">
               <a:lnSpc>
                 <a:spcPct val="107000"/>
               </a:lnSpc>
               <a:spcBef>
                 <a:spcPts val="0"/>
               </a:spcBef>
-              <a:spcAft>
+              <a:buFont typeface="+mj-lt"/>
+              <a:buAutoNum type="arabicPeriod"/>
+            </a:pPr>
+            <a:r>
+              <a:rPr lang="en-US" sz="1200" dirty="0">
+                <a:effectLst/>
+                <a:ea typeface="Calibri" panose="020F0502020204030204" pitchFamily="34" charset="0"/>
+                <a:cs typeface="Arial" panose="020B0604020202020204" pitchFamily="34" charset="0"/>
+              </a:rPr>
+              <a:t>Run broker.py:</a:t>
+            </a:r>
+          </a:p>
+          <a:p>
+            <a:pPr lvl="3">
+              <a:lnSpc>
+                <a:spcPct val="107000"/>
+              </a:lnSpc>
+              <a:spcBef>
                 <a:spcPts val="0"/>
-              </a:spcAft>
-              <a:buFont typeface="Symbol" panose="05050102010706020507" pitchFamily="18" charset="2"/>
-              <a:buChar char=""/>
+              </a:spcBef>
+              <a:buFont typeface="+mj-lt"/>
+              <a:buAutoNum type="arabicPeriod"/>
             </a:pPr>
             <a:r>
-              <a:rPr lang="en-US" sz="1800" dirty="0">
+              <a:rPr lang="en-US" sz="1200" dirty="0">
                 <a:effectLst/>
-                <a:latin typeface="Calibri" panose="020F0502020204030204" pitchFamily="34" charset="0"/>
                 <a:ea typeface="Calibri" panose="020F0502020204030204" pitchFamily="34" charset="0"/>
-                <a:cs typeface="Times New Roman" panose="02020603050405020304" pitchFamily="18" charset="0"/>
+                <a:cs typeface="Arial" panose="020B0604020202020204" pitchFamily="34" charset="0"/>
               </a:rPr>
-              <a:t>3 x (8 producers vs. 8 consumers)</a:t>
-            </a:r>
-          </a:p>
-          <a:p>
-            <a:pPr marL="342900" marR="0" lvl="0" indent="-342900">
+              <a:t>“python3 broker.py $PROJECT {{Google Cloud-created topic name (e. g. </a:t>
+            </a:r>
+            <a:r>
+              <a:rPr lang="en-US" sz="1200" dirty="0" err="1">
+                <a:effectLst/>
+                <a:ea typeface="Calibri" panose="020F0502020204030204" pitchFamily="34" charset="0"/>
+                <a:cs typeface="Arial" panose="020B0604020202020204" pitchFamily="34" charset="0"/>
+              </a:rPr>
+              <a:t>hello_topic</a:t>
+            </a:r>
+            <a:r>
+              <a:rPr lang="en-US" sz="1200" dirty="0">
+                <a:effectLst/>
+                <a:ea typeface="Calibri" panose="020F0502020204030204" pitchFamily="34" charset="0"/>
+                <a:cs typeface="Arial" panose="020B0604020202020204" pitchFamily="34" charset="0"/>
+              </a:rPr>
+              <a:t>}}”</a:t>
+            </a:r>
+          </a:p>
+          <a:p>
+            <a:pPr lvl="2">
+              <a:lnSpc>
+                <a:spcPct val="107000"/>
+              </a:lnSpc>
+              <a:spcBef>
+                <a:spcPts val="0"/>
+              </a:spcBef>
+              <a:buFont typeface="+mj-lt"/>
+              <a:buAutoNum type="arabicPeriod"/>
+            </a:pPr>
+            <a:r>
+              <a:rPr lang="en-US" sz="1200" dirty="0">
+                <a:effectLst/>
+                <a:ea typeface="Calibri" panose="020F0502020204030204" pitchFamily="34" charset="0"/>
+                <a:cs typeface="Arial" panose="020B0604020202020204" pitchFamily="34" charset="0"/>
+              </a:rPr>
+              <a:t>Run pub.py:</a:t>
+            </a:r>
+          </a:p>
+          <a:p>
+            <a:pPr lvl="3">
               <a:lnSpc>
                 <a:spcPct val="107000"/>
               </a:lnSpc>
@@ -9521,25 +10111,30 @@
               <a:spcAft>
                 <a:spcPts val="800"/>
               </a:spcAft>
-              <a:buFont typeface="Symbol" panose="05050102010706020507" pitchFamily="18" charset="2"/>
-              <a:buChar char=""/>
+              <a:buFont typeface="+mj-lt"/>
+              <a:buAutoNum type="arabicPeriod"/>
             </a:pPr>
             <a:r>
-              <a:rPr lang="en-US" sz="1800" dirty="0">
+              <a:rPr lang="en-US" sz="1200" dirty="0">
                 <a:effectLst/>
-                <a:latin typeface="Calibri" panose="020F0502020204030204" pitchFamily="34" charset="0"/>
                 <a:ea typeface="Calibri" panose="020F0502020204030204" pitchFamily="34" charset="0"/>
-                <a:cs typeface="Times New Roman" panose="02020603050405020304" pitchFamily="18" charset="0"/>
+                <a:cs typeface="Arial" panose="020B0604020202020204" pitchFamily="34" charset="0"/>
               </a:rPr>
-              <a:t>4 x (25 producers vs. 25 consumers)</a:t>
-            </a:r>
+              <a:t>"python3 pub.py {{file name}}“</a:t>
+            </a:r>
+          </a:p>
+          <a:p>
+            <a:pPr lvl="1"/>
+            <a:endParaRPr lang="en-US" sz="1200" dirty="0">
+              <a:cs typeface="Arial" panose="020B0604020202020204" pitchFamily="34" charset="0"/>
+            </a:endParaRPr>
           </a:p>
         </p:txBody>
       </p:sp>
     </p:spTree>
     <p:extLst>
       <p:ext uri="{BB962C8B-B14F-4D97-AF65-F5344CB8AC3E}">
-        <p14:creationId xmlns:p14="http://schemas.microsoft.com/office/powerpoint/2010/main" val="713689981"/>
+        <p14:creationId xmlns:p14="http://schemas.microsoft.com/office/powerpoint/2010/main" val="3321963082"/>
       </p:ext>
     </p:extLst>
   </p:cSld>
@@ -9571,7 +10166,7 @@
           <p:cNvPr id="2" name="Title 1">
             <a:extLst>
               <a:ext uri="{FF2B5EF4-FFF2-40B4-BE49-F238E27FC236}">
-                <a16:creationId xmlns:a16="http://schemas.microsoft.com/office/drawing/2014/main" id="{0509F655-FEF5-44D1-86E3-4106A29AA161}"/>
+                <a16:creationId xmlns:a16="http://schemas.microsoft.com/office/drawing/2014/main" id="{35FCEF6F-0434-4616-81DB-C5FE6D7FE6F1}"/>
               </a:ext>
             </a:extLst>
           </p:cNvPr>
@@ -9589,7 +10184,7 @@
           <a:p>
             <a:r>
               <a:rPr lang="en-US" dirty="0"/>
-              <a:t>Result Format</a:t>
+              <a:t>Stop the Run</a:t>
             </a:r>
           </a:p>
         </p:txBody>
@@ -9599,7 +10194,7 @@
           <p:cNvPr id="3" name="Content Placeholder 2">
             <a:extLst>
               <a:ext uri="{FF2B5EF4-FFF2-40B4-BE49-F238E27FC236}">
-                <a16:creationId xmlns:a16="http://schemas.microsoft.com/office/drawing/2014/main" id="{5C6D7C08-72E5-4E46-B9B9-2565E8BB6B40}"/>
+                <a16:creationId xmlns:a16="http://schemas.microsoft.com/office/drawing/2014/main" id="{ADA6AFE3-CEC0-4F72-B3A7-C85B8D17BA72}"/>
               </a:ext>
             </a:extLst>
           </p:cNvPr>
@@ -9610,298 +10205,135 @@
             <p:ph idx="1"/>
           </p:nvPr>
         </p:nvSpPr>
-        <p:spPr>
-          <a:xfrm>
-            <a:off x="7544176" y="1638084"/>
-            <a:ext cx="3927764" cy="4351338"/>
-          </a:xfrm>
-        </p:spPr>
+        <p:spPr/>
         <p:txBody>
-          <a:bodyPr/>
+          <a:bodyPr>
+            <a:normAutofit/>
+          </a:bodyPr>
           <a:lstStyle/>
           <a:p>
-            <a:r>
-              <a:rPr lang="en-US" dirty="0"/>
-              <a:t>Calculations CSV</a:t>
-            </a:r>
-          </a:p>
-          <a:p>
-            <a:endParaRPr lang="en-US" dirty="0"/>
-          </a:p>
-          <a:p>
-            <a:endParaRPr lang="en-US" dirty="0"/>
+            <a:pPr>
+              <a:lnSpc>
+                <a:spcPct val="107000"/>
+              </a:lnSpc>
+              <a:spcBef>
+                <a:spcPts val="0"/>
+              </a:spcBef>
+            </a:pPr>
+            <a:r>
+              <a:rPr lang="en-US" sz="2400" dirty="0">
+                <a:effectLst/>
+                <a:ea typeface="Calibri" panose="020F0502020204030204" pitchFamily="34" charset="0"/>
+                <a:cs typeface="Times New Roman" panose="02020603050405020304" pitchFamily="18" charset="0"/>
+              </a:rPr>
+              <a:t>To stop the code properly using Ctrl + C:</a:t>
+            </a:r>
+          </a:p>
+          <a:p>
+            <a:pPr lvl="1">
+              <a:lnSpc>
+                <a:spcPct val="107000"/>
+              </a:lnSpc>
+              <a:spcBef>
+                <a:spcPts val="0"/>
+              </a:spcBef>
+            </a:pPr>
+            <a:r>
+              <a:rPr lang="en-US" dirty="0">
+                <a:effectLst/>
+                <a:ea typeface="Calibri" panose="020F0502020204030204" pitchFamily="34" charset="0"/>
+                <a:cs typeface="Times New Roman" panose="02020603050405020304" pitchFamily="18" charset="0"/>
+              </a:rPr>
+              <a:t>Stop broker.py 1</a:t>
+            </a:r>
+            <a:r>
+              <a:rPr lang="en-US" baseline="30000" dirty="0">
+                <a:effectLst/>
+                <a:ea typeface="Calibri" panose="020F0502020204030204" pitchFamily="34" charset="0"/>
+                <a:cs typeface="Times New Roman" panose="02020603050405020304" pitchFamily="18" charset="0"/>
+              </a:rPr>
+              <a:t>st</a:t>
+            </a:r>
+            <a:r>
+              <a:rPr lang="en-US" dirty="0">
+                <a:effectLst/>
+                <a:ea typeface="Calibri" panose="020F0502020204030204" pitchFamily="34" charset="0"/>
+                <a:cs typeface="Times New Roman" panose="02020603050405020304" pitchFamily="18" charset="0"/>
+              </a:rPr>
+              <a:t> or else sub.py will receive old messages.</a:t>
+            </a:r>
+          </a:p>
+          <a:p>
+            <a:pPr lvl="1">
+              <a:lnSpc>
+                <a:spcPct val="107000"/>
+              </a:lnSpc>
+              <a:spcBef>
+                <a:spcPts val="0"/>
+              </a:spcBef>
+            </a:pPr>
+            <a:r>
+              <a:rPr lang="en-US" dirty="0">
+                <a:effectLst/>
+                <a:ea typeface="Calibri" panose="020F0502020204030204" pitchFamily="34" charset="0"/>
+                <a:cs typeface="Times New Roman" panose="02020603050405020304" pitchFamily="18" charset="0"/>
+              </a:rPr>
+              <a:t>Empty out old messages by 1 of the following ways:</a:t>
+            </a:r>
+          </a:p>
+          <a:p>
+            <a:pPr lvl="2">
+              <a:lnSpc>
+                <a:spcPct val="107000"/>
+              </a:lnSpc>
+              <a:spcBef>
+                <a:spcPts val="0"/>
+              </a:spcBef>
+            </a:pPr>
+            <a:r>
+              <a:rPr lang="en-US" sz="2400" dirty="0">
+                <a:effectLst/>
+                <a:ea typeface="Calibri" panose="020F0502020204030204" pitchFamily="34" charset="0"/>
+                <a:cs typeface="Times New Roman" panose="02020603050405020304" pitchFamily="18" charset="0"/>
+              </a:rPr>
+              <a:t>Run “python3 clear.py”.</a:t>
+            </a:r>
+          </a:p>
+          <a:p>
+            <a:pPr lvl="2">
+              <a:lnSpc>
+                <a:spcPct val="107000"/>
+              </a:lnSpc>
+              <a:spcBef>
+                <a:spcPts val="0"/>
+              </a:spcBef>
+              <a:spcAft>
+                <a:spcPts val="800"/>
+              </a:spcAft>
+            </a:pPr>
+            <a:r>
+              <a:rPr lang="en-US" sz="2400" dirty="0">
+                <a:effectLst/>
+                <a:ea typeface="Calibri" panose="020F0502020204030204" pitchFamily="34" charset="0"/>
+                <a:cs typeface="Times New Roman" panose="02020603050405020304" pitchFamily="18" charset="0"/>
+              </a:rPr>
+              <a:t>Start sub.py and wait until all old messages are emptied out and then stop it before running the code again.</a:t>
+            </a:r>
+            <a:endParaRPr lang="en-US" sz="2400" dirty="0">
+              <a:effectLst/>
+              <a:ea typeface="Calibri" panose="020F0502020204030204" pitchFamily="34" charset="0"/>
+              <a:cs typeface="Arial" panose="020B0604020202020204" pitchFamily="34" charset="0"/>
+            </a:endParaRPr>
+          </a:p>
+          <a:p>
+            <a:endParaRPr lang="en-US" sz="2400" dirty="0"/>
           </a:p>
         </p:txBody>
       </p:sp>
-      <p:pic>
-        <p:nvPicPr>
-          <p:cNvPr id="7" name="Picture 6">
-            <a:extLst>
-              <a:ext uri="{FF2B5EF4-FFF2-40B4-BE49-F238E27FC236}">
-                <a16:creationId xmlns:a16="http://schemas.microsoft.com/office/drawing/2014/main" id="{FEB64B53-CACD-4E8C-A5EF-4202D99D17C3}"/>
-              </a:ext>
-            </a:extLst>
-          </p:cNvPr>
-          <p:cNvPicPr>
-            <a:picLocks noChangeAspect="1"/>
-          </p:cNvPicPr>
-          <p:nvPr/>
-        </p:nvPicPr>
-        <p:blipFill>
-          <a:blip r:embed="rId2"/>
-          <a:stretch>
-            <a:fillRect/>
-          </a:stretch>
-        </p:blipFill>
-        <p:spPr>
-          <a:xfrm>
-            <a:off x="7577379" y="2226118"/>
-            <a:ext cx="3288417" cy="3962246"/>
-          </a:xfrm>
-          <a:prstGeom prst="rect">
-            <a:avLst/>
-          </a:prstGeom>
-        </p:spPr>
-      </p:pic>
-      <p:sp>
-        <p:nvSpPr>
-          <p:cNvPr id="8" name="Content Placeholder 2">
-            <a:extLst>
-              <a:ext uri="{FF2B5EF4-FFF2-40B4-BE49-F238E27FC236}">
-                <a16:creationId xmlns:a16="http://schemas.microsoft.com/office/drawing/2014/main" id="{07E721D5-840F-426D-860A-C2D3BA5A2716}"/>
-              </a:ext>
-            </a:extLst>
-          </p:cNvPr>
-          <p:cNvSpPr txBox="1">
-            <a:spLocks/>
-          </p:cNvSpPr>
-          <p:nvPr/>
-        </p:nvSpPr>
-        <p:spPr>
-          <a:xfrm>
-            <a:off x="760848" y="1585479"/>
-            <a:ext cx="4845626" cy="4351338"/>
-          </a:xfrm>
-          <a:prstGeom prst="rect">
-            <a:avLst/>
-          </a:prstGeom>
-        </p:spPr>
-        <p:txBody>
-          <a:bodyPr vert="horz" lIns="91440" tIns="45720" rIns="91440" bIns="45720" rtlCol="0">
-            <a:normAutofit/>
-          </a:bodyPr>
-          <a:lstStyle>
-            <a:lvl1pPr marL="228600" indent="-228600" algn="l" defTabSz="914400" rtl="0" eaLnBrk="1" latinLnBrk="0" hangingPunct="1">
-              <a:lnSpc>
-                <a:spcPct val="90000"/>
-              </a:lnSpc>
-              <a:spcBef>
-                <a:spcPts val="1000"/>
-              </a:spcBef>
-              <a:buFont typeface="Arial" panose="020B0604020202020204" pitchFamily="34" charset="0"/>
-              <a:buChar char="•"/>
-              <a:defRPr sz="2800" kern="1200">
-                <a:solidFill>
-                  <a:schemeClr val="tx1"/>
-                </a:solidFill>
-                <a:latin typeface="+mn-lt"/>
-                <a:ea typeface="+mn-ea"/>
-                <a:cs typeface="+mn-cs"/>
-              </a:defRPr>
-            </a:lvl1pPr>
-            <a:lvl2pPr marL="685800" indent="-228600" algn="l" defTabSz="914400" rtl="0" eaLnBrk="1" latinLnBrk="0" hangingPunct="1">
-              <a:lnSpc>
-                <a:spcPct val="90000"/>
-              </a:lnSpc>
-              <a:spcBef>
-                <a:spcPts val="500"/>
-              </a:spcBef>
-              <a:buFont typeface="Arial" panose="020B0604020202020204" pitchFamily="34" charset="0"/>
-              <a:buChar char="•"/>
-              <a:defRPr sz="2400" kern="1200">
-                <a:solidFill>
-                  <a:schemeClr val="tx1"/>
-                </a:solidFill>
-                <a:latin typeface="+mn-lt"/>
-                <a:ea typeface="+mn-ea"/>
-                <a:cs typeface="+mn-cs"/>
-              </a:defRPr>
-            </a:lvl2pPr>
-            <a:lvl3pPr marL="1143000" indent="-228600" algn="l" defTabSz="914400" rtl="0" eaLnBrk="1" latinLnBrk="0" hangingPunct="1">
-              <a:lnSpc>
-                <a:spcPct val="90000"/>
-              </a:lnSpc>
-              <a:spcBef>
-                <a:spcPts val="500"/>
-              </a:spcBef>
-              <a:buFont typeface="Arial" panose="020B0604020202020204" pitchFamily="34" charset="0"/>
-              <a:buChar char="•"/>
-              <a:defRPr sz="2000" kern="1200">
-                <a:solidFill>
-                  <a:schemeClr val="tx1"/>
-                </a:solidFill>
-                <a:latin typeface="+mn-lt"/>
-                <a:ea typeface="+mn-ea"/>
-                <a:cs typeface="+mn-cs"/>
-              </a:defRPr>
-            </a:lvl3pPr>
-            <a:lvl4pPr marL="1600200" indent="-228600" algn="l" defTabSz="914400" rtl="0" eaLnBrk="1" latinLnBrk="0" hangingPunct="1">
-              <a:lnSpc>
-                <a:spcPct val="90000"/>
-              </a:lnSpc>
-              <a:spcBef>
-                <a:spcPts val="500"/>
-              </a:spcBef>
-              <a:buFont typeface="Arial" panose="020B0604020202020204" pitchFamily="34" charset="0"/>
-              <a:buChar char="•"/>
-              <a:defRPr sz="1800" kern="1200">
-                <a:solidFill>
-                  <a:schemeClr val="tx1"/>
-                </a:solidFill>
-                <a:latin typeface="+mn-lt"/>
-                <a:ea typeface="+mn-ea"/>
-                <a:cs typeface="+mn-cs"/>
-              </a:defRPr>
-            </a:lvl4pPr>
-            <a:lvl5pPr marL="2057400" indent="-228600" algn="l" defTabSz="914400" rtl="0" eaLnBrk="1" latinLnBrk="0" hangingPunct="1">
-              <a:lnSpc>
-                <a:spcPct val="90000"/>
-              </a:lnSpc>
-              <a:spcBef>
-                <a:spcPts val="500"/>
-              </a:spcBef>
-              <a:buFont typeface="Arial" panose="020B0604020202020204" pitchFamily="34" charset="0"/>
-              <a:buChar char="•"/>
-              <a:defRPr sz="1800" kern="1200">
-                <a:solidFill>
-                  <a:schemeClr val="tx1"/>
-                </a:solidFill>
-                <a:latin typeface="+mn-lt"/>
-                <a:ea typeface="+mn-ea"/>
-                <a:cs typeface="+mn-cs"/>
-              </a:defRPr>
-            </a:lvl5pPr>
-            <a:lvl6pPr marL="2514600" indent="-228600" algn="l" defTabSz="914400" rtl="0" eaLnBrk="1" latinLnBrk="0" hangingPunct="1">
-              <a:lnSpc>
-                <a:spcPct val="90000"/>
-              </a:lnSpc>
-              <a:spcBef>
-                <a:spcPts val="500"/>
-              </a:spcBef>
-              <a:buFont typeface="Arial" panose="020B0604020202020204" pitchFamily="34" charset="0"/>
-              <a:buChar char="•"/>
-              <a:defRPr sz="1800" kern="1200">
-                <a:solidFill>
-                  <a:schemeClr val="tx1"/>
-                </a:solidFill>
-                <a:latin typeface="+mn-lt"/>
-                <a:ea typeface="+mn-ea"/>
-                <a:cs typeface="+mn-cs"/>
-              </a:defRPr>
-            </a:lvl6pPr>
-            <a:lvl7pPr marL="2971800" indent="-228600" algn="l" defTabSz="914400" rtl="0" eaLnBrk="1" latinLnBrk="0" hangingPunct="1">
-              <a:lnSpc>
-                <a:spcPct val="90000"/>
-              </a:lnSpc>
-              <a:spcBef>
-                <a:spcPts val="500"/>
-              </a:spcBef>
-              <a:buFont typeface="Arial" panose="020B0604020202020204" pitchFamily="34" charset="0"/>
-              <a:buChar char="•"/>
-              <a:defRPr sz="1800" kern="1200">
-                <a:solidFill>
-                  <a:schemeClr val="tx1"/>
-                </a:solidFill>
-                <a:latin typeface="+mn-lt"/>
-                <a:ea typeface="+mn-ea"/>
-                <a:cs typeface="+mn-cs"/>
-              </a:defRPr>
-            </a:lvl7pPr>
-            <a:lvl8pPr marL="3429000" indent="-228600" algn="l" defTabSz="914400" rtl="0" eaLnBrk="1" latinLnBrk="0" hangingPunct="1">
-              <a:lnSpc>
-                <a:spcPct val="90000"/>
-              </a:lnSpc>
-              <a:spcBef>
-                <a:spcPts val="500"/>
-              </a:spcBef>
-              <a:buFont typeface="Arial" panose="020B0604020202020204" pitchFamily="34" charset="0"/>
-              <a:buChar char="•"/>
-              <a:defRPr sz="1800" kern="1200">
-                <a:solidFill>
-                  <a:schemeClr val="tx1"/>
-                </a:solidFill>
-                <a:latin typeface="+mn-lt"/>
-                <a:ea typeface="+mn-ea"/>
-                <a:cs typeface="+mn-cs"/>
-              </a:defRPr>
-            </a:lvl8pPr>
-            <a:lvl9pPr marL="3886200" indent="-228600" algn="l" defTabSz="914400" rtl="0" eaLnBrk="1" latinLnBrk="0" hangingPunct="1">
-              <a:lnSpc>
-                <a:spcPct val="90000"/>
-              </a:lnSpc>
-              <a:spcBef>
-                <a:spcPts val="500"/>
-              </a:spcBef>
-              <a:buFont typeface="Arial" panose="020B0604020202020204" pitchFamily="34" charset="0"/>
-              <a:buChar char="•"/>
-              <a:defRPr sz="1800" kern="1200">
-                <a:solidFill>
-                  <a:schemeClr val="tx1"/>
-                </a:solidFill>
-                <a:latin typeface="+mn-lt"/>
-                <a:ea typeface="+mn-ea"/>
-                <a:cs typeface="+mn-cs"/>
-              </a:defRPr>
-            </a:lvl9pPr>
-          </a:lstStyle>
-          <a:p>
-            <a:r>
-              <a:rPr lang="en-US" dirty="0"/>
-              <a:t>Time Measurements CSV</a:t>
-            </a:r>
-          </a:p>
-          <a:p>
-            <a:endParaRPr lang="en-US" dirty="0"/>
-          </a:p>
-          <a:p>
-            <a:endParaRPr lang="en-US" dirty="0"/>
-          </a:p>
-        </p:txBody>
-      </p:sp>
-      <p:pic>
-        <p:nvPicPr>
-          <p:cNvPr id="10" name="Picture 9">
-            <a:extLst>
-              <a:ext uri="{FF2B5EF4-FFF2-40B4-BE49-F238E27FC236}">
-                <a16:creationId xmlns:a16="http://schemas.microsoft.com/office/drawing/2014/main" id="{BAD97712-1869-49DD-A077-4E449D8630EA}"/>
-              </a:ext>
-            </a:extLst>
-          </p:cNvPr>
-          <p:cNvPicPr>
-            <a:picLocks noChangeAspect="1"/>
-          </p:cNvPicPr>
-          <p:nvPr/>
-        </p:nvPicPr>
-        <p:blipFill>
-          <a:blip r:embed="rId3"/>
-          <a:stretch>
-            <a:fillRect/>
-          </a:stretch>
-        </p:blipFill>
-        <p:spPr>
-          <a:xfrm>
-            <a:off x="878988" y="2257075"/>
-            <a:ext cx="5564286" cy="3058452"/>
-          </a:xfrm>
-          <a:prstGeom prst="rect">
-            <a:avLst/>
-          </a:prstGeom>
-        </p:spPr>
-      </p:pic>
     </p:spTree>
     <p:extLst>
       <p:ext uri="{BB962C8B-B14F-4D97-AF65-F5344CB8AC3E}">
-        <p14:creationId xmlns:p14="http://schemas.microsoft.com/office/powerpoint/2010/main" val="921808968"/>
+        <p14:creationId xmlns:p14="http://schemas.microsoft.com/office/powerpoint/2010/main" val="2041635587"/>
       </p:ext>
     </p:extLst>
   </p:cSld>

--- a/Messaging Systems & Message Queues/GoogleCloudPubSub/JamesVu_JordanSmith_BrantKyser/Documentation/CS 6381 Final Project_GoogleCloudPubSub.pptx
+++ b/Messaging Systems & Message Queues/GoogleCloudPubSub/JamesVu_JordanSmith_BrantKyser/Documentation/CS 6381 Final Project_GoogleCloudPubSub.pptx
@@ -11,18 +11,21 @@
     <p:sldId id="274" r:id="rId5"/>
     <p:sldId id="275" r:id="rId6"/>
     <p:sldId id="276" r:id="rId7"/>
-    <p:sldId id="258" r:id="rId8"/>
-    <p:sldId id="260" r:id="rId9"/>
-    <p:sldId id="263" r:id="rId10"/>
-    <p:sldId id="264" r:id="rId11"/>
-    <p:sldId id="266" r:id="rId12"/>
-    <p:sldId id="261" r:id="rId13"/>
-    <p:sldId id="267" r:id="rId14"/>
-    <p:sldId id="268" r:id="rId15"/>
-    <p:sldId id="269" r:id="rId16"/>
-    <p:sldId id="271" r:id="rId17"/>
-    <p:sldId id="272" r:id="rId18"/>
-    <p:sldId id="273" r:id="rId19"/>
+    <p:sldId id="279" r:id="rId8"/>
+    <p:sldId id="277" r:id="rId9"/>
+    <p:sldId id="278" r:id="rId10"/>
+    <p:sldId id="258" r:id="rId11"/>
+    <p:sldId id="260" r:id="rId12"/>
+    <p:sldId id="263" r:id="rId13"/>
+    <p:sldId id="264" r:id="rId14"/>
+    <p:sldId id="266" r:id="rId15"/>
+    <p:sldId id="261" r:id="rId16"/>
+    <p:sldId id="267" r:id="rId17"/>
+    <p:sldId id="268" r:id="rId18"/>
+    <p:sldId id="269" r:id="rId19"/>
+    <p:sldId id="271" r:id="rId20"/>
+    <p:sldId id="272" r:id="rId21"/>
+    <p:sldId id="273" r:id="rId22"/>
   </p:sldIdLst>
   <p:sldSz cx="12192000" cy="6858000"/>
   <p:notesSz cx="6858000" cy="9144000"/>
@@ -3440,7 +3443,7 @@
           <p:cNvPr id="2" name="Title 1">
             <a:extLst>
               <a:ext uri="{FF2B5EF4-FFF2-40B4-BE49-F238E27FC236}">
-                <a16:creationId xmlns:a16="http://schemas.microsoft.com/office/drawing/2014/main" id="{35A8ADD6-170F-401C-988F-0711A82C4FDA}"/>
+                <a16:creationId xmlns:a16="http://schemas.microsoft.com/office/drawing/2014/main" id="{F91C49CC-D9B7-4F36-BD3C-198F94B45345}"/>
               </a:ext>
             </a:extLst>
           </p:cNvPr>
@@ -3458,7 +3461,7 @@
           <a:p>
             <a:r>
               <a:rPr lang="en-US" dirty="0"/>
-              <a:t>Run Code to Collect Statistics</a:t>
+              <a:t>Setup</a:t>
             </a:r>
           </a:p>
         </p:txBody>
@@ -3468,7 +3471,7 @@
           <p:cNvPr id="3" name="Content Placeholder 2">
             <a:extLst>
               <a:ext uri="{FF2B5EF4-FFF2-40B4-BE49-F238E27FC236}">
-                <a16:creationId xmlns:a16="http://schemas.microsoft.com/office/drawing/2014/main" id="{7BE1789B-8738-4C09-A8F6-63C9734936FE}"/>
+                <a16:creationId xmlns:a16="http://schemas.microsoft.com/office/drawing/2014/main" id="{4A6E11C6-160E-426E-AC3A-51359A25A2BE}"/>
               </a:ext>
             </a:extLst>
           </p:cNvPr>
@@ -3481,37 +3484,77 @@
         </p:nvSpPr>
         <p:spPr/>
         <p:txBody>
-          <a:bodyPr/>
+          <a:bodyPr>
+            <a:normAutofit fontScale="92500" lnSpcReduction="20000"/>
+          </a:bodyPr>
           <a:lstStyle/>
           <a:p>
             <a:r>
-              <a:rPr lang="en-US" sz="1800" dirty="0">
-                <a:effectLst/>
-                <a:latin typeface="Calibri" panose="020F0502020204030204" pitchFamily="34" charset="0"/>
-                <a:ea typeface="Calibri" panose="020F0502020204030204" pitchFamily="34" charset="0"/>
-                <a:cs typeface="Times New Roman" panose="02020603050405020304" pitchFamily="18" charset="0"/>
-              </a:rPr>
-              <a:t>Run calculateStatistics.py to calculate statistics of time measurements.</a:t>
-            </a:r>
-          </a:p>
-          <a:p>
-            <a:r>
-              <a:rPr lang="en-US" sz="1800" dirty="0">
-                <a:effectLst/>
-                <a:latin typeface="Calibri" panose="020F0502020204030204" pitchFamily="34" charset="0"/>
-                <a:ea typeface="Calibri" panose="020F0502020204030204" pitchFamily="34" charset="0"/>
-                <a:cs typeface="Times New Roman" panose="02020603050405020304" pitchFamily="18" charset="0"/>
-              </a:rPr>
-              <a:t>You can measure hardware performance continuously by running hardwareMeasure.py, which will print the latest information.</a:t>
-            </a:r>
-            <a:endParaRPr lang="en-US" dirty="0"/>
+              <a:rPr lang="en-US" dirty="0"/>
+              <a:t>Create Google Cloud publisher and subscriber topics on their UI.</a:t>
+            </a:r>
+          </a:p>
+          <a:p>
+            <a:r>
+              <a:rPr lang="en-US" dirty="0"/>
+              <a:t>Have a local setup for integrating Google Cloud with Python. For our demo, we used Ubuntu 18.04 and Python3.</a:t>
+            </a:r>
+          </a:p>
+          <a:p>
+            <a:r>
+              <a:rPr lang="en-US" dirty="0"/>
+              <a:t>Install Google Cloud SDK on Ubuntu.</a:t>
+            </a:r>
+          </a:p>
+          <a:p>
+            <a:r>
+              <a:rPr lang="en-US" dirty="0"/>
+              <a:t>Git clone the Google Cloud Pub Sub repository. The </a:t>
+            </a:r>
+            <a:r>
+              <a:rPr lang="en-US" dirty="0" err="1"/>
+              <a:t>quickstart</a:t>
+            </a:r>
+            <a:r>
+              <a:rPr lang="en-US" dirty="0"/>
+              <a:t> folder contains code for sending and receiving messages via Google Cloud Pub Sub.</a:t>
+            </a:r>
+          </a:p>
+          <a:p>
+            <a:pPr lvl="1"/>
+            <a:r>
+              <a:rPr lang="en-US" dirty="0"/>
+              <a:t>Before running the code, put `` like where it shows export PROJECT=`</a:t>
+            </a:r>
+            <a:r>
+              <a:rPr lang="en-US" dirty="0" err="1"/>
+              <a:t>gcloud</a:t>
+            </a:r>
+            <a:r>
+              <a:rPr lang="en-US" dirty="0"/>
+              <a:t> config get-value project`</a:t>
+            </a:r>
+          </a:p>
+          <a:p>
+            <a:r>
+              <a:rPr lang="en-US" dirty="0"/>
+              <a:t>Rename your JSON key to something simple like </a:t>
+            </a:r>
+            <a:r>
+              <a:rPr lang="en-US" dirty="0" err="1"/>
+              <a:t>key.json</a:t>
+            </a:r>
+            <a:r>
+              <a:rPr lang="en-US" dirty="0"/>
+              <a:t> and put it somewhere simple to access like in the Downloads folder with respect to the root folder.</a:t>
+            </a:r>
           </a:p>
         </p:txBody>
       </p:sp>
     </p:spTree>
     <p:extLst>
       <p:ext uri="{BB962C8B-B14F-4D97-AF65-F5344CB8AC3E}">
-        <p14:creationId xmlns:p14="http://schemas.microsoft.com/office/powerpoint/2010/main" val="1353653471"/>
+        <p14:creationId xmlns:p14="http://schemas.microsoft.com/office/powerpoint/2010/main" val="2490214408"/>
       </p:ext>
     </p:extLst>
   </p:cSld>
@@ -3543,6 +3586,757 @@
           <p:cNvPr id="2" name="Title 1">
             <a:extLst>
               <a:ext uri="{FF2B5EF4-FFF2-40B4-BE49-F238E27FC236}">
+                <a16:creationId xmlns:a16="http://schemas.microsoft.com/office/drawing/2014/main" id="{710A0A31-290F-4D4B-B33D-515EBCB59B1B}"/>
+              </a:ext>
+            </a:extLst>
+          </p:cNvPr>
+          <p:cNvSpPr>
+            <a:spLocks noGrp="1"/>
+          </p:cNvSpPr>
+          <p:nvPr>
+            <p:ph type="title"/>
+          </p:nvPr>
+        </p:nvSpPr>
+        <p:spPr/>
+        <p:txBody>
+          <a:bodyPr/>
+          <a:lstStyle/>
+          <a:p>
+            <a:r>
+              <a:rPr lang="en-US" dirty="0"/>
+              <a:t>Run Code to Get Time Differences CSV Data</a:t>
+            </a:r>
+          </a:p>
+        </p:txBody>
+      </p:sp>
+      <p:sp>
+        <p:nvSpPr>
+          <p:cNvPr id="3" name="Content Placeholder 2">
+            <a:extLst>
+              <a:ext uri="{FF2B5EF4-FFF2-40B4-BE49-F238E27FC236}">
+                <a16:creationId xmlns:a16="http://schemas.microsoft.com/office/drawing/2014/main" id="{0D568473-AFA6-4130-AE26-3AB7A66153DD}"/>
+              </a:ext>
+            </a:extLst>
+          </p:cNvPr>
+          <p:cNvSpPr>
+            <a:spLocks noGrp="1"/>
+          </p:cNvSpPr>
+          <p:nvPr>
+            <p:ph idx="1"/>
+          </p:nvPr>
+        </p:nvSpPr>
+        <p:spPr/>
+        <p:txBody>
+          <a:bodyPr>
+            <a:noAutofit/>
+          </a:bodyPr>
+          <a:lstStyle/>
+          <a:p>
+            <a:r>
+              <a:rPr lang="en-US" sz="1200" dirty="0">
+                <a:cs typeface="Arial" panose="020B0604020202020204" pitchFamily="34" charset="0"/>
+              </a:rPr>
+              <a:t>Automatically</a:t>
+            </a:r>
+          </a:p>
+          <a:p>
+            <a:pPr lvl="1"/>
+            <a:r>
+              <a:rPr lang="en-US" sz="1200" dirty="0">
+                <a:effectLst/>
+                <a:ea typeface="Calibri" panose="020F0502020204030204" pitchFamily="34" charset="0"/>
+                <a:cs typeface="Arial" panose="020B0604020202020204" pitchFamily="34" charset="0"/>
+              </a:rPr>
+              <a:t>Navigate to the tests folder</a:t>
+            </a:r>
+          </a:p>
+          <a:p>
+            <a:pPr lvl="1"/>
+            <a:r>
+              <a:rPr lang="en-US" sz="1200" dirty="0">
+                <a:ea typeface="Calibri" panose="020F0502020204030204" pitchFamily="34" charset="0"/>
+                <a:cs typeface="Arial" panose="020B0604020202020204" pitchFamily="34" charset="0"/>
+              </a:rPr>
+              <a:t>R</a:t>
+            </a:r>
+            <a:r>
+              <a:rPr lang="en-US" sz="1200" dirty="0">
+                <a:effectLst/>
+                <a:ea typeface="Calibri" panose="020F0502020204030204" pitchFamily="34" charset="0"/>
+                <a:cs typeface="Arial" panose="020B0604020202020204" pitchFamily="34" charset="0"/>
+              </a:rPr>
+              <a:t>un a test using “./{{test name}}” (e. g. “./1producer1consumerTest.sh”).</a:t>
+            </a:r>
+          </a:p>
+          <a:p>
+            <a:pPr lvl="1"/>
+            <a:r>
+              <a:rPr lang="en-US" sz="1200" dirty="0">
+                <a:ea typeface="Calibri" panose="020F0502020204030204" pitchFamily="34" charset="0"/>
+                <a:cs typeface="Arial" panose="020B0604020202020204" pitchFamily="34" charset="0"/>
+              </a:rPr>
+              <a:t>W</a:t>
+            </a:r>
+            <a:r>
+              <a:rPr lang="en-US" sz="1200" dirty="0">
+                <a:effectLst/>
+                <a:ea typeface="Calibri" panose="020F0502020204030204" pitchFamily="34" charset="0"/>
+                <a:cs typeface="Arial" panose="020B0604020202020204" pitchFamily="34" charset="0"/>
+              </a:rPr>
+              <a:t>ait until the test finishes (</a:t>
+            </a:r>
+            <a:r>
+              <a:rPr lang="en-US" sz="1200" dirty="0" err="1">
+                <a:effectLst/>
+                <a:ea typeface="Calibri" panose="020F0502020204030204" pitchFamily="34" charset="0"/>
+                <a:cs typeface="Arial" panose="020B0604020202020204" pitchFamily="34" charset="0"/>
+              </a:rPr>
+              <a:t>i</a:t>
+            </a:r>
+            <a:r>
+              <a:rPr lang="en-US" sz="1200" dirty="0">
+                <a:effectLst/>
+                <a:ea typeface="Calibri" panose="020F0502020204030204" pitchFamily="34" charset="0"/>
+                <a:cs typeface="Arial" panose="020B0604020202020204" pitchFamily="34" charset="0"/>
+              </a:rPr>
+              <a:t>. e. when all extra terminal tabs have closed [the last one takes a little while to show up]) and then check for results in the </a:t>
+            </a:r>
+            <a:r>
+              <a:rPr lang="en-US" sz="1200" dirty="0" err="1">
+                <a:effectLst/>
+                <a:ea typeface="Calibri" panose="020F0502020204030204" pitchFamily="34" charset="0"/>
+                <a:cs typeface="Arial" panose="020B0604020202020204" pitchFamily="34" charset="0"/>
+              </a:rPr>
+              <a:t>timeMeasurements</a:t>
+            </a:r>
+            <a:r>
+              <a:rPr lang="en-US" sz="1200" dirty="0">
+                <a:effectLst/>
+                <a:ea typeface="Calibri" panose="020F0502020204030204" pitchFamily="34" charset="0"/>
+                <a:cs typeface="Arial" panose="020B0604020202020204" pitchFamily="34" charset="0"/>
+              </a:rPr>
+              <a:t> folder.</a:t>
+            </a:r>
+          </a:p>
+          <a:p>
+            <a:r>
+              <a:rPr lang="en-US" sz="1200" dirty="0">
+                <a:cs typeface="Arial" panose="020B0604020202020204" pitchFamily="34" charset="0"/>
+              </a:rPr>
+              <a:t>Manually</a:t>
+            </a:r>
+          </a:p>
+          <a:p>
+            <a:pPr lvl="1"/>
+            <a:r>
+              <a:rPr lang="en-US" sz="1200" dirty="0">
+                <a:effectLst/>
+                <a:ea typeface="Calibri" panose="020F0502020204030204" pitchFamily="34" charset="0"/>
+                <a:cs typeface="Arial" panose="020B0604020202020204" pitchFamily="34" charset="0"/>
+              </a:rPr>
+              <a:t>Open 3 separate terminals or tabs and run each of the following separately in this order, applying the “Connect to Google Cloud Project” step as follows at the start of all the subsequent steps (sub.py, pub.py, broker.py).</a:t>
+            </a:r>
+          </a:p>
+          <a:p>
+            <a:pPr lvl="2"/>
+            <a:r>
+              <a:rPr lang="en-US" sz="1200" dirty="0">
+                <a:effectLst/>
+                <a:ea typeface="Calibri" panose="020F0502020204030204" pitchFamily="34" charset="0"/>
+                <a:cs typeface="Arial" panose="020B0604020202020204" pitchFamily="34" charset="0"/>
+              </a:rPr>
+              <a:t>Connect to Google Cloud project.</a:t>
+            </a:r>
+          </a:p>
+          <a:p>
+            <a:pPr lvl="3">
+              <a:lnSpc>
+                <a:spcPct val="107000"/>
+              </a:lnSpc>
+              <a:spcBef>
+                <a:spcPts val="0"/>
+              </a:spcBef>
+              <a:buFont typeface="+mj-lt"/>
+              <a:buAutoNum type="arabicPeriod"/>
+            </a:pPr>
+            <a:r>
+              <a:rPr lang="en-US" sz="1200" dirty="0">
+                <a:effectLst/>
+                <a:ea typeface="Calibri" panose="020F0502020204030204" pitchFamily="34" charset="0"/>
+                <a:cs typeface="Arial" panose="020B0604020202020204" pitchFamily="34" charset="0"/>
+              </a:rPr>
+              <a:t>export GOOGLE_APPLICATION_CREDENTIALS=~/Downloads/</a:t>
+            </a:r>
+            <a:r>
+              <a:rPr lang="en-US" sz="1200" dirty="0" err="1">
+                <a:effectLst/>
+                <a:ea typeface="Calibri" panose="020F0502020204030204" pitchFamily="34" charset="0"/>
+                <a:cs typeface="Arial" panose="020B0604020202020204" pitchFamily="34" charset="0"/>
+              </a:rPr>
+              <a:t>key.json</a:t>
+            </a:r>
+            <a:endParaRPr lang="en-US" sz="1200" dirty="0">
+              <a:effectLst/>
+              <a:ea typeface="Calibri" panose="020F0502020204030204" pitchFamily="34" charset="0"/>
+              <a:cs typeface="Arial" panose="020B0604020202020204" pitchFamily="34" charset="0"/>
+            </a:endParaRPr>
+          </a:p>
+          <a:p>
+            <a:pPr lvl="3">
+              <a:lnSpc>
+                <a:spcPct val="107000"/>
+              </a:lnSpc>
+              <a:spcBef>
+                <a:spcPts val="0"/>
+              </a:spcBef>
+              <a:buFont typeface="+mj-lt"/>
+              <a:buAutoNum type="arabicPeriod"/>
+            </a:pPr>
+            <a:r>
+              <a:rPr lang="en-US" sz="1200" dirty="0">
+                <a:effectLst/>
+                <a:ea typeface="Calibri" panose="020F0502020204030204" pitchFamily="34" charset="0"/>
+                <a:cs typeface="Arial" panose="020B0604020202020204" pitchFamily="34" charset="0"/>
+              </a:rPr>
+              <a:t>export PROJECT=`</a:t>
+            </a:r>
+            <a:r>
+              <a:rPr lang="en-US" sz="1200" dirty="0" err="1">
+                <a:effectLst/>
+                <a:ea typeface="Calibri" panose="020F0502020204030204" pitchFamily="34" charset="0"/>
+                <a:cs typeface="Arial" panose="020B0604020202020204" pitchFamily="34" charset="0"/>
+              </a:rPr>
+              <a:t>gcloud</a:t>
+            </a:r>
+            <a:r>
+              <a:rPr lang="en-US" sz="1200" dirty="0">
+                <a:effectLst/>
+                <a:ea typeface="Calibri" panose="020F0502020204030204" pitchFamily="34" charset="0"/>
+                <a:cs typeface="Arial" panose="020B0604020202020204" pitchFamily="34" charset="0"/>
+              </a:rPr>
+              <a:t> config get-value project`</a:t>
+            </a:r>
+          </a:p>
+          <a:p>
+            <a:pPr lvl="3">
+              <a:lnSpc>
+                <a:spcPct val="107000"/>
+              </a:lnSpc>
+              <a:spcBef>
+                <a:spcPts val="0"/>
+              </a:spcBef>
+              <a:buFont typeface="+mj-lt"/>
+              <a:buAutoNum type="arabicPeriod"/>
+            </a:pPr>
+            <a:r>
+              <a:rPr lang="en-US" sz="1200" dirty="0">
+                <a:effectLst/>
+                <a:ea typeface="Calibri" panose="020F0502020204030204" pitchFamily="34" charset="0"/>
+                <a:cs typeface="Arial" panose="020B0604020202020204" pitchFamily="34" charset="0"/>
+              </a:rPr>
+              <a:t>echo $PROJECT (make sure project ID shows up)</a:t>
+            </a:r>
+          </a:p>
+          <a:p>
+            <a:pPr lvl="2">
+              <a:lnSpc>
+                <a:spcPct val="107000"/>
+              </a:lnSpc>
+              <a:spcBef>
+                <a:spcPts val="0"/>
+              </a:spcBef>
+              <a:buFont typeface="+mj-lt"/>
+              <a:buAutoNum type="arabicPeriod"/>
+            </a:pPr>
+            <a:r>
+              <a:rPr lang="en-US" sz="1200" dirty="0">
+                <a:effectLst/>
+                <a:ea typeface="Calibri" panose="020F0502020204030204" pitchFamily="34" charset="0"/>
+                <a:cs typeface="Arial" panose="020B0604020202020204" pitchFamily="34" charset="0"/>
+              </a:rPr>
+              <a:t>Run sub.py:</a:t>
+            </a:r>
+          </a:p>
+          <a:p>
+            <a:pPr lvl="3">
+              <a:lnSpc>
+                <a:spcPct val="107000"/>
+              </a:lnSpc>
+              <a:spcBef>
+                <a:spcPts val="0"/>
+              </a:spcBef>
+              <a:buFont typeface="+mj-lt"/>
+              <a:buAutoNum type="arabicPeriod"/>
+            </a:pPr>
+            <a:r>
+              <a:rPr lang="en-US" sz="1200" dirty="0">
+                <a:effectLst/>
+                <a:ea typeface="Calibri" panose="020F0502020204030204" pitchFamily="34" charset="0"/>
+                <a:cs typeface="Arial" panose="020B0604020202020204" pitchFamily="34" charset="0"/>
+              </a:rPr>
+              <a:t>“python3 sub.py $PROJECT {{Google Cloud-created subscription name (e. g. </a:t>
+            </a:r>
+            <a:r>
+              <a:rPr lang="en-US" sz="1200" dirty="0" err="1">
+                <a:effectLst/>
+                <a:ea typeface="Calibri" panose="020F0502020204030204" pitchFamily="34" charset="0"/>
+                <a:cs typeface="Arial" panose="020B0604020202020204" pitchFamily="34" charset="0"/>
+              </a:rPr>
+              <a:t>sub_one</a:t>
+            </a:r>
+            <a:r>
+              <a:rPr lang="en-US" sz="1200" dirty="0">
+                <a:effectLst/>
+                <a:ea typeface="Calibri" panose="020F0502020204030204" pitchFamily="34" charset="0"/>
+                <a:cs typeface="Arial" panose="020B0604020202020204" pitchFamily="34" charset="0"/>
+              </a:rPr>
+              <a:t>)}}”</a:t>
+            </a:r>
+          </a:p>
+          <a:p>
+            <a:pPr lvl="2">
+              <a:lnSpc>
+                <a:spcPct val="107000"/>
+              </a:lnSpc>
+              <a:spcBef>
+                <a:spcPts val="0"/>
+              </a:spcBef>
+              <a:buFont typeface="+mj-lt"/>
+              <a:buAutoNum type="arabicPeriod"/>
+            </a:pPr>
+            <a:r>
+              <a:rPr lang="en-US" sz="1200" dirty="0">
+                <a:effectLst/>
+                <a:ea typeface="Calibri" panose="020F0502020204030204" pitchFamily="34" charset="0"/>
+                <a:cs typeface="Arial" panose="020B0604020202020204" pitchFamily="34" charset="0"/>
+              </a:rPr>
+              <a:t>Run broker.py:</a:t>
+            </a:r>
+          </a:p>
+          <a:p>
+            <a:pPr lvl="3">
+              <a:lnSpc>
+                <a:spcPct val="107000"/>
+              </a:lnSpc>
+              <a:spcBef>
+                <a:spcPts val="0"/>
+              </a:spcBef>
+              <a:buFont typeface="+mj-lt"/>
+              <a:buAutoNum type="arabicPeriod"/>
+            </a:pPr>
+            <a:r>
+              <a:rPr lang="en-US" sz="1200" dirty="0">
+                <a:effectLst/>
+                <a:ea typeface="Calibri" panose="020F0502020204030204" pitchFamily="34" charset="0"/>
+                <a:cs typeface="Arial" panose="020B0604020202020204" pitchFamily="34" charset="0"/>
+              </a:rPr>
+              <a:t>“python3 broker.py $PROJECT {{Google Cloud-created topic name (e. g. </a:t>
+            </a:r>
+            <a:r>
+              <a:rPr lang="en-US" sz="1200" dirty="0" err="1">
+                <a:effectLst/>
+                <a:ea typeface="Calibri" panose="020F0502020204030204" pitchFamily="34" charset="0"/>
+                <a:cs typeface="Arial" panose="020B0604020202020204" pitchFamily="34" charset="0"/>
+              </a:rPr>
+              <a:t>hello_topic</a:t>
+            </a:r>
+            <a:r>
+              <a:rPr lang="en-US" sz="1200" dirty="0">
+                <a:effectLst/>
+                <a:ea typeface="Calibri" panose="020F0502020204030204" pitchFamily="34" charset="0"/>
+                <a:cs typeface="Arial" panose="020B0604020202020204" pitchFamily="34" charset="0"/>
+              </a:rPr>
+              <a:t>}}”</a:t>
+            </a:r>
+          </a:p>
+          <a:p>
+            <a:pPr lvl="2">
+              <a:lnSpc>
+                <a:spcPct val="107000"/>
+              </a:lnSpc>
+              <a:spcBef>
+                <a:spcPts val="0"/>
+              </a:spcBef>
+              <a:buFont typeface="+mj-lt"/>
+              <a:buAutoNum type="arabicPeriod"/>
+            </a:pPr>
+            <a:r>
+              <a:rPr lang="en-US" sz="1200" dirty="0">
+                <a:effectLst/>
+                <a:ea typeface="Calibri" panose="020F0502020204030204" pitchFamily="34" charset="0"/>
+                <a:cs typeface="Arial" panose="020B0604020202020204" pitchFamily="34" charset="0"/>
+              </a:rPr>
+              <a:t>Run pub.py:</a:t>
+            </a:r>
+          </a:p>
+          <a:p>
+            <a:pPr lvl="3">
+              <a:lnSpc>
+                <a:spcPct val="107000"/>
+              </a:lnSpc>
+              <a:spcBef>
+                <a:spcPts val="0"/>
+              </a:spcBef>
+              <a:spcAft>
+                <a:spcPts val="800"/>
+              </a:spcAft>
+              <a:buFont typeface="+mj-lt"/>
+              <a:buAutoNum type="arabicPeriod"/>
+            </a:pPr>
+            <a:r>
+              <a:rPr lang="en-US" sz="1200" dirty="0">
+                <a:effectLst/>
+                <a:ea typeface="Calibri" panose="020F0502020204030204" pitchFamily="34" charset="0"/>
+                <a:cs typeface="Arial" panose="020B0604020202020204" pitchFamily="34" charset="0"/>
+              </a:rPr>
+              <a:t>"python3 pub.py {{file name}}“</a:t>
+            </a:r>
+          </a:p>
+          <a:p>
+            <a:pPr lvl="1"/>
+            <a:endParaRPr lang="en-US" sz="1200" dirty="0">
+              <a:cs typeface="Arial" panose="020B0604020202020204" pitchFamily="34" charset="0"/>
+            </a:endParaRPr>
+          </a:p>
+        </p:txBody>
+      </p:sp>
+    </p:spTree>
+    <p:extLst>
+      <p:ext uri="{BB962C8B-B14F-4D97-AF65-F5344CB8AC3E}">
+        <p14:creationId xmlns:p14="http://schemas.microsoft.com/office/powerpoint/2010/main" val="3321963082"/>
+      </p:ext>
+    </p:extLst>
+  </p:cSld>
+  <p:clrMapOvr>
+    <a:masterClrMapping/>
+  </p:clrMapOvr>
+</p:sld>
+</file>
+
+<file path=ppt/slides/slide12.xml><?xml version="1.0" encoding="utf-8"?>
+<p:sld xmlns:a="http://schemas.openxmlformats.org/drawingml/2006/main" xmlns:r="http://schemas.openxmlformats.org/officeDocument/2006/relationships" xmlns:p="http://schemas.openxmlformats.org/presentationml/2006/main">
+  <p:cSld>
+    <p:spTree>
+      <p:nvGrpSpPr>
+        <p:cNvPr id="1" name=""/>
+        <p:cNvGrpSpPr/>
+        <p:nvPr/>
+      </p:nvGrpSpPr>
+      <p:grpSpPr>
+        <a:xfrm>
+          <a:off x="0" y="0"/>
+          <a:ext cx="0" cy="0"/>
+          <a:chOff x="0" y="0"/>
+          <a:chExt cx="0" cy="0"/>
+        </a:xfrm>
+      </p:grpSpPr>
+      <p:sp>
+        <p:nvSpPr>
+          <p:cNvPr id="2" name="Title 1">
+            <a:extLst>
+              <a:ext uri="{FF2B5EF4-FFF2-40B4-BE49-F238E27FC236}">
+                <a16:creationId xmlns:a16="http://schemas.microsoft.com/office/drawing/2014/main" id="{35FCEF6F-0434-4616-81DB-C5FE6D7FE6F1}"/>
+              </a:ext>
+            </a:extLst>
+          </p:cNvPr>
+          <p:cNvSpPr>
+            <a:spLocks noGrp="1"/>
+          </p:cNvSpPr>
+          <p:nvPr>
+            <p:ph type="title"/>
+          </p:nvPr>
+        </p:nvSpPr>
+        <p:spPr/>
+        <p:txBody>
+          <a:bodyPr/>
+          <a:lstStyle/>
+          <a:p>
+            <a:r>
+              <a:rPr lang="en-US" dirty="0"/>
+              <a:t>Stop the Run</a:t>
+            </a:r>
+          </a:p>
+        </p:txBody>
+      </p:sp>
+      <p:sp>
+        <p:nvSpPr>
+          <p:cNvPr id="3" name="Content Placeholder 2">
+            <a:extLst>
+              <a:ext uri="{FF2B5EF4-FFF2-40B4-BE49-F238E27FC236}">
+                <a16:creationId xmlns:a16="http://schemas.microsoft.com/office/drawing/2014/main" id="{ADA6AFE3-CEC0-4F72-B3A7-C85B8D17BA72}"/>
+              </a:ext>
+            </a:extLst>
+          </p:cNvPr>
+          <p:cNvSpPr>
+            <a:spLocks noGrp="1"/>
+          </p:cNvSpPr>
+          <p:nvPr>
+            <p:ph idx="1"/>
+          </p:nvPr>
+        </p:nvSpPr>
+        <p:spPr/>
+        <p:txBody>
+          <a:bodyPr>
+            <a:normAutofit/>
+          </a:bodyPr>
+          <a:lstStyle/>
+          <a:p>
+            <a:pPr>
+              <a:lnSpc>
+                <a:spcPct val="107000"/>
+              </a:lnSpc>
+              <a:spcBef>
+                <a:spcPts val="0"/>
+              </a:spcBef>
+            </a:pPr>
+            <a:r>
+              <a:rPr lang="en-US" sz="2400" dirty="0">
+                <a:effectLst/>
+                <a:ea typeface="Calibri" panose="020F0502020204030204" pitchFamily="34" charset="0"/>
+                <a:cs typeface="Times New Roman" panose="02020603050405020304" pitchFamily="18" charset="0"/>
+              </a:rPr>
+              <a:t>To stop the code properly using Ctrl + C:</a:t>
+            </a:r>
+          </a:p>
+          <a:p>
+            <a:pPr lvl="1">
+              <a:lnSpc>
+                <a:spcPct val="107000"/>
+              </a:lnSpc>
+              <a:spcBef>
+                <a:spcPts val="0"/>
+              </a:spcBef>
+            </a:pPr>
+            <a:r>
+              <a:rPr lang="en-US" dirty="0">
+                <a:effectLst/>
+                <a:ea typeface="Calibri" panose="020F0502020204030204" pitchFamily="34" charset="0"/>
+                <a:cs typeface="Times New Roman" panose="02020603050405020304" pitchFamily="18" charset="0"/>
+              </a:rPr>
+              <a:t>Stop broker.py 1</a:t>
+            </a:r>
+            <a:r>
+              <a:rPr lang="en-US" baseline="30000" dirty="0">
+                <a:effectLst/>
+                <a:ea typeface="Calibri" panose="020F0502020204030204" pitchFamily="34" charset="0"/>
+                <a:cs typeface="Times New Roman" panose="02020603050405020304" pitchFamily="18" charset="0"/>
+              </a:rPr>
+              <a:t>st</a:t>
+            </a:r>
+            <a:r>
+              <a:rPr lang="en-US" dirty="0">
+                <a:effectLst/>
+                <a:ea typeface="Calibri" panose="020F0502020204030204" pitchFamily="34" charset="0"/>
+                <a:cs typeface="Times New Roman" panose="02020603050405020304" pitchFamily="18" charset="0"/>
+              </a:rPr>
+              <a:t> or else sub.py will receive old messages.</a:t>
+            </a:r>
+          </a:p>
+          <a:p>
+            <a:pPr lvl="1">
+              <a:lnSpc>
+                <a:spcPct val="107000"/>
+              </a:lnSpc>
+              <a:spcBef>
+                <a:spcPts val="0"/>
+              </a:spcBef>
+            </a:pPr>
+            <a:r>
+              <a:rPr lang="en-US" dirty="0">
+                <a:effectLst/>
+                <a:ea typeface="Calibri" panose="020F0502020204030204" pitchFamily="34" charset="0"/>
+                <a:cs typeface="Times New Roman" panose="02020603050405020304" pitchFamily="18" charset="0"/>
+              </a:rPr>
+              <a:t>Empty out old messages by 1 of the following ways:</a:t>
+            </a:r>
+          </a:p>
+          <a:p>
+            <a:pPr lvl="2">
+              <a:lnSpc>
+                <a:spcPct val="107000"/>
+              </a:lnSpc>
+              <a:spcBef>
+                <a:spcPts val="0"/>
+              </a:spcBef>
+            </a:pPr>
+            <a:r>
+              <a:rPr lang="en-US" sz="2400" dirty="0">
+                <a:effectLst/>
+                <a:ea typeface="Calibri" panose="020F0502020204030204" pitchFamily="34" charset="0"/>
+                <a:cs typeface="Times New Roman" panose="02020603050405020304" pitchFamily="18" charset="0"/>
+              </a:rPr>
+              <a:t>Run “python3 clear.py”.</a:t>
+            </a:r>
+          </a:p>
+          <a:p>
+            <a:pPr lvl="2">
+              <a:lnSpc>
+                <a:spcPct val="107000"/>
+              </a:lnSpc>
+              <a:spcBef>
+                <a:spcPts val="0"/>
+              </a:spcBef>
+              <a:spcAft>
+                <a:spcPts val="800"/>
+              </a:spcAft>
+            </a:pPr>
+            <a:r>
+              <a:rPr lang="en-US" sz="2400" dirty="0">
+                <a:effectLst/>
+                <a:ea typeface="Calibri" panose="020F0502020204030204" pitchFamily="34" charset="0"/>
+                <a:cs typeface="Times New Roman" panose="02020603050405020304" pitchFamily="18" charset="0"/>
+              </a:rPr>
+              <a:t>Start sub.py and wait until all old messages are emptied out and then stop it before running the code again.</a:t>
+            </a:r>
+            <a:endParaRPr lang="en-US" sz="2400" dirty="0">
+              <a:effectLst/>
+              <a:ea typeface="Calibri" panose="020F0502020204030204" pitchFamily="34" charset="0"/>
+              <a:cs typeface="Arial" panose="020B0604020202020204" pitchFamily="34" charset="0"/>
+            </a:endParaRPr>
+          </a:p>
+          <a:p>
+            <a:endParaRPr lang="en-US" sz="2400" dirty="0"/>
+          </a:p>
+        </p:txBody>
+      </p:sp>
+    </p:spTree>
+    <p:extLst>
+      <p:ext uri="{BB962C8B-B14F-4D97-AF65-F5344CB8AC3E}">
+        <p14:creationId xmlns:p14="http://schemas.microsoft.com/office/powerpoint/2010/main" val="2041635587"/>
+      </p:ext>
+    </p:extLst>
+  </p:cSld>
+  <p:clrMapOvr>
+    <a:masterClrMapping/>
+  </p:clrMapOvr>
+</p:sld>
+</file>
+
+<file path=ppt/slides/slide13.xml><?xml version="1.0" encoding="utf-8"?>
+<p:sld xmlns:a="http://schemas.openxmlformats.org/drawingml/2006/main" xmlns:r="http://schemas.openxmlformats.org/officeDocument/2006/relationships" xmlns:p="http://schemas.openxmlformats.org/presentationml/2006/main">
+  <p:cSld>
+    <p:spTree>
+      <p:nvGrpSpPr>
+        <p:cNvPr id="1" name=""/>
+        <p:cNvGrpSpPr/>
+        <p:nvPr/>
+      </p:nvGrpSpPr>
+      <p:grpSpPr>
+        <a:xfrm>
+          <a:off x="0" y="0"/>
+          <a:ext cx="0" cy="0"/>
+          <a:chOff x="0" y="0"/>
+          <a:chExt cx="0" cy="0"/>
+        </a:xfrm>
+      </p:grpSpPr>
+      <p:sp>
+        <p:nvSpPr>
+          <p:cNvPr id="2" name="Title 1">
+            <a:extLst>
+              <a:ext uri="{FF2B5EF4-FFF2-40B4-BE49-F238E27FC236}">
+                <a16:creationId xmlns:a16="http://schemas.microsoft.com/office/drawing/2014/main" id="{35A8ADD6-170F-401C-988F-0711A82C4FDA}"/>
+              </a:ext>
+            </a:extLst>
+          </p:cNvPr>
+          <p:cNvSpPr>
+            <a:spLocks noGrp="1"/>
+          </p:cNvSpPr>
+          <p:nvPr>
+            <p:ph type="title"/>
+          </p:nvPr>
+        </p:nvSpPr>
+        <p:spPr/>
+        <p:txBody>
+          <a:bodyPr/>
+          <a:lstStyle/>
+          <a:p>
+            <a:r>
+              <a:rPr lang="en-US" dirty="0"/>
+              <a:t>Run Code to Collect Statistics</a:t>
+            </a:r>
+          </a:p>
+        </p:txBody>
+      </p:sp>
+      <p:sp>
+        <p:nvSpPr>
+          <p:cNvPr id="3" name="Content Placeholder 2">
+            <a:extLst>
+              <a:ext uri="{FF2B5EF4-FFF2-40B4-BE49-F238E27FC236}">
+                <a16:creationId xmlns:a16="http://schemas.microsoft.com/office/drawing/2014/main" id="{7BE1789B-8738-4C09-A8F6-63C9734936FE}"/>
+              </a:ext>
+            </a:extLst>
+          </p:cNvPr>
+          <p:cNvSpPr>
+            <a:spLocks noGrp="1"/>
+          </p:cNvSpPr>
+          <p:nvPr>
+            <p:ph idx="1"/>
+          </p:nvPr>
+        </p:nvSpPr>
+        <p:spPr/>
+        <p:txBody>
+          <a:bodyPr/>
+          <a:lstStyle/>
+          <a:p>
+            <a:r>
+              <a:rPr lang="en-US" sz="1800" dirty="0">
+                <a:effectLst/>
+                <a:latin typeface="Calibri" panose="020F0502020204030204" pitchFamily="34" charset="0"/>
+                <a:ea typeface="Calibri" panose="020F0502020204030204" pitchFamily="34" charset="0"/>
+                <a:cs typeface="Times New Roman" panose="02020603050405020304" pitchFamily="18" charset="0"/>
+              </a:rPr>
+              <a:t>Run calculateStatistics.py to calculate statistics of time measurements.</a:t>
+            </a:r>
+          </a:p>
+          <a:p>
+            <a:r>
+              <a:rPr lang="en-US" sz="1800" dirty="0">
+                <a:effectLst/>
+                <a:latin typeface="Calibri" panose="020F0502020204030204" pitchFamily="34" charset="0"/>
+                <a:ea typeface="Calibri" panose="020F0502020204030204" pitchFamily="34" charset="0"/>
+                <a:cs typeface="Times New Roman" panose="02020603050405020304" pitchFamily="18" charset="0"/>
+              </a:rPr>
+              <a:t>You can measure hardware performance continuously by running hardwareMeasure.py, which will print the latest information.</a:t>
+            </a:r>
+            <a:endParaRPr lang="en-US" dirty="0"/>
+          </a:p>
+        </p:txBody>
+      </p:sp>
+    </p:spTree>
+    <p:extLst>
+      <p:ext uri="{BB962C8B-B14F-4D97-AF65-F5344CB8AC3E}">
+        <p14:creationId xmlns:p14="http://schemas.microsoft.com/office/powerpoint/2010/main" val="1353653471"/>
+      </p:ext>
+    </p:extLst>
+  </p:cSld>
+  <p:clrMapOvr>
+    <a:masterClrMapping/>
+  </p:clrMapOvr>
+</p:sld>
+</file>
+
+<file path=ppt/slides/slide14.xml><?xml version="1.0" encoding="utf-8"?>
+<p:sld xmlns:a="http://schemas.openxmlformats.org/drawingml/2006/main" xmlns:r="http://schemas.openxmlformats.org/officeDocument/2006/relationships" xmlns:p="http://schemas.openxmlformats.org/presentationml/2006/main">
+  <p:cSld>
+    <p:spTree>
+      <p:nvGrpSpPr>
+        <p:cNvPr id="1" name=""/>
+        <p:cNvGrpSpPr/>
+        <p:nvPr/>
+      </p:nvGrpSpPr>
+      <p:grpSpPr>
+        <a:xfrm>
+          <a:off x="0" y="0"/>
+          <a:ext cx="0" cy="0"/>
+          <a:chOff x="0" y="0"/>
+          <a:chExt cx="0" cy="0"/>
+        </a:xfrm>
+      </p:grpSpPr>
+      <p:sp>
+        <p:nvSpPr>
+          <p:cNvPr id="2" name="Title 1">
+            <a:extLst>
+              <a:ext uri="{FF2B5EF4-FFF2-40B4-BE49-F238E27FC236}">
                 <a16:creationId xmlns:a16="http://schemas.microsoft.com/office/drawing/2014/main" id="{AA6541A3-1098-4890-9026-B4A319A3388D}"/>
               </a:ext>
             </a:extLst>
@@ -3844,7 +4638,7 @@
 </p:sld>
 </file>
 
-<file path=ppt/slides/slide12.xml><?xml version="1.0" encoding="utf-8"?>
+<file path=ppt/slides/slide15.xml><?xml version="1.0" encoding="utf-8"?>
 <p:sld xmlns:a="http://schemas.openxmlformats.org/drawingml/2006/main" xmlns:r="http://schemas.openxmlformats.org/officeDocument/2006/relationships" xmlns:p="http://schemas.openxmlformats.org/presentationml/2006/main">
   <p:cSld>
     <p:spTree>
@@ -4206,7 +5000,7 @@
 </p:sld>
 </file>
 
-<file path=ppt/slides/slide13.xml><?xml version="1.0" encoding="utf-8"?>
+<file path=ppt/slides/slide16.xml><?xml version="1.0" encoding="utf-8"?>
 <p:sld xmlns:a="http://schemas.openxmlformats.org/drawingml/2006/main" xmlns:r="http://schemas.openxmlformats.org/officeDocument/2006/relationships" xmlns:p="http://schemas.openxmlformats.org/presentationml/2006/main">
   <p:cSld>
     <p:spTree>
@@ -4483,7 +5277,7 @@
 </p:sld>
 </file>
 
-<file path=ppt/slides/slide14.xml><?xml version="1.0" encoding="utf-8"?>
+<file path=ppt/slides/slide17.xml><?xml version="1.0" encoding="utf-8"?>
 <p:sld xmlns:a="http://schemas.openxmlformats.org/drawingml/2006/main" xmlns:r="http://schemas.openxmlformats.org/officeDocument/2006/relationships" xmlns:p="http://schemas.openxmlformats.org/presentationml/2006/main">
   <p:cSld>
     <p:spTree>
@@ -5828,7 +6622,7 @@
 </p:sld>
 </file>
 
-<file path=ppt/slides/slide15.xml><?xml version="1.0" encoding="utf-8"?>
+<file path=ppt/slides/slide18.xml><?xml version="1.0" encoding="utf-8"?>
 <p:sld xmlns:a="http://schemas.openxmlformats.org/drawingml/2006/main" xmlns:r="http://schemas.openxmlformats.org/officeDocument/2006/relationships" xmlns:p="http://schemas.openxmlformats.org/presentationml/2006/main">
   <p:cSld>
     <p:spTree>
@@ -6743,7 +7537,7 @@
 </p:sld>
 </file>
 
-<file path=ppt/slides/slide16.xml><?xml version="1.0" encoding="utf-8"?>
+<file path=ppt/slides/slide19.xml><?xml version="1.0" encoding="utf-8"?>
 <p:sld xmlns:a="http://schemas.openxmlformats.org/drawingml/2006/main" xmlns:r="http://schemas.openxmlformats.org/officeDocument/2006/relationships" xmlns:p="http://schemas.openxmlformats.org/presentationml/2006/main">
   <p:cSld>
     <p:spTree>
@@ -7316,7 +8110,107 @@
 </p:sld>
 </file>
 
-<file path=ppt/slides/slide17.xml><?xml version="1.0" encoding="utf-8"?>
+<file path=ppt/slides/slide2.xml><?xml version="1.0" encoding="utf-8"?>
+<p:sld xmlns:a="http://schemas.openxmlformats.org/drawingml/2006/main" xmlns:r="http://schemas.openxmlformats.org/officeDocument/2006/relationships" xmlns:p="http://schemas.openxmlformats.org/presentationml/2006/main">
+  <p:cSld>
+    <p:spTree>
+      <p:nvGrpSpPr>
+        <p:cNvPr id="1" name=""/>
+        <p:cNvGrpSpPr/>
+        <p:nvPr/>
+      </p:nvGrpSpPr>
+      <p:grpSpPr>
+        <a:xfrm>
+          <a:off x="0" y="0"/>
+          <a:ext cx="0" cy="0"/>
+          <a:chOff x="0" y="0"/>
+          <a:chExt cx="0" cy="0"/>
+        </a:xfrm>
+      </p:grpSpPr>
+      <p:sp>
+        <p:nvSpPr>
+          <p:cNvPr id="2" name="Title 1">
+            <a:extLst>
+              <a:ext uri="{FF2B5EF4-FFF2-40B4-BE49-F238E27FC236}">
+                <a16:creationId xmlns:a16="http://schemas.microsoft.com/office/drawing/2014/main" id="{C73665B6-3EF7-4046-924B-B4A3EB8F9F40}"/>
+              </a:ext>
+            </a:extLst>
+          </p:cNvPr>
+          <p:cNvSpPr>
+            <a:spLocks noGrp="1"/>
+          </p:cNvSpPr>
+          <p:nvPr>
+            <p:ph type="title"/>
+          </p:nvPr>
+        </p:nvSpPr>
+        <p:spPr/>
+        <p:txBody>
+          <a:bodyPr/>
+          <a:lstStyle/>
+          <a:p>
+            <a:r>
+              <a:rPr lang="en-US" dirty="0"/>
+              <a:t>References</a:t>
+            </a:r>
+          </a:p>
+        </p:txBody>
+      </p:sp>
+      <p:sp>
+        <p:nvSpPr>
+          <p:cNvPr id="3" name="Content Placeholder 2">
+            <a:extLst>
+              <a:ext uri="{FF2B5EF4-FFF2-40B4-BE49-F238E27FC236}">
+                <a16:creationId xmlns:a16="http://schemas.microsoft.com/office/drawing/2014/main" id="{7808C25C-5BA2-4F83-8D14-E9137917745D}"/>
+              </a:ext>
+            </a:extLst>
+          </p:cNvPr>
+          <p:cNvSpPr>
+            <a:spLocks noGrp="1"/>
+          </p:cNvSpPr>
+          <p:nvPr>
+            <p:ph idx="1"/>
+          </p:nvPr>
+        </p:nvSpPr>
+        <p:spPr/>
+        <p:txBody>
+          <a:bodyPr/>
+          <a:lstStyle/>
+          <a:p>
+            <a:r>
+              <a:rPr lang="en-US" dirty="0"/>
+              <a:t>Code, documentation, data, references, etc. at: </a:t>
+            </a:r>
+            <a:r>
+              <a:rPr lang="en-US" dirty="0">
+                <a:hlinkClick r:id="rId2"/>
+              </a:rPr>
+              <a:t>https://github.com/jamesvu1/cs6381finalprojectgooglecloudpubsub</a:t>
+            </a:r>
+            <a:endParaRPr lang="en-US" dirty="0"/>
+          </a:p>
+          <a:p>
+            <a:r>
+              <a:rPr lang="en-US"/>
+              <a:t>Disclaimer: This repository was completed based on our overall understanding of the experiment instructions and what we knew/found through our efforts/attempts given the time we have had.</a:t>
+            </a:r>
+            <a:endParaRPr lang="en-US" dirty="0"/>
+          </a:p>
+        </p:txBody>
+      </p:sp>
+    </p:spTree>
+    <p:extLst>
+      <p:ext uri="{BB962C8B-B14F-4D97-AF65-F5344CB8AC3E}">
+        <p14:creationId xmlns:p14="http://schemas.microsoft.com/office/powerpoint/2010/main" val="2167400938"/>
+      </p:ext>
+    </p:extLst>
+  </p:cSld>
+  <p:clrMapOvr>
+    <a:masterClrMapping/>
+  </p:clrMapOvr>
+</p:sld>
+</file>
+
+<file path=ppt/slides/slide20.xml><?xml version="1.0" encoding="utf-8"?>
 <p:sld xmlns:a="http://schemas.openxmlformats.org/drawingml/2006/main" xmlns:r="http://schemas.openxmlformats.org/officeDocument/2006/relationships" xmlns:p="http://schemas.openxmlformats.org/presentationml/2006/main">
   <p:cSld>
     <p:spTree>
@@ -8016,7 +8910,7 @@
 </p:sld>
 </file>
 
-<file path=ppt/slides/slide18.xml><?xml version="1.0" encoding="utf-8"?>
+<file path=ppt/slides/slide21.xml><?xml version="1.0" encoding="utf-8"?>
 <p:sld xmlns:a="http://schemas.openxmlformats.org/drawingml/2006/main" xmlns:r="http://schemas.openxmlformats.org/officeDocument/2006/relationships" xmlns:p="http://schemas.openxmlformats.org/presentationml/2006/main">
   <p:cSld>
     <p:spTree>
@@ -8880,106 +9774,6 @@
 </p:sld>
 </file>
 
-<file path=ppt/slides/slide2.xml><?xml version="1.0" encoding="utf-8"?>
-<p:sld xmlns:a="http://schemas.openxmlformats.org/drawingml/2006/main" xmlns:r="http://schemas.openxmlformats.org/officeDocument/2006/relationships" xmlns:p="http://schemas.openxmlformats.org/presentationml/2006/main">
-  <p:cSld>
-    <p:spTree>
-      <p:nvGrpSpPr>
-        <p:cNvPr id="1" name=""/>
-        <p:cNvGrpSpPr/>
-        <p:nvPr/>
-      </p:nvGrpSpPr>
-      <p:grpSpPr>
-        <a:xfrm>
-          <a:off x="0" y="0"/>
-          <a:ext cx="0" cy="0"/>
-          <a:chOff x="0" y="0"/>
-          <a:chExt cx="0" cy="0"/>
-        </a:xfrm>
-      </p:grpSpPr>
-      <p:sp>
-        <p:nvSpPr>
-          <p:cNvPr id="2" name="Title 1">
-            <a:extLst>
-              <a:ext uri="{FF2B5EF4-FFF2-40B4-BE49-F238E27FC236}">
-                <a16:creationId xmlns:a16="http://schemas.microsoft.com/office/drawing/2014/main" id="{C73665B6-3EF7-4046-924B-B4A3EB8F9F40}"/>
-              </a:ext>
-            </a:extLst>
-          </p:cNvPr>
-          <p:cNvSpPr>
-            <a:spLocks noGrp="1"/>
-          </p:cNvSpPr>
-          <p:nvPr>
-            <p:ph type="title"/>
-          </p:nvPr>
-        </p:nvSpPr>
-        <p:spPr/>
-        <p:txBody>
-          <a:bodyPr/>
-          <a:lstStyle/>
-          <a:p>
-            <a:r>
-              <a:rPr lang="en-US" dirty="0"/>
-              <a:t>References</a:t>
-            </a:r>
-          </a:p>
-        </p:txBody>
-      </p:sp>
-      <p:sp>
-        <p:nvSpPr>
-          <p:cNvPr id="3" name="Content Placeholder 2">
-            <a:extLst>
-              <a:ext uri="{FF2B5EF4-FFF2-40B4-BE49-F238E27FC236}">
-                <a16:creationId xmlns:a16="http://schemas.microsoft.com/office/drawing/2014/main" id="{7808C25C-5BA2-4F83-8D14-E9137917745D}"/>
-              </a:ext>
-            </a:extLst>
-          </p:cNvPr>
-          <p:cNvSpPr>
-            <a:spLocks noGrp="1"/>
-          </p:cNvSpPr>
-          <p:nvPr>
-            <p:ph idx="1"/>
-          </p:nvPr>
-        </p:nvSpPr>
-        <p:spPr/>
-        <p:txBody>
-          <a:bodyPr/>
-          <a:lstStyle/>
-          <a:p>
-            <a:r>
-              <a:rPr lang="en-US" dirty="0"/>
-              <a:t>Code, documentation, data, references, etc. at: </a:t>
-            </a:r>
-            <a:r>
-              <a:rPr lang="en-US" dirty="0">
-                <a:hlinkClick r:id="rId2"/>
-              </a:rPr>
-              <a:t>https://github.com/jamesvu1/cs6381finalprojectgooglecloudpubsub</a:t>
-            </a:r>
-            <a:endParaRPr lang="en-US" dirty="0"/>
-          </a:p>
-          <a:p>
-            <a:r>
-              <a:rPr lang="en-US"/>
-              <a:t>Disclaimer: This repository was completed based on our overall understanding of the experiment instructions and what we knew/found through our efforts/attempts given the time we have had.</a:t>
-            </a:r>
-            <a:endParaRPr lang="en-US" dirty="0"/>
-          </a:p>
-        </p:txBody>
-      </p:sp>
-    </p:spTree>
-    <p:extLst>
-      <p:ext uri="{BB962C8B-B14F-4D97-AF65-F5344CB8AC3E}">
-        <p14:creationId xmlns:p14="http://schemas.microsoft.com/office/powerpoint/2010/main" val="2167400938"/>
-      </p:ext>
-    </p:extLst>
-  </p:cSld>
-  <p:clrMapOvr>
-    <a:masterClrMapping/>
-  </p:clrMapOvr>
-</p:sld>
-</file>
-
 <file path=ppt/slides/slide3.xml><?xml version="1.0" encoding="utf-8"?>
 <p:sld xmlns:a="http://schemas.openxmlformats.org/drawingml/2006/main" xmlns:r="http://schemas.openxmlformats.org/officeDocument/2006/relationships" xmlns:p="http://schemas.openxmlformats.org/presentationml/2006/main">
   <p:cSld>
@@ -9063,21 +9857,29 @@
             <a:pPr lvl="1"/>
             <a:r>
               <a:rPr lang="en-US" dirty="0"/>
-              <a:t>Pub.py: Send messages to Broker via ZMQ continuously.</a:t>
+              <a:t>p</a:t>
+            </a:r>
+            <a:r>
+              <a:rPr lang="en-US"/>
+              <a:t>ub</a:t>
+            </a:r>
+            <a:r>
+              <a:rPr lang="en-US" dirty="0"/>
+              <a:t>.py: Send messages to Broker via ZMQ continuously.</a:t>
             </a:r>
           </a:p>
           <a:p>
             <a:pPr lvl="1"/>
             <a:r>
               <a:rPr lang="en-US" dirty="0"/>
-              <a:t>Broker.py: Receive messages from Pub via ZMQ and send messages to Sub via Google Cloud Pub Sub continuously.</a:t>
+              <a:t>broker.py: Receive messages from Pub via ZMQ and send messages to Sub via Google Cloud Pub Sub continuously.</a:t>
             </a:r>
           </a:p>
           <a:p>
             <a:pPr lvl="1"/>
             <a:r>
               <a:rPr lang="en-US" dirty="0"/>
-              <a:t>Sub.py: Receive messages from Broker via Google Cloud Pub Sub and when a specified number of messages have been received, save the messages into CSV.</a:t>
+              <a:t>sub.py: Receive messages from Broker via Google Cloud Pub Sub and when a specified number of messages have been received, save the messages into CSV.</a:t>
             </a:r>
           </a:p>
           <a:p>
@@ -9091,7 +9893,7 @@
             <a:pPr lvl="1"/>
             <a:r>
               <a:rPr lang="en-US" dirty="0"/>
-              <a:t>Clear.py: Clears old messages that sub.py would have received via Google Cloud Pub on the next run.</a:t>
+              <a:t>clear.py: Clears old messages that sub.py would have received via Google Cloud Pub on the next run.</a:t>
             </a:r>
           </a:p>
           <a:p>
@@ -9574,7 +10376,7 @@
           <p:cNvPr id="2" name="Title 1">
             <a:extLst>
               <a:ext uri="{FF2B5EF4-FFF2-40B4-BE49-F238E27FC236}">
-                <a16:creationId xmlns:a16="http://schemas.microsoft.com/office/drawing/2014/main" id="{F91C49CC-D9B7-4F36-BD3C-198F94B45345}"/>
+                <a16:creationId xmlns:a16="http://schemas.microsoft.com/office/drawing/2014/main" id="{AD075A03-A904-4529-84BE-23F27666C5A5}"/>
               </a:ext>
             </a:extLst>
           </p:cNvPr>
@@ -9592,100 +10394,44 @@
           <a:p>
             <a:r>
               <a:rPr lang="en-US" dirty="0"/>
-              <a:t>Setup</a:t>
+              <a:t>Code – clear.py</a:t>
             </a:r>
           </a:p>
         </p:txBody>
       </p:sp>
-      <p:sp>
-        <p:nvSpPr>
-          <p:cNvPr id="3" name="Content Placeholder 2">
-            <a:extLst>
-              <a:ext uri="{FF2B5EF4-FFF2-40B4-BE49-F238E27FC236}">
-                <a16:creationId xmlns:a16="http://schemas.microsoft.com/office/drawing/2014/main" id="{4A6E11C6-160E-426E-AC3A-51359A25A2BE}"/>
-              </a:ext>
-            </a:extLst>
-          </p:cNvPr>
-          <p:cNvSpPr>
-            <a:spLocks noGrp="1"/>
-          </p:cNvSpPr>
+      <p:pic>
+        <p:nvPicPr>
+          <p:cNvPr id="5" name="Content Placeholder 4">
+            <a:extLst>
+              <a:ext uri="{FF2B5EF4-FFF2-40B4-BE49-F238E27FC236}">
+                <a16:creationId xmlns:a16="http://schemas.microsoft.com/office/drawing/2014/main" id="{0CDCEA56-950A-43A0-B333-B325DA98C442}"/>
+              </a:ext>
+            </a:extLst>
+          </p:cNvPr>
+          <p:cNvPicPr>
+            <a:picLocks noGrp="1" noChangeAspect="1"/>
+          </p:cNvPicPr>
           <p:nvPr>
             <p:ph idx="1"/>
           </p:nvPr>
-        </p:nvSpPr>
-        <p:spPr/>
-        <p:txBody>
-          <a:bodyPr>
-            <a:normAutofit fontScale="92500" lnSpcReduction="20000"/>
-          </a:bodyPr>
-          <a:lstStyle/>
-          <a:p>
-            <a:r>
-              <a:rPr lang="en-US" dirty="0"/>
-              <a:t>Create Google Cloud publisher and subscriber topics on their UI.</a:t>
-            </a:r>
-          </a:p>
-          <a:p>
-            <a:r>
-              <a:rPr lang="en-US" dirty="0"/>
-              <a:t>Have a local setup for integrating Google Cloud with Python. For our demo, we used Ubuntu 18.04 and Python3.</a:t>
-            </a:r>
-          </a:p>
-          <a:p>
-            <a:r>
-              <a:rPr lang="en-US" dirty="0"/>
-              <a:t>Install Google Cloud SDK on Ubuntu.</a:t>
-            </a:r>
-          </a:p>
-          <a:p>
-            <a:r>
-              <a:rPr lang="en-US" dirty="0"/>
-              <a:t>Git clone the Google Cloud Pub Sub repository. The </a:t>
-            </a:r>
-            <a:r>
-              <a:rPr lang="en-US" dirty="0" err="1"/>
-              <a:t>quickstart</a:t>
-            </a:r>
-            <a:r>
-              <a:rPr lang="en-US" dirty="0"/>
-              <a:t> folder contains code for sending and receiving messages via Google Cloud Pub Sub.</a:t>
-            </a:r>
-          </a:p>
-          <a:p>
-            <a:pPr lvl="1"/>
-            <a:r>
-              <a:rPr lang="en-US" dirty="0"/>
-              <a:t>Before running the code, put `` like where it shows export PROJECT=`</a:t>
-            </a:r>
-            <a:r>
-              <a:rPr lang="en-US" dirty="0" err="1"/>
-              <a:t>gcloud</a:t>
-            </a:r>
-            <a:r>
-              <a:rPr lang="en-US" dirty="0"/>
-              <a:t> config get-value project`</a:t>
-            </a:r>
-          </a:p>
-          <a:p>
-            <a:r>
-              <a:rPr lang="en-US" dirty="0"/>
-              <a:t>Rename your JSON key to something simple like </a:t>
-            </a:r>
-            <a:r>
-              <a:rPr lang="en-US" dirty="0" err="1"/>
-              <a:t>key.json</a:t>
-            </a:r>
-            <a:r>
-              <a:rPr lang="en-US" dirty="0"/>
-              <a:t> and put it somewhere simple to access like in the Downloads folder with respect to the root folder.</a:t>
-            </a:r>
-          </a:p>
-        </p:txBody>
-      </p:sp>
+        </p:nvPicPr>
+        <p:blipFill>
+          <a:blip r:embed="rId2"/>
+          <a:stretch>
+            <a:fillRect/>
+          </a:stretch>
+        </p:blipFill>
+        <p:spPr>
+          <a:xfrm>
+            <a:off x="838200" y="2553191"/>
+            <a:ext cx="10515600" cy="2896206"/>
+          </a:xfrm>
+        </p:spPr>
+      </p:pic>
     </p:spTree>
     <p:extLst>
       <p:ext uri="{BB962C8B-B14F-4D97-AF65-F5344CB8AC3E}">
-        <p14:creationId xmlns:p14="http://schemas.microsoft.com/office/powerpoint/2010/main" val="2490214408"/>
+        <p14:creationId xmlns:p14="http://schemas.microsoft.com/office/powerpoint/2010/main" val="2055326900"/>
       </p:ext>
     </p:extLst>
   </p:cSld>
@@ -9717,7 +10463,7 @@
           <p:cNvPr id="2" name="Title 1">
             <a:extLst>
               <a:ext uri="{FF2B5EF4-FFF2-40B4-BE49-F238E27FC236}">
-                <a16:creationId xmlns:a16="http://schemas.microsoft.com/office/drawing/2014/main" id="{710A0A31-290F-4D4B-B33D-515EBCB59B1B}"/>
+                <a16:creationId xmlns:a16="http://schemas.microsoft.com/office/drawing/2014/main" id="{342FBD6B-2396-4A4D-9266-FB0C96CB1FA0}"/>
               </a:ext>
             </a:extLst>
           </p:cNvPr>
@@ -9735,406 +10481,77 @@
           <a:p>
             <a:r>
               <a:rPr lang="en-US" dirty="0"/>
-              <a:t>Run Code to Get Time Differences CSV Data</a:t>
+              <a:t>Code – calculateStatistics.py</a:t>
             </a:r>
           </a:p>
         </p:txBody>
       </p:sp>
-      <p:sp>
-        <p:nvSpPr>
-          <p:cNvPr id="3" name="Content Placeholder 2">
-            <a:extLst>
-              <a:ext uri="{FF2B5EF4-FFF2-40B4-BE49-F238E27FC236}">
-                <a16:creationId xmlns:a16="http://schemas.microsoft.com/office/drawing/2014/main" id="{0D568473-AFA6-4130-AE26-3AB7A66153DD}"/>
-              </a:ext>
-            </a:extLst>
-          </p:cNvPr>
-          <p:cNvSpPr>
-            <a:spLocks noGrp="1"/>
-          </p:cNvSpPr>
+      <p:pic>
+        <p:nvPicPr>
+          <p:cNvPr id="6" name="Content Placeholder 5">
+            <a:extLst>
+              <a:ext uri="{FF2B5EF4-FFF2-40B4-BE49-F238E27FC236}">
+                <a16:creationId xmlns:a16="http://schemas.microsoft.com/office/drawing/2014/main" id="{A83C5DD9-0219-4390-A212-42D473DE8EE0}"/>
+              </a:ext>
+            </a:extLst>
+          </p:cNvPr>
+          <p:cNvPicPr>
+            <a:picLocks noGrp="1" noChangeAspect="1"/>
+          </p:cNvPicPr>
           <p:nvPr>
             <p:ph idx="1"/>
           </p:nvPr>
-        </p:nvSpPr>
-        <p:spPr/>
-        <p:txBody>
-          <a:bodyPr>
-            <a:noAutofit/>
-          </a:bodyPr>
-          <a:lstStyle/>
-          <a:p>
-            <a:r>
-              <a:rPr lang="en-US" sz="1200" dirty="0">
-                <a:cs typeface="Arial" panose="020B0604020202020204" pitchFamily="34" charset="0"/>
-              </a:rPr>
-              <a:t>Automatically</a:t>
-            </a:r>
-          </a:p>
-          <a:p>
-            <a:pPr lvl="1"/>
-            <a:r>
-              <a:rPr lang="en-US" sz="1200" dirty="0">
-                <a:effectLst/>
-                <a:ea typeface="Calibri" panose="020F0502020204030204" pitchFamily="34" charset="0"/>
-                <a:cs typeface="Arial" panose="020B0604020202020204" pitchFamily="34" charset="0"/>
-              </a:rPr>
-              <a:t>Navigate to the tests folder</a:t>
-            </a:r>
-          </a:p>
-          <a:p>
-            <a:pPr lvl="1"/>
-            <a:r>
-              <a:rPr lang="en-US" sz="1200" dirty="0">
-                <a:ea typeface="Calibri" panose="020F0502020204030204" pitchFamily="34" charset="0"/>
-                <a:cs typeface="Arial" panose="020B0604020202020204" pitchFamily="34" charset="0"/>
-              </a:rPr>
-              <a:t>R</a:t>
-            </a:r>
-            <a:r>
-              <a:rPr lang="en-US" sz="1200" dirty="0">
-                <a:effectLst/>
-                <a:ea typeface="Calibri" panose="020F0502020204030204" pitchFamily="34" charset="0"/>
-                <a:cs typeface="Arial" panose="020B0604020202020204" pitchFamily="34" charset="0"/>
-              </a:rPr>
-              <a:t>un a test using “./{{test name}}” (e. g. “./1producer1consumerTest.sh”).</a:t>
-            </a:r>
-          </a:p>
-          <a:p>
-            <a:pPr lvl="1"/>
-            <a:r>
-              <a:rPr lang="en-US" sz="1200" dirty="0">
-                <a:ea typeface="Calibri" panose="020F0502020204030204" pitchFamily="34" charset="0"/>
-                <a:cs typeface="Arial" panose="020B0604020202020204" pitchFamily="34" charset="0"/>
-              </a:rPr>
-              <a:t>W</a:t>
-            </a:r>
-            <a:r>
-              <a:rPr lang="en-US" sz="1200" dirty="0">
-                <a:effectLst/>
-                <a:ea typeface="Calibri" panose="020F0502020204030204" pitchFamily="34" charset="0"/>
-                <a:cs typeface="Arial" panose="020B0604020202020204" pitchFamily="34" charset="0"/>
-              </a:rPr>
-              <a:t>ait until the test finishes (</a:t>
-            </a:r>
-            <a:r>
-              <a:rPr lang="en-US" sz="1200" dirty="0" err="1">
-                <a:effectLst/>
-                <a:ea typeface="Calibri" panose="020F0502020204030204" pitchFamily="34" charset="0"/>
-                <a:cs typeface="Arial" panose="020B0604020202020204" pitchFamily="34" charset="0"/>
-              </a:rPr>
-              <a:t>i</a:t>
-            </a:r>
-            <a:r>
-              <a:rPr lang="en-US" sz="1200" dirty="0">
-                <a:effectLst/>
-                <a:ea typeface="Calibri" panose="020F0502020204030204" pitchFamily="34" charset="0"/>
-                <a:cs typeface="Arial" panose="020B0604020202020204" pitchFamily="34" charset="0"/>
-              </a:rPr>
-              <a:t>. e. when all extra terminal tabs have closed [the last one takes a little while to show up]) and then check for results in the </a:t>
-            </a:r>
-            <a:r>
-              <a:rPr lang="en-US" sz="1200" dirty="0" err="1">
-                <a:effectLst/>
-                <a:ea typeface="Calibri" panose="020F0502020204030204" pitchFamily="34" charset="0"/>
-                <a:cs typeface="Arial" panose="020B0604020202020204" pitchFamily="34" charset="0"/>
-              </a:rPr>
-              <a:t>timeMeasurements</a:t>
-            </a:r>
-            <a:r>
-              <a:rPr lang="en-US" sz="1200" dirty="0">
-                <a:effectLst/>
-                <a:ea typeface="Calibri" panose="020F0502020204030204" pitchFamily="34" charset="0"/>
-                <a:cs typeface="Arial" panose="020B0604020202020204" pitchFamily="34" charset="0"/>
-              </a:rPr>
-              <a:t> folder.</a:t>
-            </a:r>
-          </a:p>
-          <a:p>
-            <a:r>
-              <a:rPr lang="en-US" sz="1200" dirty="0">
-                <a:cs typeface="Arial" panose="020B0604020202020204" pitchFamily="34" charset="0"/>
-              </a:rPr>
-              <a:t>Manually</a:t>
-            </a:r>
-          </a:p>
-          <a:p>
-            <a:pPr lvl="1"/>
-            <a:r>
-              <a:rPr lang="en-US" sz="1200" dirty="0">
-                <a:effectLst/>
-                <a:ea typeface="Calibri" panose="020F0502020204030204" pitchFamily="34" charset="0"/>
-                <a:cs typeface="Arial" panose="020B0604020202020204" pitchFamily="34" charset="0"/>
-              </a:rPr>
-              <a:t>Open 3 separate terminals or tabs and run each of the following separately in this order, applying the “Connect to Google Cloud Project” step as follows at the start of all the subsequent steps (sub.py, pub.py, broker.py).</a:t>
-            </a:r>
-          </a:p>
-          <a:p>
-            <a:pPr lvl="2"/>
-            <a:r>
-              <a:rPr lang="en-US" sz="1200" dirty="0">
-                <a:effectLst/>
-                <a:ea typeface="Calibri" panose="020F0502020204030204" pitchFamily="34" charset="0"/>
-                <a:cs typeface="Arial" panose="020B0604020202020204" pitchFamily="34" charset="0"/>
-              </a:rPr>
-              <a:t>Connect to Google Cloud project.</a:t>
-            </a:r>
-          </a:p>
-          <a:p>
-            <a:pPr lvl="3">
-              <a:lnSpc>
-                <a:spcPct val="107000"/>
-              </a:lnSpc>
-              <a:spcBef>
-                <a:spcPts val="0"/>
-              </a:spcBef>
-              <a:buFont typeface="+mj-lt"/>
-              <a:buAutoNum type="arabicPeriod"/>
-            </a:pPr>
-            <a:r>
-              <a:rPr lang="en-US" sz="1200" dirty="0">
-                <a:effectLst/>
-                <a:ea typeface="Calibri" panose="020F0502020204030204" pitchFamily="34" charset="0"/>
-                <a:cs typeface="Arial" panose="020B0604020202020204" pitchFamily="34" charset="0"/>
-              </a:rPr>
-              <a:t>export GOOGLE_APPLICATION_CREDENTIALS=~/Downloads/</a:t>
-            </a:r>
-            <a:r>
-              <a:rPr lang="en-US" sz="1200" dirty="0" err="1">
-                <a:effectLst/>
-                <a:ea typeface="Calibri" panose="020F0502020204030204" pitchFamily="34" charset="0"/>
-                <a:cs typeface="Arial" panose="020B0604020202020204" pitchFamily="34" charset="0"/>
-              </a:rPr>
-              <a:t>key.json</a:t>
-            </a:r>
-            <a:endParaRPr lang="en-US" sz="1200" dirty="0">
-              <a:effectLst/>
-              <a:ea typeface="Calibri" panose="020F0502020204030204" pitchFamily="34" charset="0"/>
-              <a:cs typeface="Arial" panose="020B0604020202020204" pitchFamily="34" charset="0"/>
-            </a:endParaRPr>
-          </a:p>
-          <a:p>
-            <a:pPr lvl="3">
-              <a:lnSpc>
-                <a:spcPct val="107000"/>
-              </a:lnSpc>
-              <a:spcBef>
-                <a:spcPts val="0"/>
-              </a:spcBef>
-              <a:buFont typeface="+mj-lt"/>
-              <a:buAutoNum type="arabicPeriod"/>
-            </a:pPr>
-            <a:r>
-              <a:rPr lang="en-US" sz="1200" dirty="0">
-                <a:effectLst/>
-                <a:ea typeface="Calibri" panose="020F0502020204030204" pitchFamily="34" charset="0"/>
-                <a:cs typeface="Arial" panose="020B0604020202020204" pitchFamily="34" charset="0"/>
-              </a:rPr>
-              <a:t>export PROJECT=`</a:t>
-            </a:r>
-            <a:r>
-              <a:rPr lang="en-US" sz="1200" dirty="0" err="1">
-                <a:effectLst/>
-                <a:ea typeface="Calibri" panose="020F0502020204030204" pitchFamily="34" charset="0"/>
-                <a:cs typeface="Arial" panose="020B0604020202020204" pitchFamily="34" charset="0"/>
-              </a:rPr>
-              <a:t>gcloud</a:t>
-            </a:r>
-            <a:r>
-              <a:rPr lang="en-US" sz="1200" dirty="0">
-                <a:effectLst/>
-                <a:ea typeface="Calibri" panose="020F0502020204030204" pitchFamily="34" charset="0"/>
-                <a:cs typeface="Arial" panose="020B0604020202020204" pitchFamily="34" charset="0"/>
-              </a:rPr>
-              <a:t> config get-value project`</a:t>
-            </a:r>
-          </a:p>
-          <a:p>
-            <a:pPr lvl="3">
-              <a:lnSpc>
-                <a:spcPct val="107000"/>
-              </a:lnSpc>
-              <a:spcBef>
-                <a:spcPts val="0"/>
-              </a:spcBef>
-              <a:buFont typeface="+mj-lt"/>
-              <a:buAutoNum type="arabicPeriod"/>
-            </a:pPr>
-            <a:r>
-              <a:rPr lang="en-US" sz="1200" dirty="0">
-                <a:effectLst/>
-                <a:ea typeface="Calibri" panose="020F0502020204030204" pitchFamily="34" charset="0"/>
-                <a:cs typeface="Arial" panose="020B0604020202020204" pitchFamily="34" charset="0"/>
-              </a:rPr>
-              <a:t>echo $PROJECT (make sure project ID shows up)</a:t>
-            </a:r>
-          </a:p>
-          <a:p>
-            <a:pPr lvl="2">
-              <a:lnSpc>
-                <a:spcPct val="107000"/>
-              </a:lnSpc>
-              <a:spcBef>
-                <a:spcPts val="0"/>
-              </a:spcBef>
-              <a:buFont typeface="+mj-lt"/>
-              <a:buAutoNum type="arabicPeriod"/>
-            </a:pPr>
-            <a:r>
-              <a:rPr lang="en-US" sz="1200" dirty="0">
-                <a:effectLst/>
-                <a:ea typeface="Calibri" panose="020F0502020204030204" pitchFamily="34" charset="0"/>
-                <a:cs typeface="Arial" panose="020B0604020202020204" pitchFamily="34" charset="0"/>
-              </a:rPr>
-              <a:t>Run sub.py:</a:t>
-            </a:r>
-          </a:p>
-          <a:p>
-            <a:pPr lvl="3">
-              <a:lnSpc>
-                <a:spcPct val="107000"/>
-              </a:lnSpc>
-              <a:spcBef>
-                <a:spcPts val="0"/>
-              </a:spcBef>
-              <a:buFont typeface="+mj-lt"/>
-              <a:buAutoNum type="arabicPeriod"/>
-            </a:pPr>
-            <a:r>
-              <a:rPr lang="en-US" sz="1200" dirty="0">
-                <a:effectLst/>
-                <a:ea typeface="Calibri" panose="020F0502020204030204" pitchFamily="34" charset="0"/>
-                <a:cs typeface="Arial" panose="020B0604020202020204" pitchFamily="34" charset="0"/>
-              </a:rPr>
-              <a:t>“python3 sub.py $PROJECT {{Google Cloud-created subscription name (e. g. </a:t>
-            </a:r>
-            <a:r>
-              <a:rPr lang="en-US" sz="1200" dirty="0" err="1">
-                <a:effectLst/>
-                <a:ea typeface="Calibri" panose="020F0502020204030204" pitchFamily="34" charset="0"/>
-                <a:cs typeface="Arial" panose="020B0604020202020204" pitchFamily="34" charset="0"/>
-              </a:rPr>
-              <a:t>sub_one</a:t>
-            </a:r>
-            <a:r>
-              <a:rPr lang="en-US" sz="1200" dirty="0">
-                <a:effectLst/>
-                <a:ea typeface="Calibri" panose="020F0502020204030204" pitchFamily="34" charset="0"/>
-                <a:cs typeface="Arial" panose="020B0604020202020204" pitchFamily="34" charset="0"/>
-              </a:rPr>
-              <a:t>)}}”</a:t>
-            </a:r>
-          </a:p>
-          <a:p>
-            <a:pPr lvl="2">
-              <a:lnSpc>
-                <a:spcPct val="107000"/>
-              </a:lnSpc>
-              <a:spcBef>
-                <a:spcPts val="0"/>
-              </a:spcBef>
-              <a:buFont typeface="+mj-lt"/>
-              <a:buAutoNum type="arabicPeriod"/>
-            </a:pPr>
-            <a:r>
-              <a:rPr lang="en-US" sz="1200" dirty="0">
-                <a:effectLst/>
-                <a:ea typeface="Calibri" panose="020F0502020204030204" pitchFamily="34" charset="0"/>
-                <a:cs typeface="Arial" panose="020B0604020202020204" pitchFamily="34" charset="0"/>
-              </a:rPr>
-              <a:t>Run broker.py:</a:t>
-            </a:r>
-          </a:p>
-          <a:p>
-            <a:pPr lvl="3">
-              <a:lnSpc>
-                <a:spcPct val="107000"/>
-              </a:lnSpc>
-              <a:spcBef>
-                <a:spcPts val="0"/>
-              </a:spcBef>
-              <a:buFont typeface="+mj-lt"/>
-              <a:buAutoNum type="arabicPeriod"/>
-            </a:pPr>
-            <a:r>
-              <a:rPr lang="en-US" sz="1200" dirty="0">
-                <a:effectLst/>
-                <a:ea typeface="Calibri" panose="020F0502020204030204" pitchFamily="34" charset="0"/>
-                <a:cs typeface="Arial" panose="020B0604020202020204" pitchFamily="34" charset="0"/>
-              </a:rPr>
-              <a:t>“python3 broker.py $PROJECT {{Google Cloud-created topic name (e. g. </a:t>
-            </a:r>
-            <a:r>
-              <a:rPr lang="en-US" sz="1200" dirty="0" err="1">
-                <a:effectLst/>
-                <a:ea typeface="Calibri" panose="020F0502020204030204" pitchFamily="34" charset="0"/>
-                <a:cs typeface="Arial" panose="020B0604020202020204" pitchFamily="34" charset="0"/>
-              </a:rPr>
-              <a:t>hello_topic</a:t>
-            </a:r>
-            <a:r>
-              <a:rPr lang="en-US" sz="1200" dirty="0">
-                <a:effectLst/>
-                <a:ea typeface="Calibri" panose="020F0502020204030204" pitchFamily="34" charset="0"/>
-                <a:cs typeface="Arial" panose="020B0604020202020204" pitchFamily="34" charset="0"/>
-              </a:rPr>
-              <a:t>}}”</a:t>
-            </a:r>
-          </a:p>
-          <a:p>
-            <a:pPr lvl="2">
-              <a:lnSpc>
-                <a:spcPct val="107000"/>
-              </a:lnSpc>
-              <a:spcBef>
-                <a:spcPts val="0"/>
-              </a:spcBef>
-              <a:buFont typeface="+mj-lt"/>
-              <a:buAutoNum type="arabicPeriod"/>
-            </a:pPr>
-            <a:r>
-              <a:rPr lang="en-US" sz="1200" dirty="0">
-                <a:effectLst/>
-                <a:ea typeface="Calibri" panose="020F0502020204030204" pitchFamily="34" charset="0"/>
-                <a:cs typeface="Arial" panose="020B0604020202020204" pitchFamily="34" charset="0"/>
-              </a:rPr>
-              <a:t>Run pub.py:</a:t>
-            </a:r>
-          </a:p>
-          <a:p>
-            <a:pPr lvl="3">
-              <a:lnSpc>
-                <a:spcPct val="107000"/>
-              </a:lnSpc>
-              <a:spcBef>
-                <a:spcPts val="0"/>
-              </a:spcBef>
-              <a:spcAft>
-                <a:spcPts val="800"/>
-              </a:spcAft>
-              <a:buFont typeface="+mj-lt"/>
-              <a:buAutoNum type="arabicPeriod"/>
-            </a:pPr>
-            <a:r>
-              <a:rPr lang="en-US" sz="1200" dirty="0">
-                <a:effectLst/>
-                <a:ea typeface="Calibri" panose="020F0502020204030204" pitchFamily="34" charset="0"/>
-                <a:cs typeface="Arial" panose="020B0604020202020204" pitchFamily="34" charset="0"/>
-              </a:rPr>
-              <a:t>"python3 pub.py {{file name}}“</a:t>
-            </a:r>
-          </a:p>
-          <a:p>
-            <a:pPr lvl="1"/>
-            <a:endParaRPr lang="en-US" sz="1200" dirty="0">
-              <a:cs typeface="Arial" panose="020B0604020202020204" pitchFamily="34" charset="0"/>
-            </a:endParaRPr>
-          </a:p>
-        </p:txBody>
-      </p:sp>
+        </p:nvPicPr>
+        <p:blipFill>
+          <a:blip r:embed="rId2"/>
+          <a:stretch>
+            <a:fillRect/>
+          </a:stretch>
+        </p:blipFill>
+        <p:spPr>
+          <a:xfrm>
+            <a:off x="406045" y="1825624"/>
+            <a:ext cx="5689955" cy="4351338"/>
+          </a:xfrm>
+          <a:prstGeom prst="rect">
+            <a:avLst/>
+          </a:prstGeom>
+        </p:spPr>
+      </p:pic>
+      <p:pic>
+        <p:nvPicPr>
+          <p:cNvPr id="7" name="Picture 6">
+            <a:extLst>
+              <a:ext uri="{FF2B5EF4-FFF2-40B4-BE49-F238E27FC236}">
+                <a16:creationId xmlns:a16="http://schemas.microsoft.com/office/drawing/2014/main" id="{94C69BA4-0667-494F-89B9-F088D84068C1}"/>
+              </a:ext>
+            </a:extLst>
+          </p:cNvPr>
+          <p:cNvPicPr>
+            <a:picLocks noChangeAspect="1"/>
+          </p:cNvPicPr>
+          <p:nvPr/>
+        </p:nvPicPr>
+        <p:blipFill>
+          <a:blip r:embed="rId3"/>
+          <a:stretch>
+            <a:fillRect/>
+          </a:stretch>
+        </p:blipFill>
+        <p:spPr>
+          <a:xfrm>
+            <a:off x="6199888" y="1856546"/>
+            <a:ext cx="5667696" cy="4320416"/>
+          </a:xfrm>
+          <a:prstGeom prst="rect">
+            <a:avLst/>
+          </a:prstGeom>
+        </p:spPr>
+      </p:pic>
     </p:spTree>
     <p:extLst>
       <p:ext uri="{BB962C8B-B14F-4D97-AF65-F5344CB8AC3E}">
-        <p14:creationId xmlns:p14="http://schemas.microsoft.com/office/powerpoint/2010/main" val="3321963082"/>
+        <p14:creationId xmlns:p14="http://schemas.microsoft.com/office/powerpoint/2010/main" val="2151785827"/>
       </p:ext>
     </p:extLst>
   </p:cSld>
@@ -10166,7 +10583,7 @@
           <p:cNvPr id="2" name="Title 1">
             <a:extLst>
               <a:ext uri="{FF2B5EF4-FFF2-40B4-BE49-F238E27FC236}">
-                <a16:creationId xmlns:a16="http://schemas.microsoft.com/office/drawing/2014/main" id="{35FCEF6F-0434-4616-81DB-C5FE6D7FE6F1}"/>
+                <a16:creationId xmlns:a16="http://schemas.microsoft.com/office/drawing/2014/main" id="{D26A3393-7639-4CA8-AF8C-F944BD0D017B}"/>
               </a:ext>
             </a:extLst>
           </p:cNvPr>
@@ -10184,156 +10601,74 @@
           <a:p>
             <a:r>
               <a:rPr lang="en-US" dirty="0"/>
-              <a:t>Stop the Run</a:t>
+              <a:t>Code – hardwareMeasure.py</a:t>
             </a:r>
           </a:p>
         </p:txBody>
       </p:sp>
-      <p:sp>
-        <p:nvSpPr>
-          <p:cNvPr id="3" name="Content Placeholder 2">
-            <a:extLst>
-              <a:ext uri="{FF2B5EF4-FFF2-40B4-BE49-F238E27FC236}">
-                <a16:creationId xmlns:a16="http://schemas.microsoft.com/office/drawing/2014/main" id="{ADA6AFE3-CEC0-4F72-B3A7-C85B8D17BA72}"/>
-              </a:ext>
-            </a:extLst>
-          </p:cNvPr>
-          <p:cNvSpPr>
-            <a:spLocks noGrp="1"/>
-          </p:cNvSpPr>
+      <p:pic>
+        <p:nvPicPr>
+          <p:cNvPr id="7" name="Content Placeholder 6">
+            <a:extLst>
+              <a:ext uri="{FF2B5EF4-FFF2-40B4-BE49-F238E27FC236}">
+                <a16:creationId xmlns:a16="http://schemas.microsoft.com/office/drawing/2014/main" id="{4D498D60-2125-44BC-B02C-0CB3FDEC152D}"/>
+              </a:ext>
+            </a:extLst>
+          </p:cNvPr>
+          <p:cNvPicPr>
+            <a:picLocks noGrp="1" noChangeAspect="1"/>
+          </p:cNvPicPr>
           <p:nvPr>
             <p:ph idx="1"/>
           </p:nvPr>
-        </p:nvSpPr>
-        <p:spPr/>
-        <p:txBody>
-          <a:bodyPr>
-            <a:normAutofit/>
-          </a:bodyPr>
-          <a:lstStyle/>
-          <a:p>
-            <a:pPr>
-              <a:lnSpc>
-                <a:spcPct val="107000"/>
-              </a:lnSpc>
-              <a:spcBef>
-                <a:spcPts val="0"/>
-              </a:spcBef>
-            </a:pPr>
-            <a:r>
-              <a:rPr lang="en-US" sz="2400" dirty="0">
-                <a:effectLst/>
-                <a:ea typeface="Calibri" panose="020F0502020204030204" pitchFamily="34" charset="0"/>
-                <a:cs typeface="Times New Roman" panose="02020603050405020304" pitchFamily="18" charset="0"/>
-              </a:rPr>
-              <a:t>To stop the code properly using Ctrl + C:</a:t>
-            </a:r>
-          </a:p>
-          <a:p>
-            <a:pPr lvl="1">
-              <a:lnSpc>
-                <a:spcPct val="107000"/>
-              </a:lnSpc>
-              <a:spcBef>
-                <a:spcPts val="0"/>
-              </a:spcBef>
-            </a:pPr>
-            <a:r>
-              <a:rPr lang="en-US" dirty="0">
-                <a:effectLst/>
-                <a:ea typeface="Calibri" panose="020F0502020204030204" pitchFamily="34" charset="0"/>
-                <a:cs typeface="Times New Roman" panose="02020603050405020304" pitchFamily="18" charset="0"/>
-              </a:rPr>
-              <a:t>Stop broker.py 1</a:t>
-            </a:r>
-            <a:r>
-              <a:rPr lang="en-US" baseline="30000" dirty="0">
-                <a:effectLst/>
-                <a:ea typeface="Calibri" panose="020F0502020204030204" pitchFamily="34" charset="0"/>
-                <a:cs typeface="Times New Roman" panose="02020603050405020304" pitchFamily="18" charset="0"/>
-              </a:rPr>
-              <a:t>st</a:t>
-            </a:r>
-            <a:r>
-              <a:rPr lang="en-US" dirty="0">
-                <a:effectLst/>
-                <a:ea typeface="Calibri" panose="020F0502020204030204" pitchFamily="34" charset="0"/>
-                <a:cs typeface="Times New Roman" panose="02020603050405020304" pitchFamily="18" charset="0"/>
-              </a:rPr>
-              <a:t> or else sub.py will receive old messages.</a:t>
-            </a:r>
-          </a:p>
-          <a:p>
-            <a:pPr lvl="1">
-              <a:lnSpc>
-                <a:spcPct val="107000"/>
-              </a:lnSpc>
-              <a:spcBef>
-                <a:spcPts val="0"/>
-              </a:spcBef>
-            </a:pPr>
-            <a:r>
-              <a:rPr lang="en-US" dirty="0">
-                <a:effectLst/>
-                <a:ea typeface="Calibri" panose="020F0502020204030204" pitchFamily="34" charset="0"/>
-                <a:cs typeface="Times New Roman" panose="02020603050405020304" pitchFamily="18" charset="0"/>
-              </a:rPr>
-              <a:t>Empty out old messages by 1 of the following ways:</a:t>
-            </a:r>
-          </a:p>
-          <a:p>
-            <a:pPr lvl="2">
-              <a:lnSpc>
-                <a:spcPct val="107000"/>
-              </a:lnSpc>
-              <a:spcBef>
-                <a:spcPts val="0"/>
-              </a:spcBef>
-            </a:pPr>
-            <a:r>
-              <a:rPr lang="en-US" sz="2400" dirty="0">
-                <a:effectLst/>
-                <a:ea typeface="Calibri" panose="020F0502020204030204" pitchFamily="34" charset="0"/>
-                <a:cs typeface="Times New Roman" panose="02020603050405020304" pitchFamily="18" charset="0"/>
-              </a:rPr>
-              <a:t>Run “python3 clear.py”.</a:t>
-            </a:r>
-          </a:p>
-          <a:p>
-            <a:pPr lvl="2">
-              <a:lnSpc>
-                <a:spcPct val="107000"/>
-              </a:lnSpc>
-              <a:spcBef>
-                <a:spcPts val="0"/>
-              </a:spcBef>
-              <a:spcAft>
-                <a:spcPts val="800"/>
-              </a:spcAft>
-            </a:pPr>
-            <a:r>
-              <a:rPr lang="en-US" sz="2400" dirty="0">
-                <a:effectLst/>
-                <a:ea typeface="Calibri" panose="020F0502020204030204" pitchFamily="34" charset="0"/>
-                <a:cs typeface="Times New Roman" panose="02020603050405020304" pitchFamily="18" charset="0"/>
-              </a:rPr>
-              <a:t>Start sub.py and wait until all old messages are emptied out and then stop it before running the code again.</a:t>
-            </a:r>
-            <a:endParaRPr lang="en-US" sz="2400" dirty="0">
-              <a:effectLst/>
-              <a:ea typeface="Calibri" panose="020F0502020204030204" pitchFamily="34" charset="0"/>
-              <a:cs typeface="Arial" panose="020B0604020202020204" pitchFamily="34" charset="0"/>
-            </a:endParaRPr>
-          </a:p>
-          <a:p>
-            <a:endParaRPr lang="en-US" sz="2400" dirty="0"/>
-          </a:p>
-        </p:txBody>
-      </p:sp>
+        </p:nvPicPr>
+        <p:blipFill>
+          <a:blip r:embed="rId2"/>
+          <a:stretch>
+            <a:fillRect/>
+          </a:stretch>
+        </p:blipFill>
+        <p:spPr>
+          <a:xfrm>
+            <a:off x="978053" y="1794704"/>
+            <a:ext cx="4431441" cy="4351338"/>
+          </a:xfrm>
+        </p:spPr>
+      </p:pic>
+      <p:pic>
+        <p:nvPicPr>
+          <p:cNvPr id="14" name="Picture 13">
+            <a:extLst>
+              <a:ext uri="{FF2B5EF4-FFF2-40B4-BE49-F238E27FC236}">
+                <a16:creationId xmlns:a16="http://schemas.microsoft.com/office/drawing/2014/main" id="{54F2DB22-33D8-4206-9EC5-065EA5866EEE}"/>
+              </a:ext>
+            </a:extLst>
+          </p:cNvPr>
+          <p:cNvPicPr>
+            <a:picLocks noChangeAspect="1"/>
+          </p:cNvPicPr>
+          <p:nvPr/>
+        </p:nvPicPr>
+        <p:blipFill>
+          <a:blip r:embed="rId3"/>
+          <a:stretch>
+            <a:fillRect/>
+          </a:stretch>
+        </p:blipFill>
+        <p:spPr>
+          <a:xfrm>
+            <a:off x="5606773" y="1794703"/>
+            <a:ext cx="5961717" cy="2613853"/>
+          </a:xfrm>
+          <a:prstGeom prst="rect">
+            <a:avLst/>
+          </a:prstGeom>
+        </p:spPr>
+      </p:pic>
     </p:spTree>
     <p:extLst>
       <p:ext uri="{BB962C8B-B14F-4D97-AF65-F5344CB8AC3E}">
-        <p14:creationId xmlns:p14="http://schemas.microsoft.com/office/powerpoint/2010/main" val="2041635587"/>
+        <p14:creationId xmlns:p14="http://schemas.microsoft.com/office/powerpoint/2010/main" val="745967069"/>
       </p:ext>
     </p:extLst>
   </p:cSld>
